--- a/Federal Government Contracts Analysis.pptx
+++ b/Federal Government Contracts Analysis.pptx
@@ -8,9 +8,9 @@
     <p:sldId id="256" r:id="rId2"/>
     <p:sldId id="257" r:id="rId3"/>
     <p:sldId id="258" r:id="rId4"/>
-    <p:sldId id="259" r:id="rId5"/>
-    <p:sldId id="260" r:id="rId6"/>
-    <p:sldId id="262" r:id="rId7"/>
+    <p:sldId id="262" r:id="rId5"/>
+    <p:sldId id="259" r:id="rId6"/>
+    <p:sldId id="260" r:id="rId7"/>
     <p:sldId id="261" r:id="rId8"/>
   </p:sldIdLst>
   <p:sldSz cx="12192000" cy="6858000"/>
@@ -116,6 +116,6077 @@
     </p:ext>
   </p:extLst>
 </p:presentation>
+</file>
+
+<file path=ppt/diagrams/colors1.xml><?xml version="1.0" encoding="utf-8"?>
+<dgm:colorsDef xmlns:dgm="http://schemas.openxmlformats.org/drawingml/2006/diagram" xmlns:a="http://schemas.openxmlformats.org/drawingml/2006/main" uniqueId="urn:microsoft.com/office/officeart/2005/8/colors/colorful2">
+  <dgm:title val=""/>
+  <dgm:desc val=""/>
+  <dgm:catLst>
+    <dgm:cat type="colorful" pri="10200"/>
+  </dgm:catLst>
+  <dgm:styleLbl name="node0">
+    <dgm:fillClrLst meth="repeat">
+      <a:schemeClr val="accent1"/>
+    </dgm:fillClrLst>
+    <dgm:linClrLst meth="repeat">
+      <a:schemeClr val="lt1"/>
+    </dgm:linClrLst>
+    <dgm:effectClrLst/>
+    <dgm:txLinClrLst/>
+    <dgm:txFillClrLst/>
+    <dgm:txEffectClrLst/>
+  </dgm:styleLbl>
+  <dgm:styleLbl name="node1">
+    <dgm:fillClrLst>
+      <a:schemeClr val="accent2"/>
+      <a:schemeClr val="accent3"/>
+    </dgm:fillClrLst>
+    <dgm:linClrLst meth="repeat">
+      <a:schemeClr val="lt1"/>
+    </dgm:linClrLst>
+    <dgm:effectClrLst/>
+    <dgm:txLinClrLst/>
+    <dgm:txFillClrLst/>
+    <dgm:txEffectClrLst/>
+  </dgm:styleLbl>
+  <dgm:styleLbl name="alignNode1">
+    <dgm:fillClrLst>
+      <a:schemeClr val="accent2"/>
+      <a:schemeClr val="accent3"/>
+    </dgm:fillClrLst>
+    <dgm:linClrLst>
+      <a:schemeClr val="accent2"/>
+      <a:schemeClr val="accent3"/>
+    </dgm:linClrLst>
+    <dgm:effectClrLst/>
+    <dgm:txLinClrLst/>
+    <dgm:txFillClrLst/>
+    <dgm:txEffectClrLst/>
+  </dgm:styleLbl>
+  <dgm:styleLbl name="lnNode1">
+    <dgm:fillClrLst>
+      <a:schemeClr val="accent2"/>
+      <a:schemeClr val="accent3"/>
+    </dgm:fillClrLst>
+    <dgm:linClrLst meth="repeat">
+      <a:schemeClr val="lt1"/>
+    </dgm:linClrLst>
+    <dgm:effectClrLst/>
+    <dgm:txLinClrLst/>
+    <dgm:txFillClrLst/>
+    <dgm:txEffectClrLst/>
+  </dgm:styleLbl>
+  <dgm:styleLbl name="vennNode1">
+    <dgm:fillClrLst>
+      <a:schemeClr val="accent2">
+        <a:alpha val="50000"/>
+      </a:schemeClr>
+      <a:schemeClr val="accent3">
+        <a:alpha val="50000"/>
+      </a:schemeClr>
+    </dgm:fillClrLst>
+    <dgm:linClrLst meth="repeat">
+      <a:schemeClr val="lt1"/>
+    </dgm:linClrLst>
+    <dgm:effectClrLst/>
+    <dgm:txLinClrLst/>
+    <dgm:txFillClrLst/>
+    <dgm:txEffectClrLst/>
+  </dgm:styleLbl>
+  <dgm:styleLbl name="node2">
+    <dgm:fillClrLst>
+      <a:schemeClr val="accent3"/>
+    </dgm:fillClrLst>
+    <dgm:linClrLst meth="repeat">
+      <a:schemeClr val="lt1"/>
+    </dgm:linClrLst>
+    <dgm:effectClrLst/>
+    <dgm:txLinClrLst/>
+    <dgm:txFillClrLst/>
+    <dgm:txEffectClrLst/>
+  </dgm:styleLbl>
+  <dgm:styleLbl name="node3">
+    <dgm:fillClrLst>
+      <a:schemeClr val="accent4"/>
+    </dgm:fillClrLst>
+    <dgm:linClrLst meth="repeat">
+      <a:schemeClr val="lt1"/>
+    </dgm:linClrLst>
+    <dgm:effectClrLst/>
+    <dgm:txLinClrLst/>
+    <dgm:txFillClrLst/>
+    <dgm:txEffectClrLst/>
+  </dgm:styleLbl>
+  <dgm:styleLbl name="node4">
+    <dgm:fillClrLst>
+      <a:schemeClr val="accent5"/>
+    </dgm:fillClrLst>
+    <dgm:linClrLst meth="repeat">
+      <a:schemeClr val="lt1"/>
+    </dgm:linClrLst>
+    <dgm:effectClrLst/>
+    <dgm:txLinClrLst/>
+    <dgm:txFillClrLst/>
+    <dgm:txEffectClrLst/>
+  </dgm:styleLbl>
+  <dgm:styleLbl name="fgImgPlace1">
+    <dgm:fillClrLst>
+      <a:schemeClr val="accent2">
+        <a:tint val="50000"/>
+      </a:schemeClr>
+      <a:schemeClr val="accent3">
+        <a:tint val="50000"/>
+      </a:schemeClr>
+    </dgm:fillClrLst>
+    <dgm:linClrLst meth="repeat">
+      <a:schemeClr val="lt1"/>
+    </dgm:linClrLst>
+    <dgm:effectClrLst/>
+    <dgm:txLinClrLst/>
+    <dgm:txFillClrLst meth="repeat">
+      <a:schemeClr val="lt1"/>
+    </dgm:txFillClrLst>
+    <dgm:txEffectClrLst/>
+  </dgm:styleLbl>
+  <dgm:styleLbl name="alignImgPlace1">
+    <dgm:fillClrLst>
+      <a:schemeClr val="accent2">
+        <a:tint val="50000"/>
+      </a:schemeClr>
+      <a:schemeClr val="accent3">
+        <a:tint val="20000"/>
+      </a:schemeClr>
+    </dgm:fillClrLst>
+    <dgm:linClrLst meth="repeat">
+      <a:schemeClr val="lt1"/>
+    </dgm:linClrLst>
+    <dgm:effectClrLst/>
+    <dgm:txLinClrLst/>
+    <dgm:txFillClrLst meth="repeat">
+      <a:schemeClr val="lt1"/>
+    </dgm:txFillClrLst>
+    <dgm:txEffectClrLst/>
+  </dgm:styleLbl>
+  <dgm:styleLbl name="bgImgPlace1">
+    <dgm:fillClrLst>
+      <a:schemeClr val="accent2">
+        <a:tint val="50000"/>
+      </a:schemeClr>
+      <a:schemeClr val="accent3">
+        <a:tint val="20000"/>
+      </a:schemeClr>
+    </dgm:fillClrLst>
+    <dgm:linClrLst meth="repeat">
+      <a:schemeClr val="lt1"/>
+    </dgm:linClrLst>
+    <dgm:effectClrLst/>
+    <dgm:txLinClrLst/>
+    <dgm:txFillClrLst meth="repeat">
+      <a:schemeClr val="lt1"/>
+    </dgm:txFillClrLst>
+    <dgm:txEffectClrLst/>
+  </dgm:styleLbl>
+  <dgm:styleLbl name="sibTrans2D1">
+    <dgm:fillClrLst>
+      <a:schemeClr val="accent2"/>
+      <a:schemeClr val="accent3"/>
+    </dgm:fillClrLst>
+    <dgm:linClrLst meth="repeat">
+      <a:schemeClr val="lt1"/>
+    </dgm:linClrLst>
+    <dgm:effectClrLst/>
+    <dgm:txLinClrLst/>
+    <dgm:txFillClrLst/>
+    <dgm:txEffectClrLst/>
+  </dgm:styleLbl>
+  <dgm:styleLbl name="fgSibTrans2D1">
+    <dgm:fillClrLst>
+      <a:schemeClr val="accent2"/>
+      <a:schemeClr val="accent3"/>
+    </dgm:fillClrLst>
+    <dgm:linClrLst meth="repeat">
+      <a:schemeClr val="lt1"/>
+    </dgm:linClrLst>
+    <dgm:effectClrLst/>
+    <dgm:txLinClrLst/>
+    <dgm:txFillClrLst meth="repeat">
+      <a:schemeClr val="lt1"/>
+    </dgm:txFillClrLst>
+    <dgm:txEffectClrLst/>
+  </dgm:styleLbl>
+  <dgm:styleLbl name="bgSibTrans2D1">
+    <dgm:fillClrLst>
+      <a:schemeClr val="accent2"/>
+      <a:schemeClr val="accent3"/>
+    </dgm:fillClrLst>
+    <dgm:linClrLst meth="repeat">
+      <a:schemeClr val="lt1"/>
+    </dgm:linClrLst>
+    <dgm:effectClrLst/>
+    <dgm:txLinClrLst/>
+    <dgm:txFillClrLst meth="repeat">
+      <a:schemeClr val="lt1"/>
+    </dgm:txFillClrLst>
+    <dgm:txEffectClrLst/>
+  </dgm:styleLbl>
+  <dgm:styleLbl name="sibTrans1D1">
+    <dgm:fillClrLst/>
+    <dgm:linClrLst>
+      <a:schemeClr val="accent2"/>
+      <a:schemeClr val="accent3"/>
+    </dgm:linClrLst>
+    <dgm:effectClrLst/>
+    <dgm:txLinClrLst/>
+    <dgm:txFillClrLst meth="repeat">
+      <a:schemeClr val="tx1"/>
+    </dgm:txFillClrLst>
+    <dgm:txEffectClrLst/>
+  </dgm:styleLbl>
+  <dgm:styleLbl name="callout">
+    <dgm:fillClrLst meth="repeat">
+      <a:schemeClr val="accent2"/>
+    </dgm:fillClrLst>
+    <dgm:linClrLst meth="repeat">
+      <a:schemeClr val="accent2">
+        <a:tint val="50000"/>
+      </a:schemeClr>
+    </dgm:linClrLst>
+    <dgm:effectClrLst/>
+    <dgm:txLinClrLst/>
+    <dgm:txFillClrLst meth="repeat">
+      <a:schemeClr val="tx1"/>
+    </dgm:txFillClrLst>
+    <dgm:txEffectClrLst/>
+  </dgm:styleLbl>
+  <dgm:styleLbl name="asst0">
+    <dgm:fillClrLst meth="repeat">
+      <a:schemeClr val="accent2"/>
+    </dgm:fillClrLst>
+    <dgm:linClrLst meth="repeat">
+      <a:schemeClr val="lt1">
+        <a:shade val="80000"/>
+      </a:schemeClr>
+    </dgm:linClrLst>
+    <dgm:effectClrLst/>
+    <dgm:txLinClrLst/>
+    <dgm:txFillClrLst/>
+    <dgm:txEffectClrLst/>
+  </dgm:styleLbl>
+  <dgm:styleLbl name="asst1">
+    <dgm:fillClrLst meth="repeat">
+      <a:schemeClr val="accent3"/>
+    </dgm:fillClrLst>
+    <dgm:linClrLst meth="repeat">
+      <a:schemeClr val="lt1">
+        <a:shade val="80000"/>
+      </a:schemeClr>
+    </dgm:linClrLst>
+    <dgm:effectClrLst/>
+    <dgm:txLinClrLst/>
+    <dgm:txFillClrLst/>
+    <dgm:txEffectClrLst/>
+  </dgm:styleLbl>
+  <dgm:styleLbl name="asst2">
+    <dgm:fillClrLst>
+      <a:schemeClr val="accent4"/>
+    </dgm:fillClrLst>
+    <dgm:linClrLst meth="repeat">
+      <a:schemeClr val="lt1"/>
+    </dgm:linClrLst>
+    <dgm:effectClrLst/>
+    <dgm:txLinClrLst/>
+    <dgm:txFillClrLst/>
+    <dgm:txEffectClrLst/>
+  </dgm:styleLbl>
+  <dgm:styleLbl name="asst3">
+    <dgm:fillClrLst>
+      <a:schemeClr val="accent5"/>
+    </dgm:fillClrLst>
+    <dgm:linClrLst meth="repeat">
+      <a:schemeClr val="lt1"/>
+    </dgm:linClrLst>
+    <dgm:effectClrLst/>
+    <dgm:txLinClrLst/>
+    <dgm:txFillClrLst/>
+    <dgm:txEffectClrLst/>
+  </dgm:styleLbl>
+  <dgm:styleLbl name="asst4">
+    <dgm:fillClrLst>
+      <a:schemeClr val="accent6"/>
+    </dgm:fillClrLst>
+    <dgm:linClrLst meth="repeat">
+      <a:schemeClr val="lt1"/>
+    </dgm:linClrLst>
+    <dgm:effectClrLst/>
+    <dgm:txLinClrLst/>
+    <dgm:txFillClrLst/>
+    <dgm:txEffectClrLst/>
+  </dgm:styleLbl>
+  <dgm:styleLbl name="parChTrans2D1">
+    <dgm:fillClrLst meth="repeat">
+      <a:schemeClr val="accent2"/>
+    </dgm:fillClrLst>
+    <dgm:linClrLst meth="repeat">
+      <a:schemeClr val="lt1"/>
+    </dgm:linClrLst>
+    <dgm:effectClrLst/>
+    <dgm:txLinClrLst/>
+    <dgm:txFillClrLst meth="repeat">
+      <a:schemeClr val="lt1"/>
+    </dgm:txFillClrLst>
+    <dgm:txEffectClrLst/>
+  </dgm:styleLbl>
+  <dgm:styleLbl name="parChTrans2D2">
+    <dgm:fillClrLst meth="repeat">
+      <a:schemeClr val="accent3"/>
+    </dgm:fillClrLst>
+    <dgm:linClrLst meth="repeat">
+      <a:schemeClr val="lt1"/>
+    </dgm:linClrLst>
+    <dgm:effectClrLst/>
+    <dgm:txLinClrLst/>
+    <dgm:txFillClrLst/>
+    <dgm:txEffectClrLst/>
+  </dgm:styleLbl>
+  <dgm:styleLbl name="parChTrans2D3">
+    <dgm:fillClrLst meth="repeat">
+      <a:schemeClr val="accent4"/>
+    </dgm:fillClrLst>
+    <dgm:linClrLst meth="repeat">
+      <a:schemeClr val="lt1"/>
+    </dgm:linClrLst>
+    <dgm:effectClrLst/>
+    <dgm:txLinClrLst/>
+    <dgm:txFillClrLst/>
+    <dgm:txEffectClrLst/>
+  </dgm:styleLbl>
+  <dgm:styleLbl name="parChTrans2D4">
+    <dgm:fillClrLst meth="repeat">
+      <a:schemeClr val="accent5"/>
+    </dgm:fillClrLst>
+    <dgm:linClrLst meth="repeat">
+      <a:schemeClr val="lt1"/>
+    </dgm:linClrLst>
+    <dgm:effectClrLst/>
+    <dgm:txLinClrLst/>
+    <dgm:txFillClrLst meth="repeat">
+      <a:schemeClr val="lt1"/>
+    </dgm:txFillClrLst>
+    <dgm:txEffectClrLst/>
+  </dgm:styleLbl>
+  <dgm:styleLbl name="parChTrans1D1">
+    <dgm:fillClrLst meth="repeat">
+      <a:schemeClr val="accent2"/>
+    </dgm:fillClrLst>
+    <dgm:linClrLst meth="repeat">
+      <a:schemeClr val="accent2"/>
+    </dgm:linClrLst>
+    <dgm:effectClrLst/>
+    <dgm:txLinClrLst/>
+    <dgm:txFillClrLst meth="repeat">
+      <a:schemeClr val="tx1"/>
+    </dgm:txFillClrLst>
+    <dgm:txEffectClrLst/>
+  </dgm:styleLbl>
+  <dgm:styleLbl name="parChTrans1D2">
+    <dgm:fillClrLst meth="repeat">
+      <a:schemeClr val="accent2">
+        <a:tint val="90000"/>
+      </a:schemeClr>
+    </dgm:fillClrLst>
+    <dgm:linClrLst meth="repeat">
+      <a:schemeClr val="accent3"/>
+    </dgm:linClrLst>
+    <dgm:effectClrLst/>
+    <dgm:txLinClrLst/>
+    <dgm:txFillClrLst meth="repeat">
+      <a:schemeClr val="tx1"/>
+    </dgm:txFillClrLst>
+    <dgm:txEffectClrLst/>
+  </dgm:styleLbl>
+  <dgm:styleLbl name="parChTrans1D3">
+    <dgm:fillClrLst meth="repeat">
+      <a:schemeClr val="accent2">
+        <a:tint val="70000"/>
+      </a:schemeClr>
+    </dgm:fillClrLst>
+    <dgm:linClrLst meth="repeat">
+      <a:schemeClr val="accent4"/>
+    </dgm:linClrLst>
+    <dgm:effectClrLst/>
+    <dgm:txLinClrLst/>
+    <dgm:txFillClrLst meth="repeat">
+      <a:schemeClr val="tx1"/>
+    </dgm:txFillClrLst>
+    <dgm:txEffectClrLst/>
+  </dgm:styleLbl>
+  <dgm:styleLbl name="parChTrans1D4">
+    <dgm:fillClrLst meth="repeat">
+      <a:schemeClr val="accent2">
+        <a:tint val="50000"/>
+      </a:schemeClr>
+    </dgm:fillClrLst>
+    <dgm:linClrLst meth="repeat">
+      <a:schemeClr val="accent5"/>
+    </dgm:linClrLst>
+    <dgm:effectClrLst/>
+    <dgm:txLinClrLst/>
+    <dgm:txFillClrLst meth="repeat">
+      <a:schemeClr val="tx1"/>
+    </dgm:txFillClrLst>
+    <dgm:txEffectClrLst/>
+  </dgm:styleLbl>
+  <dgm:styleLbl name="fgAcc1">
+    <dgm:fillClrLst meth="repeat">
+      <a:schemeClr val="lt1">
+        <a:alpha val="90000"/>
+      </a:schemeClr>
+    </dgm:fillClrLst>
+    <dgm:linClrLst>
+      <a:schemeClr val="accent2"/>
+      <a:schemeClr val="accent3"/>
+    </dgm:linClrLst>
+    <dgm:effectClrLst/>
+    <dgm:txLinClrLst/>
+    <dgm:txFillClrLst meth="repeat">
+      <a:schemeClr val="dk1"/>
+    </dgm:txFillClrLst>
+    <dgm:txEffectClrLst/>
+  </dgm:styleLbl>
+  <dgm:styleLbl name="conFgAcc1">
+    <dgm:fillClrLst meth="repeat">
+      <a:schemeClr val="lt1">
+        <a:alpha val="90000"/>
+      </a:schemeClr>
+    </dgm:fillClrLst>
+    <dgm:linClrLst>
+      <a:schemeClr val="accent2"/>
+      <a:schemeClr val="accent3"/>
+    </dgm:linClrLst>
+    <dgm:effectClrLst/>
+    <dgm:txLinClrLst/>
+    <dgm:txFillClrLst meth="repeat">
+      <a:schemeClr val="dk1"/>
+    </dgm:txFillClrLst>
+    <dgm:txEffectClrLst/>
+  </dgm:styleLbl>
+  <dgm:styleLbl name="alignAcc1">
+    <dgm:fillClrLst meth="repeat">
+      <a:schemeClr val="lt1">
+        <a:alpha val="90000"/>
+      </a:schemeClr>
+    </dgm:fillClrLst>
+    <dgm:linClrLst>
+      <a:schemeClr val="accent2"/>
+      <a:schemeClr val="accent3"/>
+    </dgm:linClrLst>
+    <dgm:effectClrLst/>
+    <dgm:txLinClrLst/>
+    <dgm:txFillClrLst meth="repeat">
+      <a:schemeClr val="dk1"/>
+    </dgm:txFillClrLst>
+    <dgm:txEffectClrLst/>
+  </dgm:styleLbl>
+  <dgm:styleLbl name="trAlignAcc1">
+    <dgm:fillClrLst meth="repeat">
+      <a:schemeClr val="lt1">
+        <a:alpha val="40000"/>
+      </a:schemeClr>
+    </dgm:fillClrLst>
+    <dgm:linClrLst meth="repeat">
+      <a:schemeClr val="accent2"/>
+    </dgm:linClrLst>
+    <dgm:effectClrLst/>
+    <dgm:txLinClrLst/>
+    <dgm:txFillClrLst meth="repeat">
+      <a:schemeClr val="dk1"/>
+    </dgm:txFillClrLst>
+    <dgm:txEffectClrLst/>
+  </dgm:styleLbl>
+  <dgm:styleLbl name="bgAcc1">
+    <dgm:fillClrLst meth="repeat">
+      <a:schemeClr val="lt1">
+        <a:alpha val="90000"/>
+      </a:schemeClr>
+    </dgm:fillClrLst>
+    <dgm:linClrLst>
+      <a:schemeClr val="accent2"/>
+      <a:schemeClr val="accent3"/>
+    </dgm:linClrLst>
+    <dgm:effectClrLst/>
+    <dgm:txLinClrLst/>
+    <dgm:txFillClrLst meth="repeat">
+      <a:schemeClr val="dk1"/>
+    </dgm:txFillClrLst>
+    <dgm:txEffectClrLst/>
+  </dgm:styleLbl>
+  <dgm:styleLbl name="solidFgAcc1">
+    <dgm:fillClrLst meth="repeat">
+      <a:schemeClr val="lt1"/>
+    </dgm:fillClrLst>
+    <dgm:linClrLst>
+      <a:schemeClr val="accent2"/>
+      <a:schemeClr val="accent3"/>
+    </dgm:linClrLst>
+    <dgm:effectClrLst/>
+    <dgm:txLinClrLst/>
+    <dgm:txFillClrLst meth="repeat">
+      <a:schemeClr val="dk1"/>
+    </dgm:txFillClrLst>
+    <dgm:txEffectClrLst/>
+  </dgm:styleLbl>
+  <dgm:styleLbl name="solidAlignAcc1">
+    <dgm:fillClrLst meth="repeat">
+      <a:schemeClr val="lt1"/>
+    </dgm:fillClrLst>
+    <dgm:linClrLst>
+      <a:schemeClr val="accent2"/>
+      <a:schemeClr val="accent3"/>
+    </dgm:linClrLst>
+    <dgm:effectClrLst/>
+    <dgm:txLinClrLst/>
+    <dgm:txFillClrLst meth="repeat">
+      <a:schemeClr val="dk1"/>
+    </dgm:txFillClrLst>
+    <dgm:txEffectClrLst/>
+  </dgm:styleLbl>
+  <dgm:styleLbl name="solidBgAcc1">
+    <dgm:fillClrLst meth="repeat">
+      <a:schemeClr val="lt1"/>
+    </dgm:fillClrLst>
+    <dgm:linClrLst>
+      <a:schemeClr val="accent2"/>
+      <a:schemeClr val="accent3"/>
+    </dgm:linClrLst>
+    <dgm:effectClrLst/>
+    <dgm:txLinClrLst/>
+    <dgm:txFillClrLst meth="repeat">
+      <a:schemeClr val="dk1"/>
+    </dgm:txFillClrLst>
+    <dgm:txEffectClrLst/>
+  </dgm:styleLbl>
+  <dgm:styleLbl name="fgAccFollowNode1">
+    <dgm:fillClrLst>
+      <a:schemeClr val="accent2">
+        <a:tint val="40000"/>
+        <a:alpha val="90000"/>
+      </a:schemeClr>
+      <a:schemeClr val="accent3">
+        <a:tint val="40000"/>
+        <a:alpha val="90000"/>
+      </a:schemeClr>
+    </dgm:fillClrLst>
+    <dgm:linClrLst>
+      <a:schemeClr val="accent2">
+        <a:tint val="40000"/>
+        <a:alpha val="90000"/>
+      </a:schemeClr>
+      <a:schemeClr val="accent3">
+        <a:tint val="40000"/>
+        <a:alpha val="90000"/>
+      </a:schemeClr>
+    </dgm:linClrLst>
+    <dgm:effectClrLst/>
+    <dgm:txLinClrLst/>
+    <dgm:txFillClrLst meth="repeat">
+      <a:schemeClr val="dk1"/>
+    </dgm:txFillClrLst>
+    <dgm:txEffectClrLst/>
+  </dgm:styleLbl>
+  <dgm:styleLbl name="alignAccFollowNode1">
+    <dgm:fillClrLst>
+      <a:schemeClr val="accent2">
+        <a:tint val="40000"/>
+        <a:alpha val="90000"/>
+      </a:schemeClr>
+      <a:schemeClr val="accent3">
+        <a:tint val="40000"/>
+        <a:alpha val="90000"/>
+      </a:schemeClr>
+    </dgm:fillClrLst>
+    <dgm:linClrLst>
+      <a:schemeClr val="accent2">
+        <a:tint val="40000"/>
+        <a:alpha val="90000"/>
+      </a:schemeClr>
+      <a:schemeClr val="accent3">
+        <a:tint val="40000"/>
+        <a:alpha val="90000"/>
+      </a:schemeClr>
+    </dgm:linClrLst>
+    <dgm:effectClrLst/>
+    <dgm:txLinClrLst/>
+    <dgm:txFillClrLst meth="repeat">
+      <a:schemeClr val="dk1"/>
+    </dgm:txFillClrLst>
+    <dgm:txEffectClrLst/>
+  </dgm:styleLbl>
+  <dgm:styleLbl name="bgAccFollowNode1">
+    <dgm:fillClrLst>
+      <a:schemeClr val="accent2">
+        <a:tint val="40000"/>
+        <a:alpha val="90000"/>
+      </a:schemeClr>
+      <a:schemeClr val="accent3">
+        <a:tint val="40000"/>
+        <a:alpha val="90000"/>
+      </a:schemeClr>
+    </dgm:fillClrLst>
+    <dgm:linClrLst>
+      <a:schemeClr val="accent2">
+        <a:tint val="40000"/>
+        <a:alpha val="90000"/>
+      </a:schemeClr>
+      <a:schemeClr val="accent3">
+        <a:tint val="40000"/>
+        <a:alpha val="90000"/>
+      </a:schemeClr>
+    </dgm:linClrLst>
+    <dgm:effectClrLst/>
+    <dgm:txLinClrLst/>
+    <dgm:txFillClrLst meth="repeat">
+      <a:schemeClr val="dk1"/>
+    </dgm:txFillClrLst>
+    <dgm:txEffectClrLst/>
+  </dgm:styleLbl>
+  <dgm:styleLbl name="fgAcc0">
+    <dgm:fillClrLst meth="repeat">
+      <a:schemeClr val="lt1">
+        <a:alpha val="90000"/>
+      </a:schemeClr>
+    </dgm:fillClrLst>
+    <dgm:linClrLst>
+      <a:schemeClr val="accent1"/>
+    </dgm:linClrLst>
+    <dgm:effectClrLst/>
+    <dgm:txLinClrLst/>
+    <dgm:txFillClrLst meth="repeat">
+      <a:schemeClr val="dk1"/>
+    </dgm:txFillClrLst>
+    <dgm:txEffectClrLst/>
+  </dgm:styleLbl>
+  <dgm:styleLbl name="fgAcc2">
+    <dgm:fillClrLst meth="repeat">
+      <a:schemeClr val="lt1">
+        <a:alpha val="90000"/>
+      </a:schemeClr>
+    </dgm:fillClrLst>
+    <dgm:linClrLst>
+      <a:schemeClr val="accent3"/>
+    </dgm:linClrLst>
+    <dgm:effectClrLst/>
+    <dgm:txLinClrLst/>
+    <dgm:txFillClrLst meth="repeat">
+      <a:schemeClr val="dk1"/>
+    </dgm:txFillClrLst>
+    <dgm:txEffectClrLst/>
+  </dgm:styleLbl>
+  <dgm:styleLbl name="fgAcc3">
+    <dgm:fillClrLst meth="repeat">
+      <a:schemeClr val="lt1">
+        <a:alpha val="90000"/>
+      </a:schemeClr>
+    </dgm:fillClrLst>
+    <dgm:linClrLst>
+      <a:schemeClr val="accent4"/>
+    </dgm:linClrLst>
+    <dgm:effectClrLst/>
+    <dgm:txLinClrLst/>
+    <dgm:txFillClrLst meth="repeat">
+      <a:schemeClr val="dk1"/>
+    </dgm:txFillClrLst>
+    <dgm:txEffectClrLst/>
+  </dgm:styleLbl>
+  <dgm:styleLbl name="fgAcc4">
+    <dgm:fillClrLst meth="repeat">
+      <a:schemeClr val="lt1">
+        <a:alpha val="90000"/>
+      </a:schemeClr>
+    </dgm:fillClrLst>
+    <dgm:linClrLst>
+      <a:schemeClr val="accent5"/>
+    </dgm:linClrLst>
+    <dgm:effectClrLst/>
+    <dgm:txLinClrLst/>
+    <dgm:txFillClrLst meth="repeat">
+      <a:schemeClr val="dk1"/>
+    </dgm:txFillClrLst>
+    <dgm:txEffectClrLst/>
+  </dgm:styleLbl>
+  <dgm:styleLbl name="bgShp">
+    <dgm:fillClrLst meth="repeat">
+      <a:schemeClr val="accent2">
+        <a:tint val="40000"/>
+      </a:schemeClr>
+    </dgm:fillClrLst>
+    <dgm:linClrLst meth="repeat">
+      <a:schemeClr val="dk1"/>
+    </dgm:linClrLst>
+    <dgm:effectClrLst/>
+    <dgm:txLinClrLst/>
+    <dgm:txFillClrLst meth="repeat">
+      <a:schemeClr val="dk1"/>
+    </dgm:txFillClrLst>
+    <dgm:txEffectClrLst/>
+  </dgm:styleLbl>
+  <dgm:styleLbl name="dkBgShp">
+    <dgm:fillClrLst meth="repeat">
+      <a:schemeClr val="accent2">
+        <a:shade val="90000"/>
+      </a:schemeClr>
+    </dgm:fillClrLst>
+    <dgm:linClrLst meth="repeat">
+      <a:schemeClr val="dk1"/>
+    </dgm:linClrLst>
+    <dgm:effectClrLst/>
+    <dgm:txLinClrLst/>
+    <dgm:txFillClrLst meth="repeat">
+      <a:schemeClr val="lt1"/>
+    </dgm:txFillClrLst>
+    <dgm:txEffectClrLst/>
+  </dgm:styleLbl>
+  <dgm:styleLbl name="trBgShp">
+    <dgm:fillClrLst meth="repeat">
+      <a:schemeClr val="accent2">
+        <a:tint val="50000"/>
+        <a:alpha val="40000"/>
+      </a:schemeClr>
+    </dgm:fillClrLst>
+    <dgm:linClrLst meth="repeat">
+      <a:schemeClr val="accent2"/>
+    </dgm:linClrLst>
+    <dgm:effectClrLst/>
+    <dgm:txLinClrLst/>
+    <dgm:txFillClrLst meth="repeat">
+      <a:schemeClr val="lt1"/>
+    </dgm:txFillClrLst>
+    <dgm:txEffectClrLst/>
+  </dgm:styleLbl>
+  <dgm:styleLbl name="fgShp">
+    <dgm:fillClrLst meth="repeat">
+      <a:schemeClr val="accent2">
+        <a:tint val="40000"/>
+      </a:schemeClr>
+    </dgm:fillClrLst>
+    <dgm:linClrLst meth="repeat">
+      <a:schemeClr val="lt1"/>
+    </dgm:linClrLst>
+    <dgm:effectClrLst/>
+    <dgm:txLinClrLst/>
+    <dgm:txFillClrLst meth="repeat">
+      <a:schemeClr val="dk1"/>
+    </dgm:txFillClrLst>
+    <dgm:txEffectClrLst/>
+  </dgm:styleLbl>
+  <dgm:styleLbl name="revTx">
+    <dgm:fillClrLst meth="repeat">
+      <a:schemeClr val="lt1">
+        <a:alpha val="0"/>
+      </a:schemeClr>
+    </dgm:fillClrLst>
+    <dgm:linClrLst meth="repeat">
+      <a:schemeClr val="dk1">
+        <a:alpha val="0"/>
+      </a:schemeClr>
+    </dgm:linClrLst>
+    <dgm:effectClrLst/>
+    <dgm:txLinClrLst/>
+    <dgm:txFillClrLst meth="repeat">
+      <a:schemeClr val="tx1"/>
+    </dgm:txFillClrLst>
+    <dgm:txEffectClrLst/>
+  </dgm:styleLbl>
+</dgm:colorsDef>
+</file>
+
+<file path=ppt/diagrams/colors2.xml><?xml version="1.0" encoding="utf-8"?>
+<dgm:colorsDef xmlns:dgm="http://schemas.openxmlformats.org/drawingml/2006/diagram" xmlns:a="http://schemas.openxmlformats.org/drawingml/2006/main" uniqueId="urn:microsoft.com/office/officeart/2018/5/colors/Iconchunking_neutralicontext_colorful1">
+  <dgm:title val=""/>
+  <dgm:desc val=""/>
+  <dgm:catLst>
+    <dgm:cat type="colorful" pri="10100"/>
+  </dgm:catLst>
+  <dgm:styleLbl name="node0">
+    <dgm:fillClrLst meth="repeat">
+      <a:schemeClr val="accent1"/>
+    </dgm:fillClrLst>
+    <dgm:linClrLst meth="repeat">
+      <a:schemeClr val="lt1"/>
+    </dgm:linClrLst>
+    <dgm:effectClrLst/>
+    <dgm:txLinClrLst/>
+    <dgm:txFillClrLst/>
+    <dgm:txEffectClrLst/>
+  </dgm:styleLbl>
+  <dgm:styleLbl name="node1">
+    <dgm:fillClrLst meth="repeat">
+      <a:schemeClr val="bg1"/>
+    </dgm:fillClrLst>
+    <dgm:linClrLst meth="repeat">
+      <a:schemeClr val="lt1">
+        <a:alpha val="0"/>
+      </a:schemeClr>
+    </dgm:linClrLst>
+    <dgm:effectClrLst/>
+    <dgm:txLinClrLst/>
+    <dgm:txFillClrLst meth="repeat">
+      <a:schemeClr val="dk1"/>
+    </dgm:txFillClrLst>
+    <dgm:txEffectClrLst/>
+  </dgm:styleLbl>
+  <dgm:styleLbl name="alignNode1">
+    <dgm:fillClrLst meth="repeat">
+      <a:schemeClr val="accent2"/>
+      <a:schemeClr val="accent3"/>
+      <a:schemeClr val="accent4"/>
+      <a:schemeClr val="accent5"/>
+      <a:schemeClr val="accent6"/>
+    </dgm:fillClrLst>
+    <dgm:linClrLst meth="repeat">
+      <a:schemeClr val="accent2"/>
+      <a:schemeClr val="accent3"/>
+      <a:schemeClr val="accent4"/>
+      <a:schemeClr val="accent5"/>
+      <a:schemeClr val="accent6"/>
+    </dgm:linClrLst>
+    <dgm:effectClrLst/>
+    <dgm:txLinClrLst/>
+    <dgm:txFillClrLst/>
+    <dgm:txEffectClrLst/>
+  </dgm:styleLbl>
+  <dgm:styleLbl name="lnNode1">
+    <dgm:fillClrLst meth="repeat">
+      <a:schemeClr val="accent2"/>
+      <a:schemeClr val="accent3"/>
+      <a:schemeClr val="accent4"/>
+      <a:schemeClr val="accent5"/>
+      <a:schemeClr val="accent6"/>
+    </dgm:fillClrLst>
+    <dgm:linClrLst meth="repeat">
+      <a:schemeClr val="lt1"/>
+    </dgm:linClrLst>
+    <dgm:effectClrLst/>
+    <dgm:txLinClrLst/>
+    <dgm:txFillClrLst/>
+    <dgm:txEffectClrLst/>
+  </dgm:styleLbl>
+  <dgm:styleLbl name="vennNode1">
+    <dgm:fillClrLst meth="repeat">
+      <a:schemeClr val="accent2">
+        <a:alpha val="50000"/>
+      </a:schemeClr>
+      <a:schemeClr val="accent3">
+        <a:alpha val="50000"/>
+      </a:schemeClr>
+      <a:schemeClr val="accent4">
+        <a:alpha val="50000"/>
+      </a:schemeClr>
+      <a:schemeClr val="accent5">
+        <a:alpha val="50000"/>
+      </a:schemeClr>
+      <a:schemeClr val="accent6">
+        <a:alpha val="50000"/>
+      </a:schemeClr>
+    </dgm:fillClrLst>
+    <dgm:linClrLst meth="repeat">
+      <a:schemeClr val="lt1"/>
+    </dgm:linClrLst>
+    <dgm:effectClrLst/>
+    <dgm:txLinClrLst/>
+    <dgm:txFillClrLst/>
+    <dgm:txEffectClrLst/>
+  </dgm:styleLbl>
+  <dgm:styleLbl name="node2">
+    <dgm:fillClrLst>
+      <a:schemeClr val="accent2"/>
+    </dgm:fillClrLst>
+    <dgm:linClrLst meth="repeat">
+      <a:schemeClr val="lt1"/>
+    </dgm:linClrLst>
+    <dgm:effectClrLst/>
+    <dgm:txLinClrLst/>
+    <dgm:txFillClrLst/>
+    <dgm:txEffectClrLst/>
+  </dgm:styleLbl>
+  <dgm:styleLbl name="node3">
+    <dgm:fillClrLst>
+      <a:schemeClr val="accent3"/>
+    </dgm:fillClrLst>
+    <dgm:linClrLst meth="repeat">
+      <a:schemeClr val="lt1"/>
+    </dgm:linClrLst>
+    <dgm:effectClrLst/>
+    <dgm:txLinClrLst/>
+    <dgm:txFillClrLst/>
+    <dgm:txEffectClrLst/>
+  </dgm:styleLbl>
+  <dgm:styleLbl name="node4">
+    <dgm:fillClrLst>
+      <a:schemeClr val="accent4"/>
+    </dgm:fillClrLst>
+    <dgm:linClrLst meth="repeat">
+      <a:schemeClr val="lt1"/>
+    </dgm:linClrLst>
+    <dgm:effectClrLst/>
+    <dgm:txLinClrLst/>
+    <dgm:txFillClrLst/>
+    <dgm:txEffectClrLst/>
+  </dgm:styleLbl>
+  <dgm:styleLbl name="fgImgPlace1">
+    <dgm:fillClrLst meth="repeat">
+      <a:schemeClr val="accent2">
+        <a:tint val="50000"/>
+      </a:schemeClr>
+      <a:schemeClr val="accent3">
+        <a:tint val="50000"/>
+      </a:schemeClr>
+      <a:schemeClr val="accent4">
+        <a:tint val="50000"/>
+      </a:schemeClr>
+      <a:schemeClr val="accent5">
+        <a:tint val="50000"/>
+      </a:schemeClr>
+      <a:schemeClr val="accent6">
+        <a:tint val="50000"/>
+      </a:schemeClr>
+    </dgm:fillClrLst>
+    <dgm:linClrLst meth="repeat">
+      <a:schemeClr val="lt1"/>
+    </dgm:linClrLst>
+    <dgm:effectClrLst/>
+    <dgm:txLinClrLst/>
+    <dgm:txFillClrLst meth="repeat">
+      <a:schemeClr val="lt1"/>
+    </dgm:txFillClrLst>
+    <dgm:txEffectClrLst/>
+  </dgm:styleLbl>
+  <dgm:styleLbl name="alignImgPlace1">
+    <dgm:fillClrLst>
+      <a:schemeClr val="accent1">
+        <a:tint val="50000"/>
+      </a:schemeClr>
+      <a:schemeClr val="accent2">
+        <a:tint val="20000"/>
+      </a:schemeClr>
+    </dgm:fillClrLst>
+    <dgm:linClrLst meth="repeat">
+      <a:schemeClr val="lt1"/>
+    </dgm:linClrLst>
+    <dgm:effectClrLst/>
+    <dgm:txLinClrLst/>
+    <dgm:txFillClrLst meth="repeat">
+      <a:schemeClr val="lt1"/>
+    </dgm:txFillClrLst>
+    <dgm:txEffectClrLst/>
+  </dgm:styleLbl>
+  <dgm:styleLbl name="bgImgPlace1">
+    <dgm:fillClrLst>
+      <a:schemeClr val="accent1">
+        <a:tint val="50000"/>
+      </a:schemeClr>
+      <a:schemeClr val="accent2">
+        <a:tint val="20000"/>
+      </a:schemeClr>
+    </dgm:fillClrLst>
+    <dgm:linClrLst meth="repeat">
+      <a:schemeClr val="lt1"/>
+    </dgm:linClrLst>
+    <dgm:effectClrLst/>
+    <dgm:txLinClrLst/>
+    <dgm:txFillClrLst meth="repeat">
+      <a:schemeClr val="lt1"/>
+    </dgm:txFillClrLst>
+    <dgm:txEffectClrLst/>
+  </dgm:styleLbl>
+  <dgm:styleLbl name="sibTrans2D1">
+    <dgm:fillClrLst meth="repeat">
+      <a:schemeClr val="accent2"/>
+      <a:schemeClr val="accent3"/>
+      <a:schemeClr val="accent4"/>
+      <a:schemeClr val="accent5"/>
+      <a:schemeClr val="accent6"/>
+    </dgm:fillClrLst>
+    <dgm:linClrLst meth="cycle">
+      <a:schemeClr val="lt1"/>
+    </dgm:linClrLst>
+    <dgm:effectClrLst/>
+    <dgm:txLinClrLst/>
+    <dgm:txFillClrLst/>
+    <dgm:txEffectClrLst/>
+  </dgm:styleLbl>
+  <dgm:styleLbl name="fgSibTrans2D1">
+    <dgm:fillClrLst meth="repeat">
+      <a:schemeClr val="accent2"/>
+      <a:schemeClr val="accent3"/>
+      <a:schemeClr val="accent4"/>
+      <a:schemeClr val="accent5"/>
+      <a:schemeClr val="accent6"/>
+    </dgm:fillClrLst>
+    <dgm:linClrLst meth="cycle">
+      <a:schemeClr val="lt1"/>
+    </dgm:linClrLst>
+    <dgm:effectClrLst/>
+    <dgm:txLinClrLst/>
+    <dgm:txFillClrLst meth="repeat">
+      <a:schemeClr val="lt1"/>
+    </dgm:txFillClrLst>
+    <dgm:txEffectClrLst/>
+  </dgm:styleLbl>
+  <dgm:styleLbl name="bgSibTrans2D1">
+    <dgm:fillClrLst meth="repeat">
+      <a:schemeClr val="accent2"/>
+      <a:schemeClr val="accent3"/>
+      <a:schemeClr val="accent4"/>
+      <a:schemeClr val="accent5"/>
+      <a:schemeClr val="accent6"/>
+    </dgm:fillClrLst>
+    <dgm:linClrLst meth="cycle">
+      <a:schemeClr val="lt1"/>
+    </dgm:linClrLst>
+    <dgm:effectClrLst/>
+    <dgm:txLinClrLst/>
+    <dgm:txFillClrLst meth="repeat">
+      <a:schemeClr val="lt1"/>
+    </dgm:txFillClrLst>
+    <dgm:txEffectClrLst/>
+  </dgm:styleLbl>
+  <dgm:styleLbl name="sibTrans1D1">
+    <dgm:fillClrLst meth="repeat">
+      <a:schemeClr val="accent2"/>
+      <a:schemeClr val="accent3"/>
+      <a:schemeClr val="accent4"/>
+      <a:schemeClr val="accent5"/>
+      <a:schemeClr val="accent6"/>
+    </dgm:fillClrLst>
+    <dgm:linClrLst meth="repeat">
+      <a:schemeClr val="accent2"/>
+      <a:schemeClr val="accent3"/>
+      <a:schemeClr val="accent4"/>
+      <a:schemeClr val="accent5"/>
+      <a:schemeClr val="accent6"/>
+    </dgm:linClrLst>
+    <dgm:effectClrLst/>
+    <dgm:txLinClrLst/>
+    <dgm:txFillClrLst meth="repeat">
+      <a:schemeClr val="tx1"/>
+    </dgm:txFillClrLst>
+    <dgm:txEffectClrLst/>
+  </dgm:styleLbl>
+  <dgm:styleLbl name="callout">
+    <dgm:fillClrLst meth="repeat">
+      <a:schemeClr val="accent2"/>
+    </dgm:fillClrLst>
+    <dgm:linClrLst meth="repeat">
+      <a:schemeClr val="accent2">
+        <a:tint val="50000"/>
+      </a:schemeClr>
+    </dgm:linClrLst>
+    <dgm:effectClrLst/>
+    <dgm:txLinClrLst/>
+    <dgm:txFillClrLst meth="repeat">
+      <a:schemeClr val="tx1"/>
+    </dgm:txFillClrLst>
+    <dgm:txEffectClrLst/>
+  </dgm:styleLbl>
+  <dgm:styleLbl name="asst0">
+    <dgm:fillClrLst meth="repeat">
+      <a:schemeClr val="accent1"/>
+    </dgm:fillClrLst>
+    <dgm:linClrLst meth="repeat">
+      <a:schemeClr val="lt1"/>
+    </dgm:linClrLst>
+    <dgm:effectClrLst/>
+    <dgm:txLinClrLst/>
+    <dgm:txFillClrLst/>
+    <dgm:txEffectClrLst/>
+  </dgm:styleLbl>
+  <dgm:styleLbl name="asst1">
+    <dgm:fillClrLst meth="repeat">
+      <a:schemeClr val="accent2"/>
+    </dgm:fillClrLst>
+    <dgm:linClrLst meth="repeat">
+      <a:schemeClr val="lt1"/>
+    </dgm:linClrLst>
+    <dgm:effectClrLst/>
+    <dgm:txLinClrLst/>
+    <dgm:txFillClrLst/>
+    <dgm:txEffectClrLst/>
+  </dgm:styleLbl>
+  <dgm:styleLbl name="asst2">
+    <dgm:fillClrLst>
+      <a:schemeClr val="accent3"/>
+    </dgm:fillClrLst>
+    <dgm:linClrLst meth="repeat">
+      <a:schemeClr val="lt1"/>
+    </dgm:linClrLst>
+    <dgm:effectClrLst/>
+    <dgm:txLinClrLst/>
+    <dgm:txFillClrLst/>
+    <dgm:txEffectClrLst/>
+  </dgm:styleLbl>
+  <dgm:styleLbl name="asst3">
+    <dgm:fillClrLst>
+      <a:schemeClr val="accent4"/>
+    </dgm:fillClrLst>
+    <dgm:linClrLst meth="repeat">
+      <a:schemeClr val="lt1"/>
+    </dgm:linClrLst>
+    <dgm:effectClrLst/>
+    <dgm:txLinClrLst/>
+    <dgm:txFillClrLst/>
+    <dgm:txEffectClrLst/>
+  </dgm:styleLbl>
+  <dgm:styleLbl name="asst4">
+    <dgm:fillClrLst>
+      <a:schemeClr val="accent5"/>
+    </dgm:fillClrLst>
+    <dgm:linClrLst meth="repeat">
+      <a:schemeClr val="lt1"/>
+    </dgm:linClrLst>
+    <dgm:effectClrLst/>
+    <dgm:txLinClrLst/>
+    <dgm:txFillClrLst/>
+    <dgm:txEffectClrLst/>
+  </dgm:styleLbl>
+  <dgm:styleLbl name="parChTrans2D1">
+    <dgm:fillClrLst meth="repeat">
+      <a:schemeClr val="accent2"/>
+    </dgm:fillClrLst>
+    <dgm:linClrLst meth="repeat">
+      <a:schemeClr val="lt1"/>
+    </dgm:linClrLst>
+    <dgm:effectClrLst/>
+    <dgm:txLinClrLst/>
+    <dgm:txFillClrLst meth="repeat">
+      <a:schemeClr val="lt1"/>
+    </dgm:txFillClrLst>
+    <dgm:txEffectClrLst/>
+  </dgm:styleLbl>
+  <dgm:styleLbl name="parChTrans2D2">
+    <dgm:fillClrLst meth="repeat">
+      <a:schemeClr val="accent3"/>
+    </dgm:fillClrLst>
+    <dgm:linClrLst meth="repeat">
+      <a:schemeClr val="lt1"/>
+    </dgm:linClrLst>
+    <dgm:effectClrLst/>
+    <dgm:txLinClrLst/>
+    <dgm:txFillClrLst/>
+    <dgm:txEffectClrLst/>
+  </dgm:styleLbl>
+  <dgm:styleLbl name="parChTrans2D3">
+    <dgm:fillClrLst meth="repeat">
+      <a:schemeClr val="accent4"/>
+    </dgm:fillClrLst>
+    <dgm:linClrLst meth="repeat">
+      <a:schemeClr val="lt1"/>
+    </dgm:linClrLst>
+    <dgm:effectClrLst/>
+    <dgm:txLinClrLst/>
+    <dgm:txFillClrLst/>
+    <dgm:txEffectClrLst/>
+  </dgm:styleLbl>
+  <dgm:styleLbl name="parChTrans2D4">
+    <dgm:fillClrLst meth="repeat">
+      <a:schemeClr val="accent5"/>
+    </dgm:fillClrLst>
+    <dgm:linClrLst meth="repeat">
+      <a:schemeClr val="lt1"/>
+    </dgm:linClrLst>
+    <dgm:effectClrLst/>
+    <dgm:txLinClrLst/>
+    <dgm:txFillClrLst meth="repeat">
+      <a:schemeClr val="lt1"/>
+    </dgm:txFillClrLst>
+    <dgm:txEffectClrLst/>
+  </dgm:styleLbl>
+  <dgm:styleLbl name="parChTrans1D1">
+    <dgm:fillClrLst meth="repeat">
+      <a:schemeClr val="accent2"/>
+    </dgm:fillClrLst>
+    <dgm:linClrLst meth="repeat">
+      <a:schemeClr val="accent1"/>
+    </dgm:linClrLst>
+    <dgm:effectClrLst/>
+    <dgm:txLinClrLst/>
+    <dgm:txFillClrLst meth="repeat">
+      <a:schemeClr val="tx1"/>
+    </dgm:txFillClrLst>
+    <dgm:txEffectClrLst/>
+  </dgm:styleLbl>
+  <dgm:styleLbl name="parChTrans1D2">
+    <dgm:fillClrLst meth="repeat">
+      <a:schemeClr val="accent3">
+        <a:tint val="90000"/>
+      </a:schemeClr>
+    </dgm:fillClrLst>
+    <dgm:linClrLst meth="repeat">
+      <a:schemeClr val="accent2"/>
+    </dgm:linClrLst>
+    <dgm:effectClrLst/>
+    <dgm:txLinClrLst/>
+    <dgm:txFillClrLst meth="repeat">
+      <a:schemeClr val="tx1"/>
+    </dgm:txFillClrLst>
+    <dgm:txEffectClrLst/>
+  </dgm:styleLbl>
+  <dgm:styleLbl name="parChTrans1D3">
+    <dgm:fillClrLst meth="repeat">
+      <a:schemeClr val="accent4">
+        <a:tint val="70000"/>
+      </a:schemeClr>
+    </dgm:fillClrLst>
+    <dgm:linClrLst meth="repeat">
+      <a:schemeClr val="accent3"/>
+    </dgm:linClrLst>
+    <dgm:effectClrLst/>
+    <dgm:txLinClrLst/>
+    <dgm:txFillClrLst meth="repeat">
+      <a:schemeClr val="tx1"/>
+    </dgm:txFillClrLst>
+    <dgm:txEffectClrLst/>
+  </dgm:styleLbl>
+  <dgm:styleLbl name="parChTrans1D4">
+    <dgm:fillClrLst meth="repeat">
+      <a:schemeClr val="accent5">
+        <a:tint val="50000"/>
+      </a:schemeClr>
+    </dgm:fillClrLst>
+    <dgm:linClrLst meth="repeat">
+      <a:schemeClr val="accent4"/>
+    </dgm:linClrLst>
+    <dgm:effectClrLst/>
+    <dgm:txLinClrLst/>
+    <dgm:txFillClrLst meth="repeat">
+      <a:schemeClr val="tx1"/>
+    </dgm:txFillClrLst>
+    <dgm:txEffectClrLst/>
+  </dgm:styleLbl>
+  <dgm:styleLbl name="fgAcc1">
+    <dgm:fillClrLst meth="repeat">
+      <a:schemeClr val="lt1">
+        <a:alpha val="90000"/>
+      </a:schemeClr>
+    </dgm:fillClrLst>
+    <dgm:linClrLst meth="repeat">
+      <a:schemeClr val="accent2"/>
+      <a:schemeClr val="accent3"/>
+      <a:schemeClr val="accent4"/>
+      <a:schemeClr val="accent5"/>
+      <a:schemeClr val="accent6"/>
+    </dgm:linClrLst>
+    <dgm:effectClrLst/>
+    <dgm:txLinClrLst/>
+    <dgm:txFillClrLst meth="repeat">
+      <a:schemeClr val="dk1"/>
+    </dgm:txFillClrLst>
+    <dgm:txEffectClrLst/>
+  </dgm:styleLbl>
+  <dgm:styleLbl name="conFgAcc1">
+    <dgm:fillClrLst meth="repeat">
+      <a:schemeClr val="lt1">
+        <a:alpha val="90000"/>
+      </a:schemeClr>
+    </dgm:fillClrLst>
+    <dgm:linClrLst meth="repeat">
+      <a:schemeClr val="accent2"/>
+      <a:schemeClr val="accent3"/>
+      <a:schemeClr val="accent4"/>
+      <a:schemeClr val="accent5"/>
+      <a:schemeClr val="accent6"/>
+    </dgm:linClrLst>
+    <dgm:effectClrLst/>
+    <dgm:txLinClrLst/>
+    <dgm:txFillClrLst meth="repeat">
+      <a:schemeClr val="dk1"/>
+    </dgm:txFillClrLst>
+    <dgm:txEffectClrLst/>
+  </dgm:styleLbl>
+  <dgm:styleLbl name="alignAcc1">
+    <dgm:fillClrLst meth="repeat">
+      <a:schemeClr val="lt1">
+        <a:alpha val="90000"/>
+      </a:schemeClr>
+    </dgm:fillClrLst>
+    <dgm:linClrLst meth="repeat">
+      <a:schemeClr val="accent2"/>
+      <a:schemeClr val="accent3"/>
+      <a:schemeClr val="accent4"/>
+      <a:schemeClr val="accent5"/>
+      <a:schemeClr val="accent6"/>
+    </dgm:linClrLst>
+    <dgm:effectClrLst/>
+    <dgm:txLinClrLst/>
+    <dgm:txFillClrLst meth="repeat">
+      <a:schemeClr val="dk1"/>
+    </dgm:txFillClrLst>
+    <dgm:txEffectClrLst/>
+  </dgm:styleLbl>
+  <dgm:styleLbl name="trAlignAcc1">
+    <dgm:fillClrLst meth="repeat">
+      <a:schemeClr val="lt1">
+        <a:alpha val="40000"/>
+      </a:schemeClr>
+    </dgm:fillClrLst>
+    <dgm:linClrLst meth="repeat">
+      <a:schemeClr val="accent1"/>
+    </dgm:linClrLst>
+    <dgm:effectClrLst/>
+    <dgm:txLinClrLst/>
+    <dgm:txFillClrLst meth="repeat">
+      <a:schemeClr val="dk1"/>
+    </dgm:txFillClrLst>
+    <dgm:txEffectClrLst/>
+  </dgm:styleLbl>
+  <dgm:styleLbl name="bgAcc1">
+    <dgm:fillClrLst meth="repeat">
+      <a:schemeClr val="lt1">
+        <a:alpha val="90000"/>
+      </a:schemeClr>
+    </dgm:fillClrLst>
+    <dgm:linClrLst meth="repeat">
+      <a:schemeClr val="accent2"/>
+      <a:schemeClr val="accent3"/>
+      <a:schemeClr val="accent4"/>
+      <a:schemeClr val="accent5"/>
+      <a:schemeClr val="accent6"/>
+    </dgm:linClrLst>
+    <dgm:effectClrLst/>
+    <dgm:txLinClrLst/>
+    <dgm:txFillClrLst meth="repeat">
+      <a:schemeClr val="dk1"/>
+    </dgm:txFillClrLst>
+    <dgm:txEffectClrLst/>
+  </dgm:styleLbl>
+  <dgm:styleLbl name="solidFgAcc1">
+    <dgm:fillClrLst meth="repeat">
+      <a:schemeClr val="lt1"/>
+    </dgm:fillClrLst>
+    <dgm:linClrLst meth="repeat">
+      <a:schemeClr val="accent2"/>
+      <a:schemeClr val="accent3"/>
+      <a:schemeClr val="accent4"/>
+      <a:schemeClr val="accent5"/>
+      <a:schemeClr val="accent6"/>
+    </dgm:linClrLst>
+    <dgm:effectClrLst/>
+    <dgm:txLinClrLst/>
+    <dgm:txFillClrLst meth="repeat">
+      <a:schemeClr val="dk1"/>
+    </dgm:txFillClrLst>
+    <dgm:txEffectClrLst/>
+  </dgm:styleLbl>
+  <dgm:styleLbl name="solidAlignAcc1">
+    <dgm:fillClrLst meth="repeat">
+      <a:schemeClr val="lt1"/>
+    </dgm:fillClrLst>
+    <dgm:linClrLst meth="repeat">
+      <a:schemeClr val="accent2"/>
+      <a:schemeClr val="accent3"/>
+      <a:schemeClr val="accent4"/>
+      <a:schemeClr val="accent5"/>
+      <a:schemeClr val="accent6"/>
+    </dgm:linClrLst>
+    <dgm:effectClrLst/>
+    <dgm:txLinClrLst/>
+    <dgm:txFillClrLst meth="repeat">
+      <a:schemeClr val="dk1"/>
+    </dgm:txFillClrLst>
+    <dgm:txEffectClrLst/>
+  </dgm:styleLbl>
+  <dgm:styleLbl name="solidBgAcc1">
+    <dgm:fillClrLst meth="repeat">
+      <a:schemeClr val="lt1"/>
+    </dgm:fillClrLst>
+    <dgm:linClrLst meth="repeat">
+      <a:schemeClr val="accent2"/>
+      <a:schemeClr val="accent3"/>
+      <a:schemeClr val="accent4"/>
+      <a:schemeClr val="accent5"/>
+      <a:schemeClr val="accent6"/>
+    </dgm:linClrLst>
+    <dgm:effectClrLst/>
+    <dgm:txLinClrLst/>
+    <dgm:txFillClrLst meth="repeat">
+      <a:schemeClr val="dk1"/>
+    </dgm:txFillClrLst>
+    <dgm:txEffectClrLst/>
+  </dgm:styleLbl>
+  <dgm:styleLbl name="fgAccFollowNode1">
+    <dgm:fillClrLst meth="repeat">
+      <a:schemeClr val="accent2">
+        <a:tint val="40000"/>
+        <a:alpha val="90000"/>
+      </a:schemeClr>
+      <a:schemeClr val="accent3">
+        <a:tint val="40000"/>
+        <a:alpha val="90000"/>
+      </a:schemeClr>
+      <a:schemeClr val="accent4">
+        <a:tint val="40000"/>
+        <a:alpha val="90000"/>
+      </a:schemeClr>
+      <a:schemeClr val="accent5">
+        <a:tint val="40000"/>
+        <a:alpha val="90000"/>
+      </a:schemeClr>
+      <a:schemeClr val="accent6">
+        <a:tint val="40000"/>
+        <a:alpha val="90000"/>
+      </a:schemeClr>
+    </dgm:fillClrLst>
+    <dgm:linClrLst meth="repeat">
+      <a:schemeClr val="accent2">
+        <a:tint val="40000"/>
+        <a:alpha val="90000"/>
+      </a:schemeClr>
+      <a:schemeClr val="accent3">
+        <a:tint val="40000"/>
+        <a:alpha val="90000"/>
+      </a:schemeClr>
+      <a:schemeClr val="accent4">
+        <a:tint val="40000"/>
+        <a:alpha val="90000"/>
+      </a:schemeClr>
+      <a:schemeClr val="accent5">
+        <a:tint val="40000"/>
+        <a:alpha val="90000"/>
+      </a:schemeClr>
+      <a:schemeClr val="accent6">
+        <a:tint val="40000"/>
+        <a:alpha val="90000"/>
+      </a:schemeClr>
+    </dgm:linClrLst>
+    <dgm:effectClrLst/>
+    <dgm:txLinClrLst/>
+    <dgm:txFillClrLst meth="repeat">
+      <a:schemeClr val="dk1"/>
+    </dgm:txFillClrLst>
+    <dgm:txEffectClrLst/>
+  </dgm:styleLbl>
+  <dgm:styleLbl name="alignAccFollowNode1">
+    <dgm:fillClrLst meth="repeat">
+      <a:schemeClr val="accent2">
+        <a:tint val="40000"/>
+        <a:alpha val="90000"/>
+      </a:schemeClr>
+      <a:schemeClr val="accent3">
+        <a:tint val="40000"/>
+        <a:alpha val="90000"/>
+      </a:schemeClr>
+      <a:schemeClr val="accent4">
+        <a:tint val="40000"/>
+        <a:alpha val="90000"/>
+      </a:schemeClr>
+      <a:schemeClr val="accent5">
+        <a:tint val="40000"/>
+        <a:alpha val="90000"/>
+      </a:schemeClr>
+      <a:schemeClr val="accent6">
+        <a:tint val="40000"/>
+        <a:alpha val="90000"/>
+      </a:schemeClr>
+    </dgm:fillClrLst>
+    <dgm:linClrLst meth="repeat">
+      <a:schemeClr val="accent2">
+        <a:tint val="40000"/>
+        <a:alpha val="90000"/>
+      </a:schemeClr>
+      <a:schemeClr val="accent3">
+        <a:tint val="40000"/>
+        <a:alpha val="90000"/>
+      </a:schemeClr>
+      <a:schemeClr val="accent4">
+        <a:tint val="40000"/>
+        <a:alpha val="90000"/>
+      </a:schemeClr>
+      <a:schemeClr val="accent5">
+        <a:tint val="40000"/>
+        <a:alpha val="90000"/>
+      </a:schemeClr>
+      <a:schemeClr val="accent6">
+        <a:tint val="40000"/>
+        <a:alpha val="90000"/>
+      </a:schemeClr>
+    </dgm:linClrLst>
+    <dgm:effectClrLst/>
+    <dgm:txLinClrLst/>
+    <dgm:txFillClrLst meth="repeat">
+      <a:schemeClr val="dk1"/>
+    </dgm:txFillClrLst>
+    <dgm:txEffectClrLst/>
+  </dgm:styleLbl>
+  <dgm:styleLbl name="bgAccFollowNode1">
+    <dgm:fillClrLst meth="repeat">
+      <a:schemeClr val="accent2">
+        <a:tint val="40000"/>
+        <a:alpha val="90000"/>
+      </a:schemeClr>
+      <a:schemeClr val="accent3">
+        <a:tint val="40000"/>
+        <a:alpha val="90000"/>
+      </a:schemeClr>
+      <a:schemeClr val="accent4">
+        <a:tint val="40000"/>
+        <a:alpha val="90000"/>
+      </a:schemeClr>
+      <a:schemeClr val="accent5">
+        <a:tint val="40000"/>
+        <a:alpha val="90000"/>
+      </a:schemeClr>
+      <a:schemeClr val="accent6">
+        <a:tint val="40000"/>
+        <a:alpha val="90000"/>
+      </a:schemeClr>
+    </dgm:fillClrLst>
+    <dgm:linClrLst meth="repeat">
+      <a:schemeClr val="accent2">
+        <a:tint val="40000"/>
+        <a:alpha val="90000"/>
+      </a:schemeClr>
+      <a:schemeClr val="accent3">
+        <a:tint val="40000"/>
+        <a:alpha val="90000"/>
+      </a:schemeClr>
+      <a:schemeClr val="accent4">
+        <a:tint val="40000"/>
+        <a:alpha val="90000"/>
+      </a:schemeClr>
+      <a:schemeClr val="accent5">
+        <a:tint val="40000"/>
+        <a:alpha val="90000"/>
+      </a:schemeClr>
+      <a:schemeClr val="accent6">
+        <a:tint val="40000"/>
+        <a:alpha val="90000"/>
+      </a:schemeClr>
+    </dgm:linClrLst>
+    <dgm:effectClrLst/>
+    <dgm:txLinClrLst/>
+    <dgm:txFillClrLst meth="repeat">
+      <a:schemeClr val="dk1"/>
+    </dgm:txFillClrLst>
+    <dgm:txEffectClrLst/>
+  </dgm:styleLbl>
+  <dgm:styleLbl name="fgAcc0">
+    <dgm:fillClrLst meth="repeat">
+      <a:schemeClr val="lt1">
+        <a:alpha val="90000"/>
+      </a:schemeClr>
+    </dgm:fillClrLst>
+    <dgm:linClrLst>
+      <a:schemeClr val="accent1"/>
+    </dgm:linClrLst>
+    <dgm:effectClrLst/>
+    <dgm:txLinClrLst/>
+    <dgm:txFillClrLst meth="repeat">
+      <a:schemeClr val="dk1"/>
+    </dgm:txFillClrLst>
+    <dgm:txEffectClrLst/>
+  </dgm:styleLbl>
+  <dgm:styleLbl name="fgAcc2">
+    <dgm:fillClrLst meth="repeat">
+      <a:schemeClr val="lt1">
+        <a:alpha val="90000"/>
+      </a:schemeClr>
+    </dgm:fillClrLst>
+    <dgm:linClrLst>
+      <a:schemeClr val="accent2"/>
+    </dgm:linClrLst>
+    <dgm:effectClrLst/>
+    <dgm:txLinClrLst/>
+    <dgm:txFillClrLst meth="repeat">
+      <a:schemeClr val="dk1"/>
+    </dgm:txFillClrLst>
+    <dgm:txEffectClrLst/>
+  </dgm:styleLbl>
+  <dgm:styleLbl name="fgAcc3">
+    <dgm:fillClrLst meth="repeat">
+      <a:schemeClr val="lt1">
+        <a:alpha val="90000"/>
+      </a:schemeClr>
+    </dgm:fillClrLst>
+    <dgm:linClrLst>
+      <a:schemeClr val="accent3"/>
+    </dgm:linClrLst>
+    <dgm:effectClrLst/>
+    <dgm:txLinClrLst/>
+    <dgm:txFillClrLst meth="repeat">
+      <a:schemeClr val="dk1"/>
+    </dgm:txFillClrLst>
+    <dgm:txEffectClrLst/>
+  </dgm:styleLbl>
+  <dgm:styleLbl name="fgAcc4">
+    <dgm:fillClrLst meth="repeat">
+      <a:schemeClr val="lt1">
+        <a:alpha val="90000"/>
+      </a:schemeClr>
+    </dgm:fillClrLst>
+    <dgm:linClrLst>
+      <a:schemeClr val="accent4"/>
+    </dgm:linClrLst>
+    <dgm:effectClrLst/>
+    <dgm:txLinClrLst/>
+    <dgm:txFillClrLst meth="repeat">
+      <a:schemeClr val="dk1"/>
+    </dgm:txFillClrLst>
+    <dgm:txEffectClrLst/>
+  </dgm:styleLbl>
+  <dgm:styleLbl name="bgShp">
+    <dgm:fillClrLst meth="repeat">
+      <a:schemeClr val="accent2"/>
+      <a:schemeClr val="accent3"/>
+      <a:schemeClr val="accent4"/>
+      <a:schemeClr val="accent5"/>
+      <a:schemeClr val="accent6"/>
+    </dgm:fillClrLst>
+    <dgm:linClrLst meth="repeat">
+      <a:schemeClr val="lt1">
+        <a:alpha val="0"/>
+      </a:schemeClr>
+    </dgm:linClrLst>
+    <dgm:effectClrLst/>
+    <dgm:txLinClrLst/>
+    <dgm:txFillClrLst/>
+    <dgm:txEffectClrLst/>
+  </dgm:styleLbl>
+  <dgm:styleLbl name="dkBgShp">
+    <dgm:fillClrLst meth="repeat">
+      <a:schemeClr val="accent2">
+        <a:shade val="90000"/>
+      </a:schemeClr>
+    </dgm:fillClrLst>
+    <dgm:linClrLst meth="repeat">
+      <a:schemeClr val="dk1"/>
+    </dgm:linClrLst>
+    <dgm:effectClrLst/>
+    <dgm:txLinClrLst/>
+    <dgm:txFillClrLst meth="repeat">
+      <a:schemeClr val="lt1"/>
+    </dgm:txFillClrLst>
+    <dgm:txEffectClrLst/>
+  </dgm:styleLbl>
+  <dgm:styleLbl name="trBgShp">
+    <dgm:fillClrLst meth="repeat">
+      <a:schemeClr val="accent1">
+        <a:tint val="50000"/>
+        <a:alpha val="40000"/>
+      </a:schemeClr>
+    </dgm:fillClrLst>
+    <dgm:linClrLst meth="repeat">
+      <a:schemeClr val="accent2"/>
+    </dgm:linClrLst>
+    <dgm:effectClrLst/>
+    <dgm:txLinClrLst/>
+    <dgm:txFillClrLst meth="repeat">
+      <a:schemeClr val="lt1"/>
+    </dgm:txFillClrLst>
+    <dgm:txEffectClrLst/>
+  </dgm:styleLbl>
+  <dgm:styleLbl name="fgShp">
+    <dgm:fillClrLst meth="repeat">
+      <a:schemeClr val="accent2">
+        <a:tint val="40000"/>
+      </a:schemeClr>
+    </dgm:fillClrLst>
+    <dgm:linClrLst meth="repeat">
+      <a:schemeClr val="lt1"/>
+    </dgm:linClrLst>
+    <dgm:effectClrLst/>
+    <dgm:txLinClrLst/>
+    <dgm:txFillClrLst meth="repeat">
+      <a:schemeClr val="dk1"/>
+    </dgm:txFillClrLst>
+    <dgm:txEffectClrLst/>
+  </dgm:styleLbl>
+  <dgm:styleLbl name="revTx">
+    <dgm:fillClrLst meth="repeat">
+      <a:schemeClr val="lt1">
+        <a:alpha val="0"/>
+      </a:schemeClr>
+    </dgm:fillClrLst>
+    <dgm:linClrLst meth="repeat">
+      <a:schemeClr val="dk1">
+        <a:alpha val="0"/>
+      </a:schemeClr>
+    </dgm:linClrLst>
+    <dgm:effectClrLst/>
+    <dgm:txLinClrLst/>
+    <dgm:txFillClrLst meth="repeat">
+      <a:schemeClr val="bg1"/>
+    </dgm:txFillClrLst>
+    <dgm:txEffectClrLst/>
+  </dgm:styleLbl>
+</dgm:colorsDef>
+</file>
+
+<file path=ppt/diagrams/data1.xml><?xml version="1.0" encoding="utf-8"?>
+<dgm:dataModel xmlns:dgm="http://schemas.openxmlformats.org/drawingml/2006/diagram" xmlns:a="http://schemas.openxmlformats.org/drawingml/2006/main">
+  <dgm:ptLst>
+    <dgm:pt modelId="{56473DA6-2BE0-4E2B-9BE8-4048363BB6A8}" type="doc">
+      <dgm:prSet loTypeId="urn:microsoft.com/office/officeart/2005/8/layout/hierarchy1" loCatId="hierarchy" qsTypeId="urn:microsoft.com/office/officeart/2005/8/quickstyle/simple1" qsCatId="simple" csTypeId="urn:microsoft.com/office/officeart/2005/8/colors/colorful2" csCatId="colorful" phldr="1"/>
+      <dgm:spPr/>
+      <dgm:t>
+        <a:bodyPr/>
+        <a:lstStyle/>
+        <a:p>
+          <a:endParaRPr lang="en-US"/>
+        </a:p>
+      </dgm:t>
+    </dgm:pt>
+    <dgm:pt modelId="{F76FFD0F-0A41-4E10-A3CC-C3DAE9E29A38}">
+      <dgm:prSet/>
+      <dgm:spPr/>
+      <dgm:t>
+        <a:bodyPr/>
+        <a:lstStyle/>
+        <a:p>
+          <a:r>
+            <a:rPr lang="en-US" baseline="0"/>
+            <a:t>To determine the correlation between Government grants and the fluctuation in the employment rate</a:t>
+          </a:r>
+          <a:endParaRPr lang="en-US"/>
+        </a:p>
+      </dgm:t>
+    </dgm:pt>
+    <dgm:pt modelId="{03A9D8CC-A4BE-4D63-8446-215F211584CB}" type="parTrans" cxnId="{3A9AEBD6-1B91-4325-BC8E-8356A7241450}">
+      <dgm:prSet/>
+      <dgm:spPr/>
+      <dgm:t>
+        <a:bodyPr/>
+        <a:lstStyle/>
+        <a:p>
+          <a:endParaRPr lang="en-US"/>
+        </a:p>
+      </dgm:t>
+    </dgm:pt>
+    <dgm:pt modelId="{0724661E-7D98-4350-9D0D-4575F66F489F}" type="sibTrans" cxnId="{3A9AEBD6-1B91-4325-BC8E-8356A7241450}">
+      <dgm:prSet/>
+      <dgm:spPr/>
+      <dgm:t>
+        <a:bodyPr/>
+        <a:lstStyle/>
+        <a:p>
+          <a:endParaRPr lang="en-US"/>
+        </a:p>
+      </dgm:t>
+    </dgm:pt>
+    <dgm:pt modelId="{4EBDA261-799B-41D2-A9B3-C3901813BBAB}">
+      <dgm:prSet/>
+      <dgm:spPr/>
+      <dgm:t>
+        <a:bodyPr/>
+        <a:lstStyle/>
+        <a:p>
+          <a:r>
+            <a:rPr lang="en-US" baseline="0" dirty="0"/>
+            <a:t>To Determine the effect on the united states GDP</a:t>
+          </a:r>
+          <a:endParaRPr lang="en-US" dirty="0"/>
+        </a:p>
+      </dgm:t>
+    </dgm:pt>
+    <dgm:pt modelId="{5BA0D5BD-E78C-482A-84FB-0E254A09C021}" type="parTrans" cxnId="{FFCBBD9B-A65D-44EC-92EE-976F18EF56CA}">
+      <dgm:prSet/>
+      <dgm:spPr/>
+      <dgm:t>
+        <a:bodyPr/>
+        <a:lstStyle/>
+        <a:p>
+          <a:endParaRPr lang="en-US"/>
+        </a:p>
+      </dgm:t>
+    </dgm:pt>
+    <dgm:pt modelId="{DE56B502-434E-423D-AB0A-CA0568A3DE90}" type="sibTrans" cxnId="{FFCBBD9B-A65D-44EC-92EE-976F18EF56CA}">
+      <dgm:prSet/>
+      <dgm:spPr/>
+      <dgm:t>
+        <a:bodyPr/>
+        <a:lstStyle/>
+        <a:p>
+          <a:endParaRPr lang="en-US"/>
+        </a:p>
+      </dgm:t>
+    </dgm:pt>
+    <dgm:pt modelId="{6D1650B1-2AF7-4C11-9F34-D67DEEC364D2}">
+      <dgm:prSet/>
+      <dgm:spPr/>
+      <dgm:t>
+        <a:bodyPr/>
+        <a:lstStyle/>
+        <a:p>
+          <a:r>
+            <a:rPr lang="en-US" baseline="0"/>
+            <a:t>To determine a correlation between the number of contracts granted by the US. Federal Government and the employment growth rate per state focusing on the Tech industry</a:t>
+          </a:r>
+          <a:br>
+            <a:rPr lang="en-US" baseline="0"/>
+          </a:br>
+          <a:endParaRPr lang="en-US"/>
+        </a:p>
+      </dgm:t>
+    </dgm:pt>
+    <dgm:pt modelId="{E9387AFA-7CD6-4F1B-B8EA-B510A23CD77E}" type="parTrans" cxnId="{D909C230-EDEB-4325-97FC-07BE160E7D06}">
+      <dgm:prSet/>
+      <dgm:spPr/>
+      <dgm:t>
+        <a:bodyPr/>
+        <a:lstStyle/>
+        <a:p>
+          <a:endParaRPr lang="en-US"/>
+        </a:p>
+      </dgm:t>
+    </dgm:pt>
+    <dgm:pt modelId="{EE3544DF-8E9C-4F82-B7AE-AB4EA1786DE4}" type="sibTrans" cxnId="{D909C230-EDEB-4325-97FC-07BE160E7D06}">
+      <dgm:prSet/>
+      <dgm:spPr/>
+      <dgm:t>
+        <a:bodyPr/>
+        <a:lstStyle/>
+        <a:p>
+          <a:endParaRPr lang="en-US"/>
+        </a:p>
+      </dgm:t>
+    </dgm:pt>
+    <dgm:pt modelId="{F5A46A7F-660B-4412-8552-14D6A40233FA}" type="pres">
+      <dgm:prSet presAssocID="{56473DA6-2BE0-4E2B-9BE8-4048363BB6A8}" presName="hierChild1" presStyleCnt="0">
+        <dgm:presLayoutVars>
+          <dgm:chPref val="1"/>
+          <dgm:dir/>
+          <dgm:animOne val="branch"/>
+          <dgm:animLvl val="lvl"/>
+          <dgm:resizeHandles/>
+        </dgm:presLayoutVars>
+      </dgm:prSet>
+      <dgm:spPr/>
+    </dgm:pt>
+    <dgm:pt modelId="{9B2DAA5E-FA56-4A22-A784-DE7C56DC2E0B}" type="pres">
+      <dgm:prSet presAssocID="{F76FFD0F-0A41-4E10-A3CC-C3DAE9E29A38}" presName="hierRoot1" presStyleCnt="0"/>
+      <dgm:spPr/>
+    </dgm:pt>
+    <dgm:pt modelId="{56E66A20-0D33-402E-83AA-C98A27EBA30F}" type="pres">
+      <dgm:prSet presAssocID="{F76FFD0F-0A41-4E10-A3CC-C3DAE9E29A38}" presName="composite" presStyleCnt="0"/>
+      <dgm:spPr/>
+    </dgm:pt>
+    <dgm:pt modelId="{0CD73D12-1454-4465-BF37-2DAA7D61D385}" type="pres">
+      <dgm:prSet presAssocID="{F76FFD0F-0A41-4E10-A3CC-C3DAE9E29A38}" presName="background" presStyleLbl="node0" presStyleIdx="0" presStyleCnt="3"/>
+      <dgm:spPr/>
+    </dgm:pt>
+    <dgm:pt modelId="{D3C30F50-ACA0-4D61-A8E7-EE0146698363}" type="pres">
+      <dgm:prSet presAssocID="{F76FFD0F-0A41-4E10-A3CC-C3DAE9E29A38}" presName="text" presStyleLbl="fgAcc0" presStyleIdx="0" presStyleCnt="3">
+        <dgm:presLayoutVars>
+          <dgm:chPref val="3"/>
+        </dgm:presLayoutVars>
+      </dgm:prSet>
+      <dgm:spPr/>
+    </dgm:pt>
+    <dgm:pt modelId="{B2546FBE-DDB6-4075-985A-1F0A66FCCBDC}" type="pres">
+      <dgm:prSet presAssocID="{F76FFD0F-0A41-4E10-A3CC-C3DAE9E29A38}" presName="hierChild2" presStyleCnt="0"/>
+      <dgm:spPr/>
+    </dgm:pt>
+    <dgm:pt modelId="{C47C49E6-5A8D-4216-981E-57C3870C9BEF}" type="pres">
+      <dgm:prSet presAssocID="{4EBDA261-799B-41D2-A9B3-C3901813BBAB}" presName="hierRoot1" presStyleCnt="0"/>
+      <dgm:spPr/>
+    </dgm:pt>
+    <dgm:pt modelId="{0AE5DCFA-1899-43F3-92B9-7A52134297E9}" type="pres">
+      <dgm:prSet presAssocID="{4EBDA261-799B-41D2-A9B3-C3901813BBAB}" presName="composite" presStyleCnt="0"/>
+      <dgm:spPr/>
+    </dgm:pt>
+    <dgm:pt modelId="{F5D487D2-31F6-4ABC-B94B-8C34C3C85A74}" type="pres">
+      <dgm:prSet presAssocID="{4EBDA261-799B-41D2-A9B3-C3901813BBAB}" presName="background" presStyleLbl="node0" presStyleIdx="1" presStyleCnt="3"/>
+      <dgm:spPr/>
+    </dgm:pt>
+    <dgm:pt modelId="{127AE459-11D3-40E4-AA18-019244D334C6}" type="pres">
+      <dgm:prSet presAssocID="{4EBDA261-799B-41D2-A9B3-C3901813BBAB}" presName="text" presStyleLbl="fgAcc0" presStyleIdx="1" presStyleCnt="3">
+        <dgm:presLayoutVars>
+          <dgm:chPref val="3"/>
+        </dgm:presLayoutVars>
+      </dgm:prSet>
+      <dgm:spPr/>
+    </dgm:pt>
+    <dgm:pt modelId="{B7CB70D9-7E30-4A9A-877B-21ED6C623135}" type="pres">
+      <dgm:prSet presAssocID="{4EBDA261-799B-41D2-A9B3-C3901813BBAB}" presName="hierChild2" presStyleCnt="0"/>
+      <dgm:spPr/>
+    </dgm:pt>
+    <dgm:pt modelId="{04CCEFA8-92B6-4816-963A-E4CC2619D126}" type="pres">
+      <dgm:prSet presAssocID="{6D1650B1-2AF7-4C11-9F34-D67DEEC364D2}" presName="hierRoot1" presStyleCnt="0"/>
+      <dgm:spPr/>
+    </dgm:pt>
+    <dgm:pt modelId="{AC1FAC20-6D2C-4B0F-AB2C-8CC1399C011E}" type="pres">
+      <dgm:prSet presAssocID="{6D1650B1-2AF7-4C11-9F34-D67DEEC364D2}" presName="composite" presStyleCnt="0"/>
+      <dgm:spPr/>
+    </dgm:pt>
+    <dgm:pt modelId="{0D8BA6AE-5611-4F03-A12A-135B487D71B3}" type="pres">
+      <dgm:prSet presAssocID="{6D1650B1-2AF7-4C11-9F34-D67DEEC364D2}" presName="background" presStyleLbl="node0" presStyleIdx="2" presStyleCnt="3"/>
+      <dgm:spPr/>
+    </dgm:pt>
+    <dgm:pt modelId="{B042970C-929A-4780-BE1F-421317AED6F4}" type="pres">
+      <dgm:prSet presAssocID="{6D1650B1-2AF7-4C11-9F34-D67DEEC364D2}" presName="text" presStyleLbl="fgAcc0" presStyleIdx="2" presStyleCnt="3">
+        <dgm:presLayoutVars>
+          <dgm:chPref val="3"/>
+        </dgm:presLayoutVars>
+      </dgm:prSet>
+      <dgm:spPr/>
+    </dgm:pt>
+    <dgm:pt modelId="{2DBD0E2E-634A-4191-AFC9-D8CF9BC870E1}" type="pres">
+      <dgm:prSet presAssocID="{6D1650B1-2AF7-4C11-9F34-D67DEEC364D2}" presName="hierChild2" presStyleCnt="0"/>
+      <dgm:spPr/>
+    </dgm:pt>
+  </dgm:ptLst>
+  <dgm:cxnLst>
+    <dgm:cxn modelId="{D909C230-EDEB-4325-97FC-07BE160E7D06}" srcId="{56473DA6-2BE0-4E2B-9BE8-4048363BB6A8}" destId="{6D1650B1-2AF7-4C11-9F34-D67DEEC364D2}" srcOrd="2" destOrd="0" parTransId="{E9387AFA-7CD6-4F1B-B8EA-B510A23CD77E}" sibTransId="{EE3544DF-8E9C-4F82-B7AE-AB4EA1786DE4}"/>
+    <dgm:cxn modelId="{0A01C83B-E59F-4F1A-B25B-AC2EC97785BD}" type="presOf" srcId="{4EBDA261-799B-41D2-A9B3-C3901813BBAB}" destId="{127AE459-11D3-40E4-AA18-019244D334C6}" srcOrd="0" destOrd="0" presId="urn:microsoft.com/office/officeart/2005/8/layout/hierarchy1"/>
+    <dgm:cxn modelId="{C0B2144E-1457-4073-997B-AEBEA240ECDA}" type="presOf" srcId="{56473DA6-2BE0-4E2B-9BE8-4048363BB6A8}" destId="{F5A46A7F-660B-4412-8552-14D6A40233FA}" srcOrd="0" destOrd="0" presId="urn:microsoft.com/office/officeart/2005/8/layout/hierarchy1"/>
+    <dgm:cxn modelId="{CBFAF88B-5F20-4583-9B49-D2A91244A19C}" type="presOf" srcId="{6D1650B1-2AF7-4C11-9F34-D67DEEC364D2}" destId="{B042970C-929A-4780-BE1F-421317AED6F4}" srcOrd="0" destOrd="0" presId="urn:microsoft.com/office/officeart/2005/8/layout/hierarchy1"/>
+    <dgm:cxn modelId="{FFCBBD9B-A65D-44EC-92EE-976F18EF56CA}" srcId="{56473DA6-2BE0-4E2B-9BE8-4048363BB6A8}" destId="{4EBDA261-799B-41D2-A9B3-C3901813BBAB}" srcOrd="1" destOrd="0" parTransId="{5BA0D5BD-E78C-482A-84FB-0E254A09C021}" sibTransId="{DE56B502-434E-423D-AB0A-CA0568A3DE90}"/>
+    <dgm:cxn modelId="{3A9AEBD6-1B91-4325-BC8E-8356A7241450}" srcId="{56473DA6-2BE0-4E2B-9BE8-4048363BB6A8}" destId="{F76FFD0F-0A41-4E10-A3CC-C3DAE9E29A38}" srcOrd="0" destOrd="0" parTransId="{03A9D8CC-A4BE-4D63-8446-215F211584CB}" sibTransId="{0724661E-7D98-4350-9D0D-4575F66F489F}"/>
+    <dgm:cxn modelId="{025A47F2-0D5D-4D08-848A-B2144C8A84AA}" type="presOf" srcId="{F76FFD0F-0A41-4E10-A3CC-C3DAE9E29A38}" destId="{D3C30F50-ACA0-4D61-A8E7-EE0146698363}" srcOrd="0" destOrd="0" presId="urn:microsoft.com/office/officeart/2005/8/layout/hierarchy1"/>
+    <dgm:cxn modelId="{35FF9BF1-FE26-49DE-B274-582B7E0B1306}" type="presParOf" srcId="{F5A46A7F-660B-4412-8552-14D6A40233FA}" destId="{9B2DAA5E-FA56-4A22-A784-DE7C56DC2E0B}" srcOrd="0" destOrd="0" presId="urn:microsoft.com/office/officeart/2005/8/layout/hierarchy1"/>
+    <dgm:cxn modelId="{8A50F49E-E1A1-493B-97CC-E31EFE4881B4}" type="presParOf" srcId="{9B2DAA5E-FA56-4A22-A784-DE7C56DC2E0B}" destId="{56E66A20-0D33-402E-83AA-C98A27EBA30F}" srcOrd="0" destOrd="0" presId="urn:microsoft.com/office/officeart/2005/8/layout/hierarchy1"/>
+    <dgm:cxn modelId="{619520FD-64F5-4467-AE98-F61D1E087C19}" type="presParOf" srcId="{56E66A20-0D33-402E-83AA-C98A27EBA30F}" destId="{0CD73D12-1454-4465-BF37-2DAA7D61D385}" srcOrd="0" destOrd="0" presId="urn:microsoft.com/office/officeart/2005/8/layout/hierarchy1"/>
+    <dgm:cxn modelId="{8EC25A4D-E02A-4867-89EA-B0D02E737CB0}" type="presParOf" srcId="{56E66A20-0D33-402E-83AA-C98A27EBA30F}" destId="{D3C30F50-ACA0-4D61-A8E7-EE0146698363}" srcOrd="1" destOrd="0" presId="urn:microsoft.com/office/officeart/2005/8/layout/hierarchy1"/>
+    <dgm:cxn modelId="{4BB6A3F7-B710-419E-96F7-5CFF0B2FA6E6}" type="presParOf" srcId="{9B2DAA5E-FA56-4A22-A784-DE7C56DC2E0B}" destId="{B2546FBE-DDB6-4075-985A-1F0A66FCCBDC}" srcOrd="1" destOrd="0" presId="urn:microsoft.com/office/officeart/2005/8/layout/hierarchy1"/>
+    <dgm:cxn modelId="{E9D3D595-5008-44AE-B55D-5BFB53B33F05}" type="presParOf" srcId="{F5A46A7F-660B-4412-8552-14D6A40233FA}" destId="{C47C49E6-5A8D-4216-981E-57C3870C9BEF}" srcOrd="1" destOrd="0" presId="urn:microsoft.com/office/officeart/2005/8/layout/hierarchy1"/>
+    <dgm:cxn modelId="{D93B965E-A231-4BA1-9E25-F5E2651FEA0D}" type="presParOf" srcId="{C47C49E6-5A8D-4216-981E-57C3870C9BEF}" destId="{0AE5DCFA-1899-43F3-92B9-7A52134297E9}" srcOrd="0" destOrd="0" presId="urn:microsoft.com/office/officeart/2005/8/layout/hierarchy1"/>
+    <dgm:cxn modelId="{9E6E374E-055B-4117-9067-9031B5AA606F}" type="presParOf" srcId="{0AE5DCFA-1899-43F3-92B9-7A52134297E9}" destId="{F5D487D2-31F6-4ABC-B94B-8C34C3C85A74}" srcOrd="0" destOrd="0" presId="urn:microsoft.com/office/officeart/2005/8/layout/hierarchy1"/>
+    <dgm:cxn modelId="{31CCD8BC-E978-446D-ACF2-71D29DCB9A0B}" type="presParOf" srcId="{0AE5DCFA-1899-43F3-92B9-7A52134297E9}" destId="{127AE459-11D3-40E4-AA18-019244D334C6}" srcOrd="1" destOrd="0" presId="urn:microsoft.com/office/officeart/2005/8/layout/hierarchy1"/>
+    <dgm:cxn modelId="{6D0CE75F-17C7-4F2A-80AA-29099AE81F2B}" type="presParOf" srcId="{C47C49E6-5A8D-4216-981E-57C3870C9BEF}" destId="{B7CB70D9-7E30-4A9A-877B-21ED6C623135}" srcOrd="1" destOrd="0" presId="urn:microsoft.com/office/officeart/2005/8/layout/hierarchy1"/>
+    <dgm:cxn modelId="{8155A418-9DDD-422B-84FA-756553E9AE9C}" type="presParOf" srcId="{F5A46A7F-660B-4412-8552-14D6A40233FA}" destId="{04CCEFA8-92B6-4816-963A-E4CC2619D126}" srcOrd="2" destOrd="0" presId="urn:microsoft.com/office/officeart/2005/8/layout/hierarchy1"/>
+    <dgm:cxn modelId="{FE2CB30C-A13D-4FE5-BF4C-7AE2226269CE}" type="presParOf" srcId="{04CCEFA8-92B6-4816-963A-E4CC2619D126}" destId="{AC1FAC20-6D2C-4B0F-AB2C-8CC1399C011E}" srcOrd="0" destOrd="0" presId="urn:microsoft.com/office/officeart/2005/8/layout/hierarchy1"/>
+    <dgm:cxn modelId="{A6ADA271-3D3B-485A-BC23-CEFD9C669C8A}" type="presParOf" srcId="{AC1FAC20-6D2C-4B0F-AB2C-8CC1399C011E}" destId="{0D8BA6AE-5611-4F03-A12A-135B487D71B3}" srcOrd="0" destOrd="0" presId="urn:microsoft.com/office/officeart/2005/8/layout/hierarchy1"/>
+    <dgm:cxn modelId="{EEA8CDC3-5500-4B97-B6DD-5A4DDA93D9F7}" type="presParOf" srcId="{AC1FAC20-6D2C-4B0F-AB2C-8CC1399C011E}" destId="{B042970C-929A-4780-BE1F-421317AED6F4}" srcOrd="1" destOrd="0" presId="urn:microsoft.com/office/officeart/2005/8/layout/hierarchy1"/>
+    <dgm:cxn modelId="{B0DF99CB-447E-461E-BCE7-FF08BBB0146F}" type="presParOf" srcId="{04CCEFA8-92B6-4816-963A-E4CC2619D126}" destId="{2DBD0E2E-634A-4191-AFC9-D8CF9BC870E1}" srcOrd="1" destOrd="0" presId="urn:microsoft.com/office/officeart/2005/8/layout/hierarchy1"/>
+  </dgm:cxnLst>
+  <dgm:bg/>
+  <dgm:whole/>
+  <dgm:extLst>
+    <a:ext uri="http://schemas.microsoft.com/office/drawing/2008/diagram">
+      <dsp:dataModelExt xmlns:dsp="http://schemas.microsoft.com/office/drawing/2008/diagram" relId="rId6" minVer="http://schemas.openxmlformats.org/drawingml/2006/diagram"/>
+    </a:ext>
+  </dgm:extLst>
+</dgm:dataModel>
+</file>
+
+<file path=ppt/diagrams/data2.xml><?xml version="1.0" encoding="utf-8"?>
+<dgm:dataModel xmlns:dgm="http://schemas.openxmlformats.org/drawingml/2006/diagram" xmlns:a="http://schemas.openxmlformats.org/drawingml/2006/main">
+  <dgm:ptLst>
+    <dgm:pt modelId="{29C25507-A982-40CB-9DF7-7BD707E613DD}" type="doc">
+      <dgm:prSet loTypeId="urn:microsoft.com/office/officeart/2018/2/layout/IconVerticalSolidList" loCatId="icon" qsTypeId="urn:microsoft.com/office/officeart/2005/8/quickstyle/simple1" qsCatId="simple" csTypeId="urn:microsoft.com/office/officeart/2018/5/colors/Iconchunking_neutralicontext_colorful1" csCatId="colorful" phldr="1"/>
+      <dgm:spPr/>
+      <dgm:t>
+        <a:bodyPr/>
+        <a:lstStyle/>
+        <a:p>
+          <a:endParaRPr lang="en-US"/>
+        </a:p>
+      </dgm:t>
+    </dgm:pt>
+    <dgm:pt modelId="{FF096C9D-E9B8-43CB-9C60-9BF10CAEC11A}">
+      <dgm:prSet/>
+      <dgm:spPr/>
+      <dgm:t>
+        <a:bodyPr/>
+        <a:lstStyle/>
+        <a:p>
+          <a:r>
+            <a:rPr lang="en-US" baseline="0"/>
+            <a:t>What: there are many factors to move the economy forward, we will focus on a key metric “The Federal Government procurement program”</a:t>
+          </a:r>
+          <a:endParaRPr lang="en-US"/>
+        </a:p>
+      </dgm:t>
+    </dgm:pt>
+    <dgm:pt modelId="{E3F5ADF5-9B46-4D5A-A2DA-A1A5725CCD8F}" type="parTrans" cxnId="{4E054B7A-D17B-4A49-AA5B-E1924D6DBAC6}">
+      <dgm:prSet/>
+      <dgm:spPr/>
+      <dgm:t>
+        <a:bodyPr/>
+        <a:lstStyle/>
+        <a:p>
+          <a:endParaRPr lang="en-US"/>
+        </a:p>
+      </dgm:t>
+    </dgm:pt>
+    <dgm:pt modelId="{546D4DFC-7660-4426-BA0B-D15D1EB35CEB}" type="sibTrans" cxnId="{4E054B7A-D17B-4A49-AA5B-E1924D6DBAC6}">
+      <dgm:prSet/>
+      <dgm:spPr/>
+      <dgm:t>
+        <a:bodyPr/>
+        <a:lstStyle/>
+        <a:p>
+          <a:endParaRPr lang="en-US"/>
+        </a:p>
+      </dgm:t>
+    </dgm:pt>
+    <dgm:pt modelId="{2B6A9B98-E046-4947-A7FC-13C92F6556EF}">
+      <dgm:prSet/>
+      <dgm:spPr/>
+      <dgm:t>
+        <a:bodyPr/>
+        <a:lstStyle/>
+        <a:p>
+          <a:r>
+            <a:rPr lang="en-US" baseline="0"/>
+            <a:t>Why: we believe that the program is very essential to our growing economy here in the us and we would like to showcase that using our code.</a:t>
+          </a:r>
+          <a:endParaRPr lang="en-US"/>
+        </a:p>
+      </dgm:t>
+    </dgm:pt>
+    <dgm:pt modelId="{37064D12-553E-4960-93A8-913C37E96393}" type="parTrans" cxnId="{E9B022E3-3B90-4E3E-92E2-D0B9FC417558}">
+      <dgm:prSet/>
+      <dgm:spPr/>
+      <dgm:t>
+        <a:bodyPr/>
+        <a:lstStyle/>
+        <a:p>
+          <a:endParaRPr lang="en-US"/>
+        </a:p>
+      </dgm:t>
+    </dgm:pt>
+    <dgm:pt modelId="{FA26B168-2FB3-4C92-AC56-193731EE41B2}" type="sibTrans" cxnId="{E9B022E3-3B90-4E3E-92E2-D0B9FC417558}">
+      <dgm:prSet/>
+      <dgm:spPr/>
+      <dgm:t>
+        <a:bodyPr/>
+        <a:lstStyle/>
+        <a:p>
+          <a:endParaRPr lang="en-US"/>
+        </a:p>
+      </dgm:t>
+    </dgm:pt>
+    <dgm:pt modelId="{4B1CF508-3A00-48A9-9572-ED37A51DC5F4}">
+      <dgm:prSet/>
+      <dgm:spPr/>
+      <dgm:t>
+        <a:bodyPr/>
+        <a:lstStyle/>
+        <a:p>
+          <a:r>
+            <a:rPr lang="en-US" baseline="0"/>
+            <a:t>How: did you say code? we will utilize our research and gts skills to showcase how we used code to import, organize, merge, set tables, edit, graph and data manipulate. </a:t>
+          </a:r>
+          <a:endParaRPr lang="en-US"/>
+        </a:p>
+      </dgm:t>
+    </dgm:pt>
+    <dgm:pt modelId="{68FD5CB9-528F-46A7-B1FF-E6F2B5FA92AF}" type="parTrans" cxnId="{37BE4414-5685-4E57-9AA2-57A527F4E751}">
+      <dgm:prSet/>
+      <dgm:spPr/>
+      <dgm:t>
+        <a:bodyPr/>
+        <a:lstStyle/>
+        <a:p>
+          <a:endParaRPr lang="en-US"/>
+        </a:p>
+      </dgm:t>
+    </dgm:pt>
+    <dgm:pt modelId="{A978CA33-5CAD-4AB8-904A-3F45D1BBBCC7}" type="sibTrans" cxnId="{37BE4414-5685-4E57-9AA2-57A527F4E751}">
+      <dgm:prSet/>
+      <dgm:spPr/>
+      <dgm:t>
+        <a:bodyPr/>
+        <a:lstStyle/>
+        <a:p>
+          <a:endParaRPr lang="en-US"/>
+        </a:p>
+      </dgm:t>
+    </dgm:pt>
+    <dgm:pt modelId="{14E213EE-F9E7-4B68-B5B7-3570E2B7F4D5}" type="pres">
+      <dgm:prSet presAssocID="{29C25507-A982-40CB-9DF7-7BD707E613DD}" presName="root" presStyleCnt="0">
+        <dgm:presLayoutVars>
+          <dgm:dir/>
+          <dgm:resizeHandles val="exact"/>
+        </dgm:presLayoutVars>
+      </dgm:prSet>
+      <dgm:spPr/>
+    </dgm:pt>
+    <dgm:pt modelId="{6E441FDB-E871-42F8-A85C-08BCD940C351}" type="pres">
+      <dgm:prSet presAssocID="{FF096C9D-E9B8-43CB-9C60-9BF10CAEC11A}" presName="compNode" presStyleCnt="0"/>
+      <dgm:spPr/>
+    </dgm:pt>
+    <dgm:pt modelId="{33FBE459-E6D9-4C3F-AB13-16FEF748DE26}" type="pres">
+      <dgm:prSet presAssocID="{FF096C9D-E9B8-43CB-9C60-9BF10CAEC11A}" presName="bgRect" presStyleLbl="bgShp" presStyleIdx="0" presStyleCnt="3"/>
+      <dgm:spPr/>
+    </dgm:pt>
+    <dgm:pt modelId="{96720417-1F79-43D7-8DA5-DE23BD8965AB}" type="pres">
+      <dgm:prSet presAssocID="{FF096C9D-E9B8-43CB-9C60-9BF10CAEC11A}" presName="iconRect" presStyleLbl="node1" presStyleIdx="0" presStyleCnt="3"/>
+      <dgm:spPr>
+        <a:blipFill>
+          <a:blip xmlns:r="http://schemas.openxmlformats.org/officeDocument/2006/relationships" r:embed="rId1">
+            <a:extLst>
+              <a:ext uri="{28A0092B-C50C-407E-A947-70E740481C1C}">
+                <a14:useLocalDpi xmlns:a14="http://schemas.microsoft.com/office/drawing/2010/main" val="0"/>
+              </a:ext>
+              <a:ext uri="{96DAC541-7B7A-43D3-8B79-37D633B846F1}">
+                <asvg:svgBlip xmlns:asvg="http://schemas.microsoft.com/office/drawing/2016/SVG/main" r:embed="rId2"/>
+              </a:ext>
+            </a:extLst>
+          </a:blip>
+          <a:stretch>
+            <a:fillRect/>
+          </a:stretch>
+        </a:blipFill>
+        <a:ln>
+          <a:noFill/>
+        </a:ln>
+      </dgm:spPr>
+      <dgm:extLst>
+        <a:ext uri="{E40237B7-FDA0-4F09-8148-C483321AD2D9}">
+          <dgm14:cNvPr xmlns:dgm14="http://schemas.microsoft.com/office/drawing/2010/diagram" id="0" name="" descr="Bitcoin"/>
+        </a:ext>
+      </dgm:extLst>
+    </dgm:pt>
+    <dgm:pt modelId="{DD9F30F5-8AD8-4F56-9F3C-02858609490B}" type="pres">
+      <dgm:prSet presAssocID="{FF096C9D-E9B8-43CB-9C60-9BF10CAEC11A}" presName="spaceRect" presStyleCnt="0"/>
+      <dgm:spPr/>
+    </dgm:pt>
+    <dgm:pt modelId="{78F4DCC7-30E7-4E16-8055-E75BE23FFBE5}" type="pres">
+      <dgm:prSet presAssocID="{FF096C9D-E9B8-43CB-9C60-9BF10CAEC11A}" presName="parTx" presStyleLbl="revTx" presStyleIdx="0" presStyleCnt="3">
+        <dgm:presLayoutVars>
+          <dgm:chMax val="0"/>
+          <dgm:chPref val="0"/>
+        </dgm:presLayoutVars>
+      </dgm:prSet>
+      <dgm:spPr/>
+    </dgm:pt>
+    <dgm:pt modelId="{9FCF3EB6-02C1-49C9-9A8B-D25F8C7AFD37}" type="pres">
+      <dgm:prSet presAssocID="{546D4DFC-7660-4426-BA0B-D15D1EB35CEB}" presName="sibTrans" presStyleCnt="0"/>
+      <dgm:spPr/>
+    </dgm:pt>
+    <dgm:pt modelId="{FF87F93B-B632-415B-A3D8-9297ECECDA5A}" type="pres">
+      <dgm:prSet presAssocID="{2B6A9B98-E046-4947-A7FC-13C92F6556EF}" presName="compNode" presStyleCnt="0"/>
+      <dgm:spPr/>
+    </dgm:pt>
+    <dgm:pt modelId="{11AE6296-38C2-4135-B85E-ABC4D915A104}" type="pres">
+      <dgm:prSet presAssocID="{2B6A9B98-E046-4947-A7FC-13C92F6556EF}" presName="bgRect" presStyleLbl="bgShp" presStyleIdx="1" presStyleCnt="3"/>
+      <dgm:spPr/>
+    </dgm:pt>
+    <dgm:pt modelId="{6DA9E77D-885A-44A8-AC46-048D90835E89}" type="pres">
+      <dgm:prSet presAssocID="{2B6A9B98-E046-4947-A7FC-13C92F6556EF}" presName="iconRect" presStyleLbl="node1" presStyleIdx="1" presStyleCnt="3"/>
+      <dgm:spPr>
+        <a:blipFill>
+          <a:blip xmlns:r="http://schemas.openxmlformats.org/officeDocument/2006/relationships" r:embed="rId3">
+            <a:extLst>
+              <a:ext uri="{28A0092B-C50C-407E-A947-70E740481C1C}">
+                <a14:useLocalDpi xmlns:a14="http://schemas.microsoft.com/office/drawing/2010/main" val="0"/>
+              </a:ext>
+              <a:ext uri="{96DAC541-7B7A-43D3-8B79-37D633B846F1}">
+                <asvg:svgBlip xmlns:asvg="http://schemas.microsoft.com/office/drawing/2016/SVG/main" r:embed="rId4"/>
+              </a:ext>
+            </a:extLst>
+          </a:blip>
+          <a:stretch>
+            <a:fillRect/>
+          </a:stretch>
+        </a:blipFill>
+        <a:ln>
+          <a:noFill/>
+        </a:ln>
+      </dgm:spPr>
+      <dgm:extLst>
+        <a:ext uri="{E40237B7-FDA0-4F09-8148-C483321AD2D9}">
+          <dgm14:cNvPr xmlns:dgm14="http://schemas.microsoft.com/office/drawing/2010/diagram" id="0" name="" descr="Business Growth"/>
+        </a:ext>
+      </dgm:extLst>
+    </dgm:pt>
+    <dgm:pt modelId="{063DE4DE-CA15-4CF4-A40A-8A3BB0EA05B4}" type="pres">
+      <dgm:prSet presAssocID="{2B6A9B98-E046-4947-A7FC-13C92F6556EF}" presName="spaceRect" presStyleCnt="0"/>
+      <dgm:spPr/>
+    </dgm:pt>
+    <dgm:pt modelId="{085BD43F-6039-4FFC-87D9-3911A8B004BF}" type="pres">
+      <dgm:prSet presAssocID="{2B6A9B98-E046-4947-A7FC-13C92F6556EF}" presName="parTx" presStyleLbl="revTx" presStyleIdx="1" presStyleCnt="3">
+        <dgm:presLayoutVars>
+          <dgm:chMax val="0"/>
+          <dgm:chPref val="0"/>
+        </dgm:presLayoutVars>
+      </dgm:prSet>
+      <dgm:spPr/>
+    </dgm:pt>
+    <dgm:pt modelId="{350CCE7F-E2EE-4BC7-B6FE-60DE0BDAB533}" type="pres">
+      <dgm:prSet presAssocID="{FA26B168-2FB3-4C92-AC56-193731EE41B2}" presName="sibTrans" presStyleCnt="0"/>
+      <dgm:spPr/>
+    </dgm:pt>
+    <dgm:pt modelId="{F144CFD3-4871-48F8-BE9E-57173294FDE7}" type="pres">
+      <dgm:prSet presAssocID="{4B1CF508-3A00-48A9-9572-ED37A51DC5F4}" presName="compNode" presStyleCnt="0"/>
+      <dgm:spPr/>
+    </dgm:pt>
+    <dgm:pt modelId="{6F02723D-43BD-4CF0-8696-E0945A13A82E}" type="pres">
+      <dgm:prSet presAssocID="{4B1CF508-3A00-48A9-9572-ED37A51DC5F4}" presName="bgRect" presStyleLbl="bgShp" presStyleIdx="2" presStyleCnt="3"/>
+      <dgm:spPr/>
+    </dgm:pt>
+    <dgm:pt modelId="{89CFC3B1-5B69-45B0-84C3-F1C8BBC63453}" type="pres">
+      <dgm:prSet presAssocID="{4B1CF508-3A00-48A9-9572-ED37A51DC5F4}" presName="iconRect" presStyleLbl="node1" presStyleIdx="2" presStyleCnt="3"/>
+      <dgm:spPr>
+        <a:blipFill>
+          <a:blip xmlns:r="http://schemas.openxmlformats.org/officeDocument/2006/relationships" r:embed="rId5">
+            <a:extLst>
+              <a:ext uri="{28A0092B-C50C-407E-A947-70E740481C1C}">
+                <a14:useLocalDpi xmlns:a14="http://schemas.microsoft.com/office/drawing/2010/main" val="0"/>
+              </a:ext>
+              <a:ext uri="{96DAC541-7B7A-43D3-8B79-37D633B846F1}">
+                <asvg:svgBlip xmlns:asvg="http://schemas.microsoft.com/office/drawing/2016/SVG/main" r:embed="rId6"/>
+              </a:ext>
+            </a:extLst>
+          </a:blip>
+          <a:stretch>
+            <a:fillRect/>
+          </a:stretch>
+        </a:blipFill>
+        <a:ln>
+          <a:noFill/>
+        </a:ln>
+      </dgm:spPr>
+      <dgm:extLst>
+        <a:ext uri="{E40237B7-FDA0-4F09-8148-C483321AD2D9}">
+          <dgm14:cNvPr xmlns:dgm14="http://schemas.microsoft.com/office/drawing/2010/diagram" id="0" name="" descr="Processor"/>
+        </a:ext>
+      </dgm:extLst>
+    </dgm:pt>
+    <dgm:pt modelId="{7E1AECCB-2ADF-493B-A55B-CF9487C5AF55}" type="pres">
+      <dgm:prSet presAssocID="{4B1CF508-3A00-48A9-9572-ED37A51DC5F4}" presName="spaceRect" presStyleCnt="0"/>
+      <dgm:spPr/>
+    </dgm:pt>
+    <dgm:pt modelId="{A5683384-D564-4DAC-BF13-71E4426DA165}" type="pres">
+      <dgm:prSet presAssocID="{4B1CF508-3A00-48A9-9572-ED37A51DC5F4}" presName="parTx" presStyleLbl="revTx" presStyleIdx="2" presStyleCnt="3">
+        <dgm:presLayoutVars>
+          <dgm:chMax val="0"/>
+          <dgm:chPref val="0"/>
+        </dgm:presLayoutVars>
+      </dgm:prSet>
+      <dgm:spPr/>
+    </dgm:pt>
+  </dgm:ptLst>
+  <dgm:cxnLst>
+    <dgm:cxn modelId="{37BE4414-5685-4E57-9AA2-57A527F4E751}" srcId="{29C25507-A982-40CB-9DF7-7BD707E613DD}" destId="{4B1CF508-3A00-48A9-9572-ED37A51DC5F4}" srcOrd="2" destOrd="0" parTransId="{68FD5CB9-528F-46A7-B1FF-E6F2B5FA92AF}" sibTransId="{A978CA33-5CAD-4AB8-904A-3F45D1BBBCC7}"/>
+    <dgm:cxn modelId="{FE0C6264-BAA8-4DED-907A-B26E525A03F5}" type="presOf" srcId="{FF096C9D-E9B8-43CB-9C60-9BF10CAEC11A}" destId="{78F4DCC7-30E7-4E16-8055-E75BE23FFBE5}" srcOrd="0" destOrd="0" presId="urn:microsoft.com/office/officeart/2018/2/layout/IconVerticalSolidList"/>
+    <dgm:cxn modelId="{77742949-6594-4703-AF13-0F1BB249E3C2}" type="presOf" srcId="{29C25507-A982-40CB-9DF7-7BD707E613DD}" destId="{14E213EE-F9E7-4B68-B5B7-3570E2B7F4D5}" srcOrd="0" destOrd="0" presId="urn:microsoft.com/office/officeart/2018/2/layout/IconVerticalSolidList"/>
+    <dgm:cxn modelId="{21A5E876-BFD3-4CD0-8491-EEF7AAA367D6}" type="presOf" srcId="{2B6A9B98-E046-4947-A7FC-13C92F6556EF}" destId="{085BD43F-6039-4FFC-87D9-3911A8B004BF}" srcOrd="0" destOrd="0" presId="urn:microsoft.com/office/officeart/2018/2/layout/IconVerticalSolidList"/>
+    <dgm:cxn modelId="{4E054B7A-D17B-4A49-AA5B-E1924D6DBAC6}" srcId="{29C25507-A982-40CB-9DF7-7BD707E613DD}" destId="{FF096C9D-E9B8-43CB-9C60-9BF10CAEC11A}" srcOrd="0" destOrd="0" parTransId="{E3F5ADF5-9B46-4D5A-A2DA-A1A5725CCD8F}" sibTransId="{546D4DFC-7660-4426-BA0B-D15D1EB35CEB}"/>
+    <dgm:cxn modelId="{062F44E1-D0FB-4EDE-8D60-0DC23EDBC27D}" type="presOf" srcId="{4B1CF508-3A00-48A9-9572-ED37A51DC5F4}" destId="{A5683384-D564-4DAC-BF13-71E4426DA165}" srcOrd="0" destOrd="0" presId="urn:microsoft.com/office/officeart/2018/2/layout/IconVerticalSolidList"/>
+    <dgm:cxn modelId="{E9B022E3-3B90-4E3E-92E2-D0B9FC417558}" srcId="{29C25507-A982-40CB-9DF7-7BD707E613DD}" destId="{2B6A9B98-E046-4947-A7FC-13C92F6556EF}" srcOrd="1" destOrd="0" parTransId="{37064D12-553E-4960-93A8-913C37E96393}" sibTransId="{FA26B168-2FB3-4C92-AC56-193731EE41B2}"/>
+    <dgm:cxn modelId="{DBB7BF10-2FE6-4683-804E-CD1FF056ADB5}" type="presParOf" srcId="{14E213EE-F9E7-4B68-B5B7-3570E2B7F4D5}" destId="{6E441FDB-E871-42F8-A85C-08BCD940C351}" srcOrd="0" destOrd="0" presId="urn:microsoft.com/office/officeart/2018/2/layout/IconVerticalSolidList"/>
+    <dgm:cxn modelId="{FDA04334-59A6-4B90-A948-A5CC54670E75}" type="presParOf" srcId="{6E441FDB-E871-42F8-A85C-08BCD940C351}" destId="{33FBE459-E6D9-4C3F-AB13-16FEF748DE26}" srcOrd="0" destOrd="0" presId="urn:microsoft.com/office/officeart/2018/2/layout/IconVerticalSolidList"/>
+    <dgm:cxn modelId="{B20BC1DC-2B8D-4495-8E55-F233B91D9705}" type="presParOf" srcId="{6E441FDB-E871-42F8-A85C-08BCD940C351}" destId="{96720417-1F79-43D7-8DA5-DE23BD8965AB}" srcOrd="1" destOrd="0" presId="urn:microsoft.com/office/officeart/2018/2/layout/IconVerticalSolidList"/>
+    <dgm:cxn modelId="{7BE70DB4-86FF-402E-85E3-C59F70F7FA8E}" type="presParOf" srcId="{6E441FDB-E871-42F8-A85C-08BCD940C351}" destId="{DD9F30F5-8AD8-4F56-9F3C-02858609490B}" srcOrd="2" destOrd="0" presId="urn:microsoft.com/office/officeart/2018/2/layout/IconVerticalSolidList"/>
+    <dgm:cxn modelId="{2F5B8276-4924-498E-A3CE-B1B13DBEF8E7}" type="presParOf" srcId="{6E441FDB-E871-42F8-A85C-08BCD940C351}" destId="{78F4DCC7-30E7-4E16-8055-E75BE23FFBE5}" srcOrd="3" destOrd="0" presId="urn:microsoft.com/office/officeart/2018/2/layout/IconVerticalSolidList"/>
+    <dgm:cxn modelId="{BAE40EAB-86A5-4899-A48B-6FD0564A06B5}" type="presParOf" srcId="{14E213EE-F9E7-4B68-B5B7-3570E2B7F4D5}" destId="{9FCF3EB6-02C1-49C9-9A8B-D25F8C7AFD37}" srcOrd="1" destOrd="0" presId="urn:microsoft.com/office/officeart/2018/2/layout/IconVerticalSolidList"/>
+    <dgm:cxn modelId="{FEAF0024-55E2-48A1-9855-C817F00E19D4}" type="presParOf" srcId="{14E213EE-F9E7-4B68-B5B7-3570E2B7F4D5}" destId="{FF87F93B-B632-415B-A3D8-9297ECECDA5A}" srcOrd="2" destOrd="0" presId="urn:microsoft.com/office/officeart/2018/2/layout/IconVerticalSolidList"/>
+    <dgm:cxn modelId="{749C2E43-8A79-4755-A166-3FCC34C51E12}" type="presParOf" srcId="{FF87F93B-B632-415B-A3D8-9297ECECDA5A}" destId="{11AE6296-38C2-4135-B85E-ABC4D915A104}" srcOrd="0" destOrd="0" presId="urn:microsoft.com/office/officeart/2018/2/layout/IconVerticalSolidList"/>
+    <dgm:cxn modelId="{CC8A51BA-2B30-4807-92B7-8AB9D5A2B8BD}" type="presParOf" srcId="{FF87F93B-B632-415B-A3D8-9297ECECDA5A}" destId="{6DA9E77D-885A-44A8-AC46-048D90835E89}" srcOrd="1" destOrd="0" presId="urn:microsoft.com/office/officeart/2018/2/layout/IconVerticalSolidList"/>
+    <dgm:cxn modelId="{01F00A7B-F954-440B-A28E-51AE1400E1B3}" type="presParOf" srcId="{FF87F93B-B632-415B-A3D8-9297ECECDA5A}" destId="{063DE4DE-CA15-4CF4-A40A-8A3BB0EA05B4}" srcOrd="2" destOrd="0" presId="urn:microsoft.com/office/officeart/2018/2/layout/IconVerticalSolidList"/>
+    <dgm:cxn modelId="{7D2A1F84-A6F9-4F09-93B0-ED4E846403E8}" type="presParOf" srcId="{FF87F93B-B632-415B-A3D8-9297ECECDA5A}" destId="{085BD43F-6039-4FFC-87D9-3911A8B004BF}" srcOrd="3" destOrd="0" presId="urn:microsoft.com/office/officeart/2018/2/layout/IconVerticalSolidList"/>
+    <dgm:cxn modelId="{B72ACD80-1420-416F-B040-097E912E0F3A}" type="presParOf" srcId="{14E213EE-F9E7-4B68-B5B7-3570E2B7F4D5}" destId="{350CCE7F-E2EE-4BC7-B6FE-60DE0BDAB533}" srcOrd="3" destOrd="0" presId="urn:microsoft.com/office/officeart/2018/2/layout/IconVerticalSolidList"/>
+    <dgm:cxn modelId="{400C7401-89A4-4876-BF28-2E62F611177C}" type="presParOf" srcId="{14E213EE-F9E7-4B68-B5B7-3570E2B7F4D5}" destId="{F144CFD3-4871-48F8-BE9E-57173294FDE7}" srcOrd="4" destOrd="0" presId="urn:microsoft.com/office/officeart/2018/2/layout/IconVerticalSolidList"/>
+    <dgm:cxn modelId="{42A31BD4-6CCC-48C1-97BD-3BB77F783845}" type="presParOf" srcId="{F144CFD3-4871-48F8-BE9E-57173294FDE7}" destId="{6F02723D-43BD-4CF0-8696-E0945A13A82E}" srcOrd="0" destOrd="0" presId="urn:microsoft.com/office/officeart/2018/2/layout/IconVerticalSolidList"/>
+    <dgm:cxn modelId="{90914817-7A6D-48F6-BD7B-AFDA0A6E4F82}" type="presParOf" srcId="{F144CFD3-4871-48F8-BE9E-57173294FDE7}" destId="{89CFC3B1-5B69-45B0-84C3-F1C8BBC63453}" srcOrd="1" destOrd="0" presId="urn:microsoft.com/office/officeart/2018/2/layout/IconVerticalSolidList"/>
+    <dgm:cxn modelId="{27DC3289-080F-47A1-8688-1106A4C9FFD0}" type="presParOf" srcId="{F144CFD3-4871-48F8-BE9E-57173294FDE7}" destId="{7E1AECCB-2ADF-493B-A55B-CF9487C5AF55}" srcOrd="2" destOrd="0" presId="urn:microsoft.com/office/officeart/2018/2/layout/IconVerticalSolidList"/>
+    <dgm:cxn modelId="{EB5C8A90-85D4-4ACE-A0CD-BC82E30458AD}" type="presParOf" srcId="{F144CFD3-4871-48F8-BE9E-57173294FDE7}" destId="{A5683384-D564-4DAC-BF13-71E4426DA165}" srcOrd="3" destOrd="0" presId="urn:microsoft.com/office/officeart/2018/2/layout/IconVerticalSolidList"/>
+  </dgm:cxnLst>
+  <dgm:bg/>
+  <dgm:whole/>
+  <dgm:extLst>
+    <a:ext uri="http://schemas.microsoft.com/office/drawing/2008/diagram">
+      <dsp:dataModelExt xmlns:dsp="http://schemas.microsoft.com/office/drawing/2008/diagram" relId="rId8" minVer="http://schemas.openxmlformats.org/drawingml/2006/diagram"/>
+    </a:ext>
+  </dgm:extLst>
+</dgm:dataModel>
+</file>
+
+<file path=ppt/diagrams/drawing1.xml><?xml version="1.0" encoding="utf-8"?>
+<dsp:drawing xmlns:dgm="http://schemas.openxmlformats.org/drawingml/2006/diagram" xmlns:dsp="http://schemas.microsoft.com/office/drawing/2008/diagram" xmlns:a="http://schemas.openxmlformats.org/drawingml/2006/main">
+  <dsp:spTree>
+    <dsp:nvGrpSpPr>
+      <dsp:cNvPr id="0" name=""/>
+      <dsp:cNvGrpSpPr/>
+    </dsp:nvGrpSpPr>
+    <dsp:grpSpPr/>
+    <dsp:sp modelId="{0CD73D12-1454-4465-BF37-2DAA7D61D385}">
+      <dsp:nvSpPr>
+        <dsp:cNvPr id="0" name=""/>
+        <dsp:cNvSpPr/>
+      </dsp:nvSpPr>
+      <dsp:spPr>
+        <a:xfrm>
+          <a:off x="0" y="435303"/>
+          <a:ext cx="2914649" cy="1850802"/>
+        </a:xfrm>
+        <a:prstGeom prst="roundRect">
+          <a:avLst>
+            <a:gd name="adj" fmla="val 10000"/>
+          </a:avLst>
+        </a:prstGeom>
+        <a:solidFill>
+          <a:schemeClr val="accent1">
+            <a:hueOff val="0"/>
+            <a:satOff val="0"/>
+            <a:lumOff val="0"/>
+            <a:alphaOff val="0"/>
+          </a:schemeClr>
+        </a:solidFill>
+        <a:ln w="15875" cap="flat" cmpd="sng" algn="ctr">
+          <a:solidFill>
+            <a:schemeClr val="lt1">
+              <a:hueOff val="0"/>
+              <a:satOff val="0"/>
+              <a:lumOff val="0"/>
+              <a:alphaOff val="0"/>
+            </a:schemeClr>
+          </a:solidFill>
+          <a:prstDash val="solid"/>
+        </a:ln>
+        <a:effectLst/>
+      </dsp:spPr>
+      <dsp:style>
+        <a:lnRef idx="2">
+          <a:scrgbClr r="0" g="0" b="0"/>
+        </a:lnRef>
+        <a:fillRef idx="1">
+          <a:scrgbClr r="0" g="0" b="0"/>
+        </a:fillRef>
+        <a:effectRef idx="0">
+          <a:scrgbClr r="0" g="0" b="0"/>
+        </a:effectRef>
+        <a:fontRef idx="minor">
+          <a:schemeClr val="lt1"/>
+        </a:fontRef>
+      </dsp:style>
+    </dsp:sp>
+    <dsp:sp modelId="{D3C30F50-ACA0-4D61-A8E7-EE0146698363}">
+      <dsp:nvSpPr>
+        <dsp:cNvPr id="0" name=""/>
+        <dsp:cNvSpPr/>
+      </dsp:nvSpPr>
+      <dsp:spPr>
+        <a:xfrm>
+          <a:off x="323850" y="742960"/>
+          <a:ext cx="2914649" cy="1850802"/>
+        </a:xfrm>
+        <a:prstGeom prst="roundRect">
+          <a:avLst>
+            <a:gd name="adj" fmla="val 10000"/>
+          </a:avLst>
+        </a:prstGeom>
+        <a:solidFill>
+          <a:schemeClr val="lt1">
+            <a:alpha val="90000"/>
+            <a:hueOff val="0"/>
+            <a:satOff val="0"/>
+            <a:lumOff val="0"/>
+            <a:alphaOff val="0"/>
+          </a:schemeClr>
+        </a:solidFill>
+        <a:ln w="15875" cap="flat" cmpd="sng" algn="ctr">
+          <a:solidFill>
+            <a:schemeClr val="accent1">
+              <a:hueOff val="0"/>
+              <a:satOff val="0"/>
+              <a:lumOff val="0"/>
+              <a:alphaOff val="0"/>
+            </a:schemeClr>
+          </a:solidFill>
+          <a:prstDash val="solid"/>
+        </a:ln>
+        <a:effectLst/>
+      </dsp:spPr>
+      <dsp:style>
+        <a:lnRef idx="2">
+          <a:scrgbClr r="0" g="0" b="0"/>
+        </a:lnRef>
+        <a:fillRef idx="1">
+          <a:scrgbClr r="0" g="0" b="0"/>
+        </a:fillRef>
+        <a:effectRef idx="0">
+          <a:scrgbClr r="0" g="0" b="0"/>
+        </a:effectRef>
+        <a:fontRef idx="minor"/>
+      </dsp:style>
+      <dsp:txBody>
+        <a:bodyPr spcFirstLastPara="0" vert="horz" wrap="square" lIns="60960" tIns="60960" rIns="60960" bIns="60960" numCol="1" spcCol="1270" anchor="ctr" anchorCtr="0">
+          <a:noAutofit/>
+        </a:bodyPr>
+        <a:lstStyle/>
+        <a:p>
+          <a:pPr marL="0" lvl="0" indent="0" algn="ctr" defTabSz="711200">
+            <a:lnSpc>
+              <a:spcPct val="90000"/>
+            </a:lnSpc>
+            <a:spcBef>
+              <a:spcPct val="0"/>
+            </a:spcBef>
+            <a:spcAft>
+              <a:spcPct val="35000"/>
+            </a:spcAft>
+            <a:buNone/>
+          </a:pPr>
+          <a:r>
+            <a:rPr lang="en-US" sz="1600" kern="1200" baseline="0"/>
+            <a:t>To determine the correlation between Government grants and the fluctuation in the employment rate</a:t>
+          </a:r>
+          <a:endParaRPr lang="en-US" sz="1600" kern="1200"/>
+        </a:p>
+      </dsp:txBody>
+      <dsp:txXfrm>
+        <a:off x="378058" y="797168"/>
+        <a:ext cx="2806233" cy="1742386"/>
+      </dsp:txXfrm>
+    </dsp:sp>
+    <dsp:sp modelId="{F5D487D2-31F6-4ABC-B94B-8C34C3C85A74}">
+      <dsp:nvSpPr>
+        <dsp:cNvPr id="0" name=""/>
+        <dsp:cNvSpPr/>
+      </dsp:nvSpPr>
+      <dsp:spPr>
+        <a:xfrm>
+          <a:off x="3562350" y="435303"/>
+          <a:ext cx="2914649" cy="1850802"/>
+        </a:xfrm>
+        <a:prstGeom prst="roundRect">
+          <a:avLst>
+            <a:gd name="adj" fmla="val 10000"/>
+          </a:avLst>
+        </a:prstGeom>
+        <a:solidFill>
+          <a:schemeClr val="accent1">
+            <a:hueOff val="0"/>
+            <a:satOff val="0"/>
+            <a:lumOff val="0"/>
+            <a:alphaOff val="0"/>
+          </a:schemeClr>
+        </a:solidFill>
+        <a:ln w="15875" cap="flat" cmpd="sng" algn="ctr">
+          <a:solidFill>
+            <a:schemeClr val="lt1">
+              <a:hueOff val="0"/>
+              <a:satOff val="0"/>
+              <a:lumOff val="0"/>
+              <a:alphaOff val="0"/>
+            </a:schemeClr>
+          </a:solidFill>
+          <a:prstDash val="solid"/>
+        </a:ln>
+        <a:effectLst/>
+      </dsp:spPr>
+      <dsp:style>
+        <a:lnRef idx="2">
+          <a:scrgbClr r="0" g="0" b="0"/>
+        </a:lnRef>
+        <a:fillRef idx="1">
+          <a:scrgbClr r="0" g="0" b="0"/>
+        </a:fillRef>
+        <a:effectRef idx="0">
+          <a:scrgbClr r="0" g="0" b="0"/>
+        </a:effectRef>
+        <a:fontRef idx="minor">
+          <a:schemeClr val="lt1"/>
+        </a:fontRef>
+      </dsp:style>
+    </dsp:sp>
+    <dsp:sp modelId="{127AE459-11D3-40E4-AA18-019244D334C6}">
+      <dsp:nvSpPr>
+        <dsp:cNvPr id="0" name=""/>
+        <dsp:cNvSpPr/>
+      </dsp:nvSpPr>
+      <dsp:spPr>
+        <a:xfrm>
+          <a:off x="3886200" y="742960"/>
+          <a:ext cx="2914649" cy="1850802"/>
+        </a:xfrm>
+        <a:prstGeom prst="roundRect">
+          <a:avLst>
+            <a:gd name="adj" fmla="val 10000"/>
+          </a:avLst>
+        </a:prstGeom>
+        <a:solidFill>
+          <a:schemeClr val="lt1">
+            <a:alpha val="90000"/>
+            <a:hueOff val="0"/>
+            <a:satOff val="0"/>
+            <a:lumOff val="0"/>
+            <a:alphaOff val="0"/>
+          </a:schemeClr>
+        </a:solidFill>
+        <a:ln w="15875" cap="flat" cmpd="sng" algn="ctr">
+          <a:solidFill>
+            <a:schemeClr val="accent1">
+              <a:hueOff val="0"/>
+              <a:satOff val="0"/>
+              <a:lumOff val="0"/>
+              <a:alphaOff val="0"/>
+            </a:schemeClr>
+          </a:solidFill>
+          <a:prstDash val="solid"/>
+        </a:ln>
+        <a:effectLst/>
+      </dsp:spPr>
+      <dsp:style>
+        <a:lnRef idx="2">
+          <a:scrgbClr r="0" g="0" b="0"/>
+        </a:lnRef>
+        <a:fillRef idx="1">
+          <a:scrgbClr r="0" g="0" b="0"/>
+        </a:fillRef>
+        <a:effectRef idx="0">
+          <a:scrgbClr r="0" g="0" b="0"/>
+        </a:effectRef>
+        <a:fontRef idx="minor"/>
+      </dsp:style>
+      <dsp:txBody>
+        <a:bodyPr spcFirstLastPara="0" vert="horz" wrap="square" lIns="60960" tIns="60960" rIns="60960" bIns="60960" numCol="1" spcCol="1270" anchor="ctr" anchorCtr="0">
+          <a:noAutofit/>
+        </a:bodyPr>
+        <a:lstStyle/>
+        <a:p>
+          <a:pPr marL="0" lvl="0" indent="0" algn="ctr" defTabSz="711200">
+            <a:lnSpc>
+              <a:spcPct val="90000"/>
+            </a:lnSpc>
+            <a:spcBef>
+              <a:spcPct val="0"/>
+            </a:spcBef>
+            <a:spcAft>
+              <a:spcPct val="35000"/>
+            </a:spcAft>
+            <a:buNone/>
+          </a:pPr>
+          <a:r>
+            <a:rPr lang="en-US" sz="1600" kern="1200" baseline="0" dirty="0"/>
+            <a:t>To Determine the effect on the united states GDP</a:t>
+          </a:r>
+          <a:endParaRPr lang="en-US" sz="1600" kern="1200" dirty="0"/>
+        </a:p>
+      </dsp:txBody>
+      <dsp:txXfrm>
+        <a:off x="3940408" y="797168"/>
+        <a:ext cx="2806233" cy="1742386"/>
+      </dsp:txXfrm>
+    </dsp:sp>
+    <dsp:sp modelId="{0D8BA6AE-5611-4F03-A12A-135B487D71B3}">
+      <dsp:nvSpPr>
+        <dsp:cNvPr id="0" name=""/>
+        <dsp:cNvSpPr/>
+      </dsp:nvSpPr>
+      <dsp:spPr>
+        <a:xfrm>
+          <a:off x="7124700" y="435303"/>
+          <a:ext cx="2914649" cy="1850802"/>
+        </a:xfrm>
+        <a:prstGeom prst="roundRect">
+          <a:avLst>
+            <a:gd name="adj" fmla="val 10000"/>
+          </a:avLst>
+        </a:prstGeom>
+        <a:solidFill>
+          <a:schemeClr val="accent1">
+            <a:hueOff val="0"/>
+            <a:satOff val="0"/>
+            <a:lumOff val="0"/>
+            <a:alphaOff val="0"/>
+          </a:schemeClr>
+        </a:solidFill>
+        <a:ln w="15875" cap="flat" cmpd="sng" algn="ctr">
+          <a:solidFill>
+            <a:schemeClr val="lt1">
+              <a:hueOff val="0"/>
+              <a:satOff val="0"/>
+              <a:lumOff val="0"/>
+              <a:alphaOff val="0"/>
+            </a:schemeClr>
+          </a:solidFill>
+          <a:prstDash val="solid"/>
+        </a:ln>
+        <a:effectLst/>
+      </dsp:spPr>
+      <dsp:style>
+        <a:lnRef idx="2">
+          <a:scrgbClr r="0" g="0" b="0"/>
+        </a:lnRef>
+        <a:fillRef idx="1">
+          <a:scrgbClr r="0" g="0" b="0"/>
+        </a:fillRef>
+        <a:effectRef idx="0">
+          <a:scrgbClr r="0" g="0" b="0"/>
+        </a:effectRef>
+        <a:fontRef idx="minor">
+          <a:schemeClr val="lt1"/>
+        </a:fontRef>
+      </dsp:style>
+    </dsp:sp>
+    <dsp:sp modelId="{B042970C-929A-4780-BE1F-421317AED6F4}">
+      <dsp:nvSpPr>
+        <dsp:cNvPr id="0" name=""/>
+        <dsp:cNvSpPr/>
+      </dsp:nvSpPr>
+      <dsp:spPr>
+        <a:xfrm>
+          <a:off x="7448549" y="742960"/>
+          <a:ext cx="2914649" cy="1850802"/>
+        </a:xfrm>
+        <a:prstGeom prst="roundRect">
+          <a:avLst>
+            <a:gd name="adj" fmla="val 10000"/>
+          </a:avLst>
+        </a:prstGeom>
+        <a:solidFill>
+          <a:schemeClr val="lt1">
+            <a:alpha val="90000"/>
+            <a:hueOff val="0"/>
+            <a:satOff val="0"/>
+            <a:lumOff val="0"/>
+            <a:alphaOff val="0"/>
+          </a:schemeClr>
+        </a:solidFill>
+        <a:ln w="15875" cap="flat" cmpd="sng" algn="ctr">
+          <a:solidFill>
+            <a:schemeClr val="accent1">
+              <a:hueOff val="0"/>
+              <a:satOff val="0"/>
+              <a:lumOff val="0"/>
+              <a:alphaOff val="0"/>
+            </a:schemeClr>
+          </a:solidFill>
+          <a:prstDash val="solid"/>
+        </a:ln>
+        <a:effectLst/>
+      </dsp:spPr>
+      <dsp:style>
+        <a:lnRef idx="2">
+          <a:scrgbClr r="0" g="0" b="0"/>
+        </a:lnRef>
+        <a:fillRef idx="1">
+          <a:scrgbClr r="0" g="0" b="0"/>
+        </a:fillRef>
+        <a:effectRef idx="0">
+          <a:scrgbClr r="0" g="0" b="0"/>
+        </a:effectRef>
+        <a:fontRef idx="minor"/>
+      </dsp:style>
+      <dsp:txBody>
+        <a:bodyPr spcFirstLastPara="0" vert="horz" wrap="square" lIns="60960" tIns="60960" rIns="60960" bIns="60960" numCol="1" spcCol="1270" anchor="ctr" anchorCtr="0">
+          <a:noAutofit/>
+        </a:bodyPr>
+        <a:lstStyle/>
+        <a:p>
+          <a:pPr marL="0" lvl="0" indent="0" algn="ctr" defTabSz="711200">
+            <a:lnSpc>
+              <a:spcPct val="90000"/>
+            </a:lnSpc>
+            <a:spcBef>
+              <a:spcPct val="0"/>
+            </a:spcBef>
+            <a:spcAft>
+              <a:spcPct val="35000"/>
+            </a:spcAft>
+            <a:buNone/>
+          </a:pPr>
+          <a:r>
+            <a:rPr lang="en-US" sz="1600" kern="1200" baseline="0"/>
+            <a:t>To determine a correlation between the number of contracts granted by the US. Federal Government and the employment growth rate per state focusing on the Tech industry</a:t>
+          </a:r>
+          <a:br>
+            <a:rPr lang="en-US" sz="1600" kern="1200" baseline="0"/>
+          </a:br>
+          <a:endParaRPr lang="en-US" sz="1600" kern="1200"/>
+        </a:p>
+      </dsp:txBody>
+      <dsp:txXfrm>
+        <a:off x="7502757" y="797168"/>
+        <a:ext cx="2806233" cy="1742386"/>
+      </dsp:txXfrm>
+    </dsp:sp>
+  </dsp:spTree>
+</dsp:drawing>
+</file>
+
+<file path=ppt/diagrams/drawing2.xml><?xml version="1.0" encoding="utf-8"?>
+<dsp:drawing xmlns:dgm="http://schemas.openxmlformats.org/drawingml/2006/diagram" xmlns:dsp="http://schemas.microsoft.com/office/drawing/2008/diagram" xmlns:a="http://schemas.openxmlformats.org/drawingml/2006/main">
+  <dsp:spTree>
+    <dsp:nvGrpSpPr>
+      <dsp:cNvPr id="0" name=""/>
+      <dsp:cNvGrpSpPr/>
+    </dsp:nvGrpSpPr>
+    <dsp:grpSpPr/>
+    <dsp:sp modelId="{33FBE459-E6D9-4C3F-AB13-16FEF748DE26}">
+      <dsp:nvSpPr>
+        <dsp:cNvPr id="0" name=""/>
+        <dsp:cNvSpPr/>
+      </dsp:nvSpPr>
+      <dsp:spPr>
+        <a:xfrm>
+          <a:off x="0" y="562"/>
+          <a:ext cx="6683374" cy="1315942"/>
+        </a:xfrm>
+        <a:prstGeom prst="roundRect">
+          <a:avLst>
+            <a:gd name="adj" fmla="val 10000"/>
+          </a:avLst>
+        </a:prstGeom>
+        <a:solidFill>
+          <a:schemeClr val="accent2">
+            <a:hueOff val="0"/>
+            <a:satOff val="0"/>
+            <a:lumOff val="0"/>
+            <a:alphaOff val="0"/>
+          </a:schemeClr>
+        </a:solidFill>
+        <a:ln>
+          <a:noFill/>
+        </a:ln>
+        <a:effectLst/>
+      </dsp:spPr>
+      <dsp:style>
+        <a:lnRef idx="0">
+          <a:scrgbClr r="0" g="0" b="0"/>
+        </a:lnRef>
+        <a:fillRef idx="1">
+          <a:scrgbClr r="0" g="0" b="0"/>
+        </a:fillRef>
+        <a:effectRef idx="0">
+          <a:scrgbClr r="0" g="0" b="0"/>
+        </a:effectRef>
+        <a:fontRef idx="minor"/>
+      </dsp:style>
+    </dsp:sp>
+    <dsp:sp modelId="{96720417-1F79-43D7-8DA5-DE23BD8965AB}">
+      <dsp:nvSpPr>
+        <dsp:cNvPr id="0" name=""/>
+        <dsp:cNvSpPr/>
+      </dsp:nvSpPr>
+      <dsp:spPr>
+        <a:xfrm>
+          <a:off x="398072" y="296649"/>
+          <a:ext cx="723768" cy="723768"/>
+        </a:xfrm>
+        <a:prstGeom prst="rect">
+          <a:avLst/>
+        </a:prstGeom>
+        <a:blipFill>
+          <a:blip xmlns:r="http://schemas.openxmlformats.org/officeDocument/2006/relationships" r:embed="rId1">
+            <a:extLst>
+              <a:ext uri="{28A0092B-C50C-407E-A947-70E740481C1C}">
+                <a14:useLocalDpi xmlns:a14="http://schemas.microsoft.com/office/drawing/2010/main" val="0"/>
+              </a:ext>
+              <a:ext uri="{96DAC541-7B7A-43D3-8B79-37D633B846F1}">
+                <asvg:svgBlip xmlns:asvg="http://schemas.microsoft.com/office/drawing/2016/SVG/main" r:embed="rId2"/>
+              </a:ext>
+            </a:extLst>
+          </a:blip>
+          <a:stretch>
+            <a:fillRect/>
+          </a:stretch>
+        </a:blipFill>
+        <a:ln w="15875" cap="flat" cmpd="sng" algn="ctr">
+          <a:noFill/>
+          <a:prstDash val="solid"/>
+        </a:ln>
+        <a:effectLst/>
+      </dsp:spPr>
+      <dsp:style>
+        <a:lnRef idx="2">
+          <a:scrgbClr r="0" g="0" b="0"/>
+        </a:lnRef>
+        <a:fillRef idx="1">
+          <a:scrgbClr r="0" g="0" b="0"/>
+        </a:fillRef>
+        <a:effectRef idx="0">
+          <a:scrgbClr r="0" g="0" b="0"/>
+        </a:effectRef>
+        <a:fontRef idx="minor">
+          <a:schemeClr val="lt1"/>
+        </a:fontRef>
+      </dsp:style>
+    </dsp:sp>
+    <dsp:sp modelId="{78F4DCC7-30E7-4E16-8055-E75BE23FFBE5}">
+      <dsp:nvSpPr>
+        <dsp:cNvPr id="0" name=""/>
+        <dsp:cNvSpPr/>
+      </dsp:nvSpPr>
+      <dsp:spPr>
+        <a:xfrm>
+          <a:off x="1519914" y="562"/>
+          <a:ext cx="5163460" cy="1315942"/>
+        </a:xfrm>
+        <a:prstGeom prst="rect">
+          <a:avLst/>
+        </a:prstGeom>
+        <a:noFill/>
+        <a:ln>
+          <a:noFill/>
+        </a:ln>
+        <a:effectLst/>
+      </dsp:spPr>
+      <dsp:style>
+        <a:lnRef idx="0">
+          <a:scrgbClr r="0" g="0" b="0"/>
+        </a:lnRef>
+        <a:fillRef idx="0">
+          <a:scrgbClr r="0" g="0" b="0"/>
+        </a:fillRef>
+        <a:effectRef idx="0">
+          <a:scrgbClr r="0" g="0" b="0"/>
+        </a:effectRef>
+        <a:fontRef idx="minor"/>
+      </dsp:style>
+      <dsp:txBody>
+        <a:bodyPr spcFirstLastPara="0" vert="horz" wrap="square" lIns="139271" tIns="139271" rIns="139271" bIns="139271" numCol="1" spcCol="1270" anchor="ctr" anchorCtr="0">
+          <a:noAutofit/>
+        </a:bodyPr>
+        <a:lstStyle/>
+        <a:p>
+          <a:pPr marL="0" lvl="0" indent="0" algn="l" defTabSz="889000">
+            <a:lnSpc>
+              <a:spcPct val="90000"/>
+            </a:lnSpc>
+            <a:spcBef>
+              <a:spcPct val="0"/>
+            </a:spcBef>
+            <a:spcAft>
+              <a:spcPct val="35000"/>
+            </a:spcAft>
+            <a:buNone/>
+          </a:pPr>
+          <a:r>
+            <a:rPr lang="en-US" sz="2000" kern="1200" baseline="0"/>
+            <a:t>What: there are many factors to move the economy forward, we will focus on a key metric “The Federal Government procurement program”</a:t>
+          </a:r>
+          <a:endParaRPr lang="en-US" sz="2000" kern="1200"/>
+        </a:p>
+      </dsp:txBody>
+      <dsp:txXfrm>
+        <a:off x="1519914" y="562"/>
+        <a:ext cx="5163460" cy="1315942"/>
+      </dsp:txXfrm>
+    </dsp:sp>
+    <dsp:sp modelId="{11AE6296-38C2-4135-B85E-ABC4D915A104}">
+      <dsp:nvSpPr>
+        <dsp:cNvPr id="0" name=""/>
+        <dsp:cNvSpPr/>
+      </dsp:nvSpPr>
+      <dsp:spPr>
+        <a:xfrm>
+          <a:off x="0" y="1645491"/>
+          <a:ext cx="6683374" cy="1315942"/>
+        </a:xfrm>
+        <a:prstGeom prst="roundRect">
+          <a:avLst>
+            <a:gd name="adj" fmla="val 10000"/>
+          </a:avLst>
+        </a:prstGeom>
+        <a:solidFill>
+          <a:schemeClr val="accent3">
+            <a:hueOff val="0"/>
+            <a:satOff val="0"/>
+            <a:lumOff val="0"/>
+            <a:alphaOff val="0"/>
+          </a:schemeClr>
+        </a:solidFill>
+        <a:ln>
+          <a:noFill/>
+        </a:ln>
+        <a:effectLst/>
+      </dsp:spPr>
+      <dsp:style>
+        <a:lnRef idx="0">
+          <a:scrgbClr r="0" g="0" b="0"/>
+        </a:lnRef>
+        <a:fillRef idx="1">
+          <a:scrgbClr r="0" g="0" b="0"/>
+        </a:fillRef>
+        <a:effectRef idx="0">
+          <a:scrgbClr r="0" g="0" b="0"/>
+        </a:effectRef>
+        <a:fontRef idx="minor"/>
+      </dsp:style>
+    </dsp:sp>
+    <dsp:sp modelId="{6DA9E77D-885A-44A8-AC46-048D90835E89}">
+      <dsp:nvSpPr>
+        <dsp:cNvPr id="0" name=""/>
+        <dsp:cNvSpPr/>
+      </dsp:nvSpPr>
+      <dsp:spPr>
+        <a:xfrm>
+          <a:off x="398072" y="1941578"/>
+          <a:ext cx="723768" cy="723768"/>
+        </a:xfrm>
+        <a:prstGeom prst="rect">
+          <a:avLst/>
+        </a:prstGeom>
+        <a:blipFill>
+          <a:blip xmlns:r="http://schemas.openxmlformats.org/officeDocument/2006/relationships" r:embed="rId3">
+            <a:extLst>
+              <a:ext uri="{28A0092B-C50C-407E-A947-70E740481C1C}">
+                <a14:useLocalDpi xmlns:a14="http://schemas.microsoft.com/office/drawing/2010/main" val="0"/>
+              </a:ext>
+              <a:ext uri="{96DAC541-7B7A-43D3-8B79-37D633B846F1}">
+                <asvg:svgBlip xmlns:asvg="http://schemas.microsoft.com/office/drawing/2016/SVG/main" r:embed="rId4"/>
+              </a:ext>
+            </a:extLst>
+          </a:blip>
+          <a:stretch>
+            <a:fillRect/>
+          </a:stretch>
+        </a:blipFill>
+        <a:ln w="15875" cap="flat" cmpd="sng" algn="ctr">
+          <a:noFill/>
+          <a:prstDash val="solid"/>
+        </a:ln>
+        <a:effectLst/>
+      </dsp:spPr>
+      <dsp:style>
+        <a:lnRef idx="2">
+          <a:scrgbClr r="0" g="0" b="0"/>
+        </a:lnRef>
+        <a:fillRef idx="1">
+          <a:scrgbClr r="0" g="0" b="0"/>
+        </a:fillRef>
+        <a:effectRef idx="0">
+          <a:scrgbClr r="0" g="0" b="0"/>
+        </a:effectRef>
+        <a:fontRef idx="minor">
+          <a:schemeClr val="lt1"/>
+        </a:fontRef>
+      </dsp:style>
+    </dsp:sp>
+    <dsp:sp modelId="{085BD43F-6039-4FFC-87D9-3911A8B004BF}">
+      <dsp:nvSpPr>
+        <dsp:cNvPr id="0" name=""/>
+        <dsp:cNvSpPr/>
+      </dsp:nvSpPr>
+      <dsp:spPr>
+        <a:xfrm>
+          <a:off x="1519914" y="1645491"/>
+          <a:ext cx="5163460" cy="1315942"/>
+        </a:xfrm>
+        <a:prstGeom prst="rect">
+          <a:avLst/>
+        </a:prstGeom>
+        <a:noFill/>
+        <a:ln>
+          <a:noFill/>
+        </a:ln>
+        <a:effectLst/>
+      </dsp:spPr>
+      <dsp:style>
+        <a:lnRef idx="0">
+          <a:scrgbClr r="0" g="0" b="0"/>
+        </a:lnRef>
+        <a:fillRef idx="0">
+          <a:scrgbClr r="0" g="0" b="0"/>
+        </a:fillRef>
+        <a:effectRef idx="0">
+          <a:scrgbClr r="0" g="0" b="0"/>
+        </a:effectRef>
+        <a:fontRef idx="minor"/>
+      </dsp:style>
+      <dsp:txBody>
+        <a:bodyPr spcFirstLastPara="0" vert="horz" wrap="square" lIns="139271" tIns="139271" rIns="139271" bIns="139271" numCol="1" spcCol="1270" anchor="ctr" anchorCtr="0">
+          <a:noAutofit/>
+        </a:bodyPr>
+        <a:lstStyle/>
+        <a:p>
+          <a:pPr marL="0" lvl="0" indent="0" algn="l" defTabSz="889000">
+            <a:lnSpc>
+              <a:spcPct val="90000"/>
+            </a:lnSpc>
+            <a:spcBef>
+              <a:spcPct val="0"/>
+            </a:spcBef>
+            <a:spcAft>
+              <a:spcPct val="35000"/>
+            </a:spcAft>
+            <a:buNone/>
+          </a:pPr>
+          <a:r>
+            <a:rPr lang="en-US" sz="2000" kern="1200" baseline="0"/>
+            <a:t>Why: we believe that the program is very essential to our growing economy here in the us and we would like to showcase that using our code.</a:t>
+          </a:r>
+          <a:endParaRPr lang="en-US" sz="2000" kern="1200"/>
+        </a:p>
+      </dsp:txBody>
+      <dsp:txXfrm>
+        <a:off x="1519914" y="1645491"/>
+        <a:ext cx="5163460" cy="1315942"/>
+      </dsp:txXfrm>
+    </dsp:sp>
+    <dsp:sp modelId="{6F02723D-43BD-4CF0-8696-E0945A13A82E}">
+      <dsp:nvSpPr>
+        <dsp:cNvPr id="0" name=""/>
+        <dsp:cNvSpPr/>
+      </dsp:nvSpPr>
+      <dsp:spPr>
+        <a:xfrm>
+          <a:off x="0" y="3290419"/>
+          <a:ext cx="6683374" cy="1315942"/>
+        </a:xfrm>
+        <a:prstGeom prst="roundRect">
+          <a:avLst>
+            <a:gd name="adj" fmla="val 10000"/>
+          </a:avLst>
+        </a:prstGeom>
+        <a:solidFill>
+          <a:schemeClr val="accent4">
+            <a:hueOff val="0"/>
+            <a:satOff val="0"/>
+            <a:lumOff val="0"/>
+            <a:alphaOff val="0"/>
+          </a:schemeClr>
+        </a:solidFill>
+        <a:ln>
+          <a:noFill/>
+        </a:ln>
+        <a:effectLst/>
+      </dsp:spPr>
+      <dsp:style>
+        <a:lnRef idx="0">
+          <a:scrgbClr r="0" g="0" b="0"/>
+        </a:lnRef>
+        <a:fillRef idx="1">
+          <a:scrgbClr r="0" g="0" b="0"/>
+        </a:fillRef>
+        <a:effectRef idx="0">
+          <a:scrgbClr r="0" g="0" b="0"/>
+        </a:effectRef>
+        <a:fontRef idx="minor"/>
+      </dsp:style>
+    </dsp:sp>
+    <dsp:sp modelId="{89CFC3B1-5B69-45B0-84C3-F1C8BBC63453}">
+      <dsp:nvSpPr>
+        <dsp:cNvPr id="0" name=""/>
+        <dsp:cNvSpPr/>
+      </dsp:nvSpPr>
+      <dsp:spPr>
+        <a:xfrm>
+          <a:off x="398072" y="3586506"/>
+          <a:ext cx="723768" cy="723768"/>
+        </a:xfrm>
+        <a:prstGeom prst="rect">
+          <a:avLst/>
+        </a:prstGeom>
+        <a:blipFill>
+          <a:blip xmlns:r="http://schemas.openxmlformats.org/officeDocument/2006/relationships" r:embed="rId5">
+            <a:extLst>
+              <a:ext uri="{28A0092B-C50C-407E-A947-70E740481C1C}">
+                <a14:useLocalDpi xmlns:a14="http://schemas.microsoft.com/office/drawing/2010/main" val="0"/>
+              </a:ext>
+              <a:ext uri="{96DAC541-7B7A-43D3-8B79-37D633B846F1}">
+                <asvg:svgBlip xmlns:asvg="http://schemas.microsoft.com/office/drawing/2016/SVG/main" r:embed="rId6"/>
+              </a:ext>
+            </a:extLst>
+          </a:blip>
+          <a:stretch>
+            <a:fillRect/>
+          </a:stretch>
+        </a:blipFill>
+        <a:ln w="15875" cap="flat" cmpd="sng" algn="ctr">
+          <a:noFill/>
+          <a:prstDash val="solid"/>
+        </a:ln>
+        <a:effectLst/>
+      </dsp:spPr>
+      <dsp:style>
+        <a:lnRef idx="2">
+          <a:scrgbClr r="0" g="0" b="0"/>
+        </a:lnRef>
+        <a:fillRef idx="1">
+          <a:scrgbClr r="0" g="0" b="0"/>
+        </a:fillRef>
+        <a:effectRef idx="0">
+          <a:scrgbClr r="0" g="0" b="0"/>
+        </a:effectRef>
+        <a:fontRef idx="minor">
+          <a:schemeClr val="lt1"/>
+        </a:fontRef>
+      </dsp:style>
+    </dsp:sp>
+    <dsp:sp modelId="{A5683384-D564-4DAC-BF13-71E4426DA165}">
+      <dsp:nvSpPr>
+        <dsp:cNvPr id="0" name=""/>
+        <dsp:cNvSpPr/>
+      </dsp:nvSpPr>
+      <dsp:spPr>
+        <a:xfrm>
+          <a:off x="1519914" y="3290419"/>
+          <a:ext cx="5163460" cy="1315942"/>
+        </a:xfrm>
+        <a:prstGeom prst="rect">
+          <a:avLst/>
+        </a:prstGeom>
+        <a:noFill/>
+        <a:ln>
+          <a:noFill/>
+        </a:ln>
+        <a:effectLst/>
+      </dsp:spPr>
+      <dsp:style>
+        <a:lnRef idx="0">
+          <a:scrgbClr r="0" g="0" b="0"/>
+        </a:lnRef>
+        <a:fillRef idx="0">
+          <a:scrgbClr r="0" g="0" b="0"/>
+        </a:fillRef>
+        <a:effectRef idx="0">
+          <a:scrgbClr r="0" g="0" b="0"/>
+        </a:effectRef>
+        <a:fontRef idx="minor"/>
+      </dsp:style>
+      <dsp:txBody>
+        <a:bodyPr spcFirstLastPara="0" vert="horz" wrap="square" lIns="139271" tIns="139271" rIns="139271" bIns="139271" numCol="1" spcCol="1270" anchor="ctr" anchorCtr="0">
+          <a:noAutofit/>
+        </a:bodyPr>
+        <a:lstStyle/>
+        <a:p>
+          <a:pPr marL="0" lvl="0" indent="0" algn="l" defTabSz="889000">
+            <a:lnSpc>
+              <a:spcPct val="90000"/>
+            </a:lnSpc>
+            <a:spcBef>
+              <a:spcPct val="0"/>
+            </a:spcBef>
+            <a:spcAft>
+              <a:spcPct val="35000"/>
+            </a:spcAft>
+            <a:buNone/>
+          </a:pPr>
+          <a:r>
+            <a:rPr lang="en-US" sz="2000" kern="1200" baseline="0"/>
+            <a:t>How: did you say code? we will utilize our research and gts skills to showcase how we used code to import, organize, merge, set tables, edit, graph and data manipulate. </a:t>
+          </a:r>
+          <a:endParaRPr lang="en-US" sz="2000" kern="1200"/>
+        </a:p>
+      </dsp:txBody>
+      <dsp:txXfrm>
+        <a:off x="1519914" y="3290419"/>
+        <a:ext cx="5163460" cy="1315942"/>
+      </dsp:txXfrm>
+    </dsp:sp>
+  </dsp:spTree>
+</dsp:drawing>
+</file>
+
+<file path=ppt/diagrams/layout1.xml><?xml version="1.0" encoding="utf-8"?>
+<dgm:layoutDef xmlns:dgm="http://schemas.openxmlformats.org/drawingml/2006/diagram" xmlns:a="http://schemas.openxmlformats.org/drawingml/2006/main" uniqueId="urn:microsoft.com/office/officeart/2005/8/layout/hierarchy1">
+  <dgm:title val=""/>
+  <dgm:desc val=""/>
+  <dgm:catLst>
+    <dgm:cat type="hierarchy" pri="2000"/>
+  </dgm:catLst>
+  <dgm:sampData>
+    <dgm:dataModel>
+      <dgm:ptLst>
+        <dgm:pt modelId="0" type="doc"/>
+        <dgm:pt modelId="1">
+          <dgm:prSet phldr="1"/>
+        </dgm:pt>
+        <dgm:pt modelId="2">
+          <dgm:prSet phldr="1"/>
+        </dgm:pt>
+        <dgm:pt modelId="21">
+          <dgm:prSet phldr="1"/>
+        </dgm:pt>
+        <dgm:pt modelId="22">
+          <dgm:prSet phldr="1"/>
+        </dgm:pt>
+        <dgm:pt modelId="3">
+          <dgm:prSet phldr="1"/>
+        </dgm:pt>
+        <dgm:pt modelId="31">
+          <dgm:prSet phldr="1"/>
+        </dgm:pt>
+      </dgm:ptLst>
+      <dgm:cxnLst>
+        <dgm:cxn modelId="4" srcId="0" destId="1" srcOrd="0" destOrd="0"/>
+        <dgm:cxn modelId="5" srcId="1" destId="2" srcOrd="0" destOrd="0"/>
+        <dgm:cxn modelId="6" srcId="1" destId="3" srcOrd="1" destOrd="0"/>
+        <dgm:cxn modelId="23" srcId="2" destId="21" srcOrd="0" destOrd="0"/>
+        <dgm:cxn modelId="24" srcId="2" destId="22" srcOrd="1" destOrd="0"/>
+        <dgm:cxn modelId="33" srcId="3" destId="31" srcOrd="0" destOrd="0"/>
+      </dgm:cxnLst>
+      <dgm:bg/>
+      <dgm:whole/>
+    </dgm:dataModel>
+  </dgm:sampData>
+  <dgm:styleData>
+    <dgm:dataModel>
+      <dgm:ptLst>
+        <dgm:pt modelId="0" type="doc"/>
+        <dgm:pt modelId="1"/>
+        <dgm:pt modelId="11"/>
+        <dgm:pt modelId="12"/>
+      </dgm:ptLst>
+      <dgm:cxnLst>
+        <dgm:cxn modelId="2" srcId="0" destId="1" srcOrd="0" destOrd="0"/>
+        <dgm:cxn modelId="13" srcId="1" destId="11" srcOrd="0" destOrd="0"/>
+        <dgm:cxn modelId="14" srcId="1" destId="12" srcOrd="1" destOrd="0"/>
+      </dgm:cxnLst>
+      <dgm:bg/>
+      <dgm:whole/>
+    </dgm:dataModel>
+  </dgm:styleData>
+  <dgm:clrData>
+    <dgm:dataModel>
+      <dgm:ptLst>
+        <dgm:pt modelId="0" type="doc"/>
+        <dgm:pt modelId="1"/>
+        <dgm:pt modelId="2"/>
+        <dgm:pt modelId="21"/>
+        <dgm:pt modelId="211"/>
+        <dgm:pt modelId="3"/>
+        <dgm:pt modelId="31"/>
+        <dgm:pt modelId="311"/>
+      </dgm:ptLst>
+      <dgm:cxnLst>
+        <dgm:cxn modelId="4" srcId="0" destId="1" srcOrd="0" destOrd="0"/>
+        <dgm:cxn modelId="5" srcId="1" destId="2" srcOrd="0" destOrd="0"/>
+        <dgm:cxn modelId="6" srcId="1" destId="3" srcOrd="1" destOrd="0"/>
+        <dgm:cxn modelId="23" srcId="2" destId="21" srcOrd="0" destOrd="0"/>
+        <dgm:cxn modelId="24" srcId="21" destId="211" srcOrd="0" destOrd="0"/>
+        <dgm:cxn modelId="33" srcId="3" destId="31" srcOrd="0" destOrd="0"/>
+        <dgm:cxn modelId="34" srcId="31" destId="311" srcOrd="0" destOrd="0"/>
+      </dgm:cxnLst>
+      <dgm:bg/>
+      <dgm:whole/>
+    </dgm:dataModel>
+  </dgm:clrData>
+  <dgm:layoutNode name="hierChild1">
+    <dgm:varLst>
+      <dgm:chPref val="1"/>
+      <dgm:dir/>
+      <dgm:animOne val="branch"/>
+      <dgm:animLvl val="lvl"/>
+      <dgm:resizeHandles/>
+    </dgm:varLst>
+    <dgm:choose name="Name0">
+      <dgm:if name="Name1" func="var" arg="dir" op="equ" val="norm">
+        <dgm:alg type="hierChild">
+          <dgm:param type="linDir" val="fromL"/>
+        </dgm:alg>
+      </dgm:if>
+      <dgm:else name="Name2">
+        <dgm:alg type="hierChild">
+          <dgm:param type="linDir" val="fromR"/>
+        </dgm:alg>
+      </dgm:else>
+    </dgm:choose>
+    <dgm:shape xmlns:r="http://schemas.openxmlformats.org/officeDocument/2006/relationships" r:blip="">
+      <dgm:adjLst/>
+    </dgm:shape>
+    <dgm:presOf/>
+    <dgm:constrLst>
+      <dgm:constr type="primFontSz" for="des" ptType="node" op="equ" val="65"/>
+      <dgm:constr type="w" for="des" forName="composite" refType="w"/>
+      <dgm:constr type="h" for="des" forName="composite" refType="w" refFor="des" refForName="composite" fact="0.667"/>
+      <dgm:constr type="w" for="des" forName="composite2" refType="w" refFor="des" refForName="composite"/>
+      <dgm:constr type="h" for="des" forName="composite2" refType="h" refFor="des" refForName="composite"/>
+      <dgm:constr type="w" for="des" forName="composite3" refType="w" refFor="des" refForName="composite"/>
+      <dgm:constr type="h" for="des" forName="composite3" refType="h" refFor="des" refForName="composite"/>
+      <dgm:constr type="w" for="des" forName="composite4" refType="w" refFor="des" refForName="composite"/>
+      <dgm:constr type="h" for="des" forName="composite4" refType="h" refFor="des" refForName="composite"/>
+      <dgm:constr type="w" for="des" forName="composite5" refType="w" refFor="des" refForName="composite"/>
+      <dgm:constr type="h" for="des" forName="composite5" refType="h" refFor="des" refForName="composite"/>
+      <dgm:constr type="sibSp" refType="w" refFor="des" refForName="composite" fact="0.1"/>
+      <dgm:constr type="sibSp" for="des" forName="hierChild2" refType="sibSp"/>
+      <dgm:constr type="sibSp" for="des" forName="hierChild3" refType="sibSp"/>
+      <dgm:constr type="sibSp" for="des" forName="hierChild4" refType="sibSp"/>
+      <dgm:constr type="sibSp" for="des" forName="hierChild5" refType="sibSp"/>
+      <dgm:constr type="sibSp" for="des" forName="hierChild6" refType="sibSp"/>
+      <dgm:constr type="sp" for="des" forName="hierRoot1" refType="h" refFor="des" refForName="composite" fact="0.25"/>
+      <dgm:constr type="sp" for="des" forName="hierRoot2" refType="sp" refFor="des" refForName="hierRoot1"/>
+      <dgm:constr type="sp" for="des" forName="hierRoot3" refType="sp" refFor="des" refForName="hierRoot1"/>
+      <dgm:constr type="sp" for="des" forName="hierRoot4" refType="sp" refFor="des" refForName="hierRoot1"/>
+      <dgm:constr type="sp" for="des" forName="hierRoot5" refType="sp" refFor="des" refForName="hierRoot1"/>
+    </dgm:constrLst>
+    <dgm:ruleLst/>
+    <dgm:forEach name="Name3" axis="ch">
+      <dgm:forEach name="Name4" axis="self" ptType="node">
+        <dgm:layoutNode name="hierRoot1">
+          <dgm:alg type="hierRoot"/>
+          <dgm:shape xmlns:r="http://schemas.openxmlformats.org/officeDocument/2006/relationships" r:blip="">
+            <dgm:adjLst/>
+          </dgm:shape>
+          <dgm:presOf/>
+          <dgm:constrLst>
+            <dgm:constr type="bendDist" for="des" ptType="parTrans" refType="sp" fact="0.5"/>
+          </dgm:constrLst>
+          <dgm:ruleLst/>
+          <dgm:layoutNode name="composite">
+            <dgm:alg type="composite"/>
+            <dgm:shape xmlns:r="http://schemas.openxmlformats.org/officeDocument/2006/relationships" r:blip="">
+              <dgm:adjLst/>
+            </dgm:shape>
+            <dgm:presOf/>
+            <dgm:constrLst>
+              <dgm:constr type="w" for="ch" forName="background" refType="w" fact="0.9"/>
+              <dgm:constr type="h" for="ch" forName="background" refType="w" refFor="ch" refForName="background" fact="0.635"/>
+              <dgm:constr type="t" for="ch" forName="background"/>
+              <dgm:constr type="l" for="ch" forName="background"/>
+              <dgm:constr type="w" for="ch" forName="text" refType="w" fact="0.9"/>
+              <dgm:constr type="h" for="ch" forName="text" refType="w" refFor="ch" refForName="text" fact="0.635"/>
+              <dgm:constr type="t" for="ch" forName="text" refType="w" fact="0.095"/>
+              <dgm:constr type="l" for="ch" forName="text" refType="w" fact="0.1"/>
+            </dgm:constrLst>
+            <dgm:ruleLst/>
+            <dgm:layoutNode name="background" styleLbl="node0" moveWith="text">
+              <dgm:alg type="sp"/>
+              <dgm:shape xmlns:r="http://schemas.openxmlformats.org/officeDocument/2006/relationships" type="roundRect" r:blip="">
+                <dgm:adjLst>
+                  <dgm:adj idx="1" val="0.1"/>
+                </dgm:adjLst>
+              </dgm:shape>
+              <dgm:presOf/>
+              <dgm:constrLst/>
+              <dgm:ruleLst/>
+            </dgm:layoutNode>
+            <dgm:layoutNode name="text" styleLbl="fgAcc0">
+              <dgm:varLst>
+                <dgm:chPref val="3"/>
+              </dgm:varLst>
+              <dgm:alg type="tx"/>
+              <dgm:shape xmlns:r="http://schemas.openxmlformats.org/officeDocument/2006/relationships" type="roundRect" r:blip="">
+                <dgm:adjLst>
+                  <dgm:adj idx="1" val="0.1"/>
+                </dgm:adjLst>
+              </dgm:shape>
+              <dgm:presOf axis="self"/>
+              <dgm:constrLst>
+                <dgm:constr type="tMarg" refType="primFontSz" fact="0.3"/>
+                <dgm:constr type="bMarg" refType="primFontSz" fact="0.3"/>
+                <dgm:constr type="lMarg" refType="primFontSz" fact="0.3"/>
+                <dgm:constr type="rMarg" refType="primFontSz" fact="0.3"/>
+              </dgm:constrLst>
+              <dgm:ruleLst>
+                <dgm:rule type="primFontSz" val="5" fact="NaN" max="NaN"/>
+              </dgm:ruleLst>
+            </dgm:layoutNode>
+          </dgm:layoutNode>
+          <dgm:layoutNode name="hierChild2">
+            <dgm:choose name="Name5">
+              <dgm:if name="Name6" func="var" arg="dir" op="equ" val="norm">
+                <dgm:alg type="hierChild">
+                  <dgm:param type="linDir" val="fromL"/>
+                </dgm:alg>
+              </dgm:if>
+              <dgm:else name="Name7">
+                <dgm:alg type="hierChild">
+                  <dgm:param type="linDir" val="fromR"/>
+                </dgm:alg>
+              </dgm:else>
+            </dgm:choose>
+            <dgm:shape xmlns:r="http://schemas.openxmlformats.org/officeDocument/2006/relationships" r:blip="">
+              <dgm:adjLst/>
+            </dgm:shape>
+            <dgm:presOf/>
+            <dgm:constrLst/>
+            <dgm:ruleLst/>
+            <dgm:forEach name="Name8" axis="ch">
+              <dgm:forEach name="Name9" axis="self" ptType="parTrans" cnt="1">
+                <dgm:layoutNode name="Name10">
+                  <dgm:alg type="conn">
+                    <dgm:param type="dim" val="1D"/>
+                    <dgm:param type="endSty" val="noArr"/>
+                    <dgm:param type="connRout" val="bend"/>
+                    <dgm:param type="bendPt" val="end"/>
+                    <dgm:param type="begPts" val="bCtr"/>
+                    <dgm:param type="endPts" val="tCtr"/>
+                    <dgm:param type="srcNode" val="background"/>
+                    <dgm:param type="dstNode" val="background2"/>
+                  </dgm:alg>
+                  <dgm:shape xmlns:r="http://schemas.openxmlformats.org/officeDocument/2006/relationships" type="conn" r:blip="" zOrderOff="-999">
+                    <dgm:adjLst/>
+                  </dgm:shape>
+                  <dgm:presOf axis="self"/>
+                  <dgm:constrLst>
+                    <dgm:constr type="begPad"/>
+                    <dgm:constr type="endPad"/>
+                  </dgm:constrLst>
+                  <dgm:ruleLst/>
+                </dgm:layoutNode>
+              </dgm:forEach>
+              <dgm:forEach name="Name11" axis="self" ptType="node">
+                <dgm:layoutNode name="hierRoot2">
+                  <dgm:alg type="hierRoot"/>
+                  <dgm:shape xmlns:r="http://schemas.openxmlformats.org/officeDocument/2006/relationships" r:blip="">
+                    <dgm:adjLst/>
+                  </dgm:shape>
+                  <dgm:presOf/>
+                  <dgm:constrLst>
+                    <dgm:constr type="bendDist" for="des" ptType="parTrans" refType="sp" fact="0.5"/>
+                  </dgm:constrLst>
+                  <dgm:ruleLst/>
+                  <dgm:layoutNode name="composite2">
+                    <dgm:alg type="composite"/>
+                    <dgm:shape xmlns:r="http://schemas.openxmlformats.org/officeDocument/2006/relationships" r:blip="">
+                      <dgm:adjLst/>
+                    </dgm:shape>
+                    <dgm:presOf/>
+                    <dgm:constrLst>
+                      <dgm:constr type="w" for="ch" forName="background2" refType="w" fact="0.9"/>
+                      <dgm:constr type="h" for="ch" forName="background2" refType="w" refFor="ch" refForName="background2" fact="0.635"/>
+                      <dgm:constr type="t" for="ch" forName="background2"/>
+                      <dgm:constr type="l" for="ch" forName="background2"/>
+                      <dgm:constr type="w" for="ch" forName="text2" refType="w" fact="0.9"/>
+                      <dgm:constr type="h" for="ch" forName="text2" refType="w" refFor="ch" refForName="text2" fact="0.635"/>
+                      <dgm:constr type="t" for="ch" forName="text2" refType="w" fact="0.095"/>
+                      <dgm:constr type="l" for="ch" forName="text2" refType="w" fact="0.1"/>
+                    </dgm:constrLst>
+                    <dgm:ruleLst/>
+                    <dgm:layoutNode name="background2" moveWith="text2">
+                      <dgm:alg type="sp"/>
+                      <dgm:shape xmlns:r="http://schemas.openxmlformats.org/officeDocument/2006/relationships" type="roundRect" r:blip="">
+                        <dgm:adjLst>
+                          <dgm:adj idx="1" val="0.1"/>
+                        </dgm:adjLst>
+                      </dgm:shape>
+                      <dgm:presOf/>
+                      <dgm:constrLst/>
+                      <dgm:ruleLst/>
+                    </dgm:layoutNode>
+                    <dgm:layoutNode name="text2" styleLbl="fgAcc2">
+                      <dgm:varLst>
+                        <dgm:chPref val="3"/>
+                      </dgm:varLst>
+                      <dgm:alg type="tx"/>
+                      <dgm:shape xmlns:r="http://schemas.openxmlformats.org/officeDocument/2006/relationships" type="roundRect" r:blip="">
+                        <dgm:adjLst>
+                          <dgm:adj idx="1" val="0.1"/>
+                        </dgm:adjLst>
+                      </dgm:shape>
+                      <dgm:presOf axis="self"/>
+                      <dgm:constrLst>
+                        <dgm:constr type="tMarg" refType="primFontSz" fact="0.3"/>
+                        <dgm:constr type="bMarg" refType="primFontSz" fact="0.3"/>
+                        <dgm:constr type="lMarg" refType="primFontSz" fact="0.3"/>
+                        <dgm:constr type="rMarg" refType="primFontSz" fact="0.3"/>
+                      </dgm:constrLst>
+                      <dgm:ruleLst>
+                        <dgm:rule type="primFontSz" val="5" fact="NaN" max="NaN"/>
+                      </dgm:ruleLst>
+                    </dgm:layoutNode>
+                  </dgm:layoutNode>
+                  <dgm:layoutNode name="hierChild3">
+                    <dgm:choose name="Name12">
+                      <dgm:if name="Name13" func="var" arg="dir" op="equ" val="norm">
+                        <dgm:alg type="hierChild">
+                          <dgm:param type="linDir" val="fromL"/>
+                        </dgm:alg>
+                      </dgm:if>
+                      <dgm:else name="Name14">
+                        <dgm:alg type="hierChild">
+                          <dgm:param type="linDir" val="fromR"/>
+                        </dgm:alg>
+                      </dgm:else>
+                    </dgm:choose>
+                    <dgm:shape xmlns:r="http://schemas.openxmlformats.org/officeDocument/2006/relationships" r:blip="">
+                      <dgm:adjLst/>
+                    </dgm:shape>
+                    <dgm:presOf/>
+                    <dgm:constrLst/>
+                    <dgm:ruleLst/>
+                    <dgm:forEach name="Name15" axis="ch">
+                      <dgm:forEach name="Name16" axis="self" ptType="parTrans" cnt="1">
+                        <dgm:layoutNode name="Name17">
+                          <dgm:alg type="conn">
+                            <dgm:param type="dim" val="1D"/>
+                            <dgm:param type="endSty" val="noArr"/>
+                            <dgm:param type="connRout" val="bend"/>
+                            <dgm:param type="bendPt" val="end"/>
+                            <dgm:param type="begPts" val="bCtr"/>
+                            <dgm:param type="endPts" val="tCtr"/>
+                            <dgm:param type="srcNode" val="background2"/>
+                            <dgm:param type="dstNode" val="background3"/>
+                          </dgm:alg>
+                          <dgm:shape xmlns:r="http://schemas.openxmlformats.org/officeDocument/2006/relationships" type="conn" r:blip="" zOrderOff="-999">
+                            <dgm:adjLst/>
+                          </dgm:shape>
+                          <dgm:presOf axis="self"/>
+                          <dgm:constrLst>
+                            <dgm:constr type="begPad"/>
+                            <dgm:constr type="endPad"/>
+                          </dgm:constrLst>
+                          <dgm:ruleLst/>
+                        </dgm:layoutNode>
+                      </dgm:forEach>
+                      <dgm:forEach name="Name18" axis="self" ptType="node">
+                        <dgm:layoutNode name="hierRoot3">
+                          <dgm:alg type="hierRoot"/>
+                          <dgm:shape xmlns:r="http://schemas.openxmlformats.org/officeDocument/2006/relationships" r:blip="">
+                            <dgm:adjLst/>
+                          </dgm:shape>
+                          <dgm:presOf/>
+                          <dgm:constrLst>
+                            <dgm:constr type="bendDist" for="des" ptType="parTrans" refType="sp" fact="0.5"/>
+                          </dgm:constrLst>
+                          <dgm:ruleLst/>
+                          <dgm:layoutNode name="composite3">
+                            <dgm:alg type="composite"/>
+                            <dgm:shape xmlns:r="http://schemas.openxmlformats.org/officeDocument/2006/relationships" r:blip="">
+                              <dgm:adjLst/>
+                            </dgm:shape>
+                            <dgm:presOf/>
+                            <dgm:constrLst>
+                              <dgm:constr type="w" for="ch" forName="background3" refType="w" fact="0.9"/>
+                              <dgm:constr type="h" for="ch" forName="background3" refType="w" refFor="ch" refForName="background3" fact="0.635"/>
+                              <dgm:constr type="t" for="ch" forName="background3"/>
+                              <dgm:constr type="l" for="ch" forName="background3"/>
+                              <dgm:constr type="w" for="ch" forName="text3" refType="w" fact="0.9"/>
+                              <dgm:constr type="h" for="ch" forName="text3" refType="w" refFor="ch" refForName="text3" fact="0.635"/>
+                              <dgm:constr type="t" for="ch" forName="text3" refType="w" fact="0.095"/>
+                              <dgm:constr type="l" for="ch" forName="text3" refType="w" fact="0.1"/>
+                            </dgm:constrLst>
+                            <dgm:ruleLst/>
+                            <dgm:layoutNode name="background3" moveWith="text3">
+                              <dgm:alg type="sp"/>
+                              <dgm:shape xmlns:r="http://schemas.openxmlformats.org/officeDocument/2006/relationships" type="roundRect" r:blip="">
+                                <dgm:adjLst>
+                                  <dgm:adj idx="1" val="0.1"/>
+                                </dgm:adjLst>
+                              </dgm:shape>
+                              <dgm:presOf/>
+                              <dgm:constrLst/>
+                              <dgm:ruleLst/>
+                            </dgm:layoutNode>
+                            <dgm:layoutNode name="text3" styleLbl="fgAcc3">
+                              <dgm:varLst>
+                                <dgm:chPref val="3"/>
+                              </dgm:varLst>
+                              <dgm:alg type="tx"/>
+                              <dgm:shape xmlns:r="http://schemas.openxmlformats.org/officeDocument/2006/relationships" type="roundRect" r:blip="">
+                                <dgm:adjLst>
+                                  <dgm:adj idx="1" val="0.1"/>
+                                </dgm:adjLst>
+                              </dgm:shape>
+                              <dgm:presOf axis="self"/>
+                              <dgm:constrLst>
+                                <dgm:constr type="tMarg" refType="primFontSz" fact="0.3"/>
+                                <dgm:constr type="bMarg" refType="primFontSz" fact="0.3"/>
+                                <dgm:constr type="lMarg" refType="primFontSz" fact="0.3"/>
+                                <dgm:constr type="rMarg" refType="primFontSz" fact="0.3"/>
+                              </dgm:constrLst>
+                              <dgm:ruleLst>
+                                <dgm:rule type="primFontSz" val="5" fact="NaN" max="NaN"/>
+                              </dgm:ruleLst>
+                            </dgm:layoutNode>
+                          </dgm:layoutNode>
+                          <dgm:layoutNode name="hierChild4">
+                            <dgm:choose name="Name19">
+                              <dgm:if name="Name20" func="var" arg="dir" op="equ" val="norm">
+                                <dgm:alg type="hierChild">
+                                  <dgm:param type="linDir" val="fromL"/>
+                                </dgm:alg>
+                              </dgm:if>
+                              <dgm:else name="Name21">
+                                <dgm:alg type="hierChild">
+                                  <dgm:param type="linDir" val="fromR"/>
+                                </dgm:alg>
+                              </dgm:else>
+                            </dgm:choose>
+                            <dgm:shape xmlns:r="http://schemas.openxmlformats.org/officeDocument/2006/relationships" r:blip="">
+                              <dgm:adjLst/>
+                            </dgm:shape>
+                            <dgm:presOf/>
+                            <dgm:constrLst/>
+                            <dgm:ruleLst/>
+                            <dgm:forEach name="repeat" axis="ch">
+                              <dgm:forEach name="Name22" axis="self" ptType="parTrans" cnt="1">
+                                <dgm:layoutNode name="Name23">
+                                  <dgm:choose name="Name24">
+                                    <dgm:if name="Name25" axis="self" func="depth" op="lte" val="4">
+                                      <dgm:alg type="conn">
+                                        <dgm:param type="dim" val="1D"/>
+                                        <dgm:param type="endSty" val="noArr"/>
+                                        <dgm:param type="connRout" val="bend"/>
+                                        <dgm:param type="bendPt" val="end"/>
+                                        <dgm:param type="begPts" val="bCtr"/>
+                                        <dgm:param type="endPts" val="tCtr"/>
+                                        <dgm:param type="srcNode" val="background3"/>
+                                        <dgm:param type="dstNode" val="background4"/>
+                                      </dgm:alg>
+                                    </dgm:if>
+                                    <dgm:else name="Name26">
+                                      <dgm:alg type="conn">
+                                        <dgm:param type="dim" val="1D"/>
+                                        <dgm:param type="endSty" val="noArr"/>
+                                        <dgm:param type="connRout" val="bend"/>
+                                        <dgm:param type="bendPt" val="end"/>
+                                        <dgm:param type="begPts" val="bCtr"/>
+                                        <dgm:param type="endPts" val="tCtr"/>
+                                        <dgm:param type="srcNode" val="background4"/>
+                                        <dgm:param type="dstNode" val="background4"/>
+                                      </dgm:alg>
+                                    </dgm:else>
+                                  </dgm:choose>
+                                  <dgm:shape xmlns:r="http://schemas.openxmlformats.org/officeDocument/2006/relationships" type="conn" r:blip="" zOrderOff="-999">
+                                    <dgm:adjLst/>
+                                  </dgm:shape>
+                                  <dgm:presOf axis="self"/>
+                                  <dgm:constrLst>
+                                    <dgm:constr type="begPad"/>
+                                    <dgm:constr type="endPad"/>
+                                  </dgm:constrLst>
+                                  <dgm:ruleLst/>
+                                </dgm:layoutNode>
+                              </dgm:forEach>
+                              <dgm:forEach name="Name27" axis="self" ptType="node">
+                                <dgm:layoutNode name="hierRoot4">
+                                  <dgm:alg type="hierRoot"/>
+                                  <dgm:shape xmlns:r="http://schemas.openxmlformats.org/officeDocument/2006/relationships" r:blip="">
+                                    <dgm:adjLst/>
+                                  </dgm:shape>
+                                  <dgm:presOf/>
+                                  <dgm:constrLst>
+                                    <dgm:constr type="bendDist" for="des" ptType="parTrans" refType="sp" fact="0.5"/>
+                                  </dgm:constrLst>
+                                  <dgm:ruleLst/>
+                                  <dgm:layoutNode name="composite4">
+                                    <dgm:alg type="composite"/>
+                                    <dgm:shape xmlns:r="http://schemas.openxmlformats.org/officeDocument/2006/relationships" r:blip="">
+                                      <dgm:adjLst/>
+                                    </dgm:shape>
+                                    <dgm:presOf/>
+                                    <dgm:constrLst>
+                                      <dgm:constr type="w" for="ch" forName="background4" refType="w" fact="0.9"/>
+                                      <dgm:constr type="h" for="ch" forName="background4" refType="w" refFor="ch" refForName="background4" fact="0.635"/>
+                                      <dgm:constr type="t" for="ch" forName="background4"/>
+                                      <dgm:constr type="l" for="ch" forName="background4"/>
+                                      <dgm:constr type="w" for="ch" forName="text4" refType="w" fact="0.9"/>
+                                      <dgm:constr type="h" for="ch" forName="text4" refType="w" refFor="ch" refForName="text4" fact="0.635"/>
+                                      <dgm:constr type="t" for="ch" forName="text4" refType="w" fact="0.095"/>
+                                      <dgm:constr type="l" for="ch" forName="text4" refType="w" fact="0.1"/>
+                                    </dgm:constrLst>
+                                    <dgm:ruleLst/>
+                                    <dgm:layoutNode name="background4" moveWith="text4">
+                                      <dgm:alg type="sp"/>
+                                      <dgm:shape xmlns:r="http://schemas.openxmlformats.org/officeDocument/2006/relationships" type="roundRect" r:blip="">
+                                        <dgm:adjLst>
+                                          <dgm:adj idx="1" val="0.1"/>
+                                        </dgm:adjLst>
+                                      </dgm:shape>
+                                      <dgm:presOf/>
+                                      <dgm:constrLst/>
+                                      <dgm:ruleLst/>
+                                    </dgm:layoutNode>
+                                    <dgm:layoutNode name="text4" styleLbl="fgAcc4">
+                                      <dgm:varLst>
+                                        <dgm:chPref val="3"/>
+                                      </dgm:varLst>
+                                      <dgm:alg type="tx"/>
+                                      <dgm:shape xmlns:r="http://schemas.openxmlformats.org/officeDocument/2006/relationships" type="roundRect" r:blip="">
+                                        <dgm:adjLst>
+                                          <dgm:adj idx="1" val="0.1"/>
+                                        </dgm:adjLst>
+                                      </dgm:shape>
+                                      <dgm:presOf axis="self"/>
+                                      <dgm:constrLst>
+                                        <dgm:constr type="tMarg" refType="primFontSz" fact="0.3"/>
+                                        <dgm:constr type="bMarg" refType="primFontSz" fact="0.3"/>
+                                        <dgm:constr type="lMarg" refType="primFontSz" fact="0.3"/>
+                                        <dgm:constr type="rMarg" refType="primFontSz" fact="0.3"/>
+                                      </dgm:constrLst>
+                                      <dgm:ruleLst>
+                                        <dgm:rule type="primFontSz" val="5" fact="NaN" max="NaN"/>
+                                      </dgm:ruleLst>
+                                    </dgm:layoutNode>
+                                  </dgm:layoutNode>
+                                  <dgm:layoutNode name="hierChild5">
+                                    <dgm:choose name="Name28">
+                                      <dgm:if name="Name29" func="var" arg="dir" op="equ" val="norm">
+                                        <dgm:alg type="hierChild">
+                                          <dgm:param type="linDir" val="fromL"/>
+                                        </dgm:alg>
+                                      </dgm:if>
+                                      <dgm:else name="Name30">
+                                        <dgm:alg type="hierChild">
+                                          <dgm:param type="linDir" val="fromR"/>
+                                        </dgm:alg>
+                                      </dgm:else>
+                                    </dgm:choose>
+                                    <dgm:shape xmlns:r="http://schemas.openxmlformats.org/officeDocument/2006/relationships" r:blip="">
+                                      <dgm:adjLst/>
+                                    </dgm:shape>
+                                    <dgm:presOf/>
+                                    <dgm:constrLst/>
+                                    <dgm:ruleLst/>
+                                    <dgm:forEach name="Name31" ref="repeat"/>
+                                  </dgm:layoutNode>
+                                </dgm:layoutNode>
+                              </dgm:forEach>
+                            </dgm:forEach>
+                          </dgm:layoutNode>
+                        </dgm:layoutNode>
+                      </dgm:forEach>
+                    </dgm:forEach>
+                  </dgm:layoutNode>
+                </dgm:layoutNode>
+              </dgm:forEach>
+            </dgm:forEach>
+          </dgm:layoutNode>
+        </dgm:layoutNode>
+      </dgm:forEach>
+    </dgm:forEach>
+  </dgm:layoutNode>
+</dgm:layoutDef>
+</file>
+
+<file path=ppt/diagrams/layout2.xml><?xml version="1.0" encoding="utf-8"?>
+<dgm:layoutDef xmlns:dgm="http://schemas.openxmlformats.org/drawingml/2006/diagram" xmlns:a="http://schemas.openxmlformats.org/drawingml/2006/main" uniqueId="urn:microsoft.com/office/officeart/2018/2/layout/IconVerticalSolidList">
+  <dgm:title val="Icon Vertical Solid List"/>
+  <dgm:desc val="Use to show a series of visuals from top to bottom with Level 1 or Level 1 and Level 2 text grouped in a shape. Works best with icons or small pictures with lengthier descriptions."/>
+  <dgm:catLst>
+    <dgm:cat type="icon" pri="500"/>
+  </dgm:catLst>
+  <dgm:sampData useDef="1">
+    <dgm:dataModel>
+      <dgm:ptLst/>
+      <dgm:bg/>
+      <dgm:whole/>
+    </dgm:dataModel>
+  </dgm:sampData>
+  <dgm:styleData useDef="1">
+    <dgm:dataModel>
+      <dgm:ptLst/>
+      <dgm:bg/>
+      <dgm:whole/>
+    </dgm:dataModel>
+  </dgm:styleData>
+  <dgm:clrData useDef="1">
+    <dgm:dataModel>
+      <dgm:ptLst/>
+      <dgm:bg/>
+      <dgm:whole/>
+    </dgm:dataModel>
+  </dgm:clrData>
+  <dgm:layoutNode name="root">
+    <dgm:varLst>
+      <dgm:dir/>
+      <dgm:resizeHandles val="exact"/>
+    </dgm:varLst>
+    <dgm:choose name="Name0">
+      <dgm:if name="Name1" axis="self" func="var" arg="dir" op="equ" val="norm">
+        <dgm:alg type="lin">
+          <dgm:param type="linDir" val="fromT"/>
+          <dgm:param type="nodeHorzAlign" val="l"/>
+        </dgm:alg>
+      </dgm:if>
+      <dgm:else name="Name2">
+        <dgm:alg type="lin">
+          <dgm:param type="linDir" val="fromT"/>
+          <dgm:param type="nodeHorzAlign" val="r"/>
+        </dgm:alg>
+      </dgm:else>
+    </dgm:choose>
+    <dgm:shape xmlns:r="http://schemas.openxmlformats.org/officeDocument/2006/relationships" r:blip="">
+      <dgm:adjLst/>
+    </dgm:shape>
+    <dgm:presOf/>
+    <dgm:choose name="Name3">
+      <dgm:if name="Name4" axis="ch" ptType="node" func="cnt" op="lte" val="3">
+        <dgm:constrLst>
+          <dgm:constr type="h" for="ch" forName="compNode" refType="h" fact="0.3"/>
+          <dgm:constr type="w" for="ch" forName="compNode" refType="w"/>
+          <dgm:constr type="h" for="ch" forName="sibTrans" refType="h" refFor="ch" refForName="compNode" fact="0.25"/>
+          <dgm:constr type="primFontSz" for="des" forName="parTx" val="25"/>
+          <dgm:constr type="primFontSz" for="des" forName="desTx" refType="primFontSz" refFor="des" refForName="parTx" op="lte" fact="0.75"/>
+          <dgm:constr type="h" for="des" forName="compNode" op="equ"/>
+          <dgm:constr type="h" for="des" forName="bgRect" op="equ"/>
+          <dgm:constr type="h" for="des" forName="iconRect" op="equ"/>
+          <dgm:constr type="w" for="des" forName="iconRect" op="equ"/>
+          <dgm:constr type="h" for="des" forName="spaceRect" op="equ"/>
+          <dgm:constr type="h" for="des" forName="parTx" op="equ"/>
+          <dgm:constr type="h" for="des" forName="desTx" op="equ"/>
+        </dgm:constrLst>
+      </dgm:if>
+      <dgm:if name="Name5" axis="ch" ptType="node" func="cnt" op="lte" val="4">
+        <dgm:constrLst>
+          <dgm:constr type="h" for="ch" forName="compNode" refType="h" fact="0.3"/>
+          <dgm:constr type="w" for="ch" forName="compNode" refType="w"/>
+          <dgm:constr type="h" for="ch" forName="sibTrans" refType="h" refFor="ch" refForName="compNode" fact="0.25"/>
+          <dgm:constr type="primFontSz" for="des" forName="parTx" val="22"/>
+          <dgm:constr type="primFontSz" for="des" forName="desTx" refType="primFontSz" refFor="des" refForName="parTx" op="lte" fact="0.75"/>
+          <dgm:constr type="h" for="des" forName="compNode" op="equ"/>
+          <dgm:constr type="h" for="des" forName="bgRect" op="equ"/>
+          <dgm:constr type="h" for="des" forName="iconRect" op="equ"/>
+          <dgm:constr type="w" for="des" forName="iconRect" op="equ"/>
+          <dgm:constr type="h" for="des" forName="spaceRect" op="equ"/>
+          <dgm:constr type="h" for="des" forName="parTx" op="equ"/>
+          <dgm:constr type="h" for="des" forName="desTx" op="equ"/>
+        </dgm:constrLst>
+      </dgm:if>
+      <dgm:if name="Name6" axis="ch" ptType="node" func="cnt" op="lte" val="6">
+        <dgm:constrLst>
+          <dgm:constr type="h" for="ch" forName="compNode" refType="h" fact="0.3"/>
+          <dgm:constr type="w" for="ch" forName="compNode" refType="w"/>
+          <dgm:constr type="h" for="ch" forName="sibTrans" refType="h" refFor="ch" refForName="compNode" fact="0.25"/>
+          <dgm:constr type="primFontSz" for="des" forName="parTx" val="19"/>
+          <dgm:constr type="primFontSz" for="des" forName="desTx" refType="primFontSz" refFor="des" refForName="parTx" op="lte" fact="0.75"/>
+          <dgm:constr type="h" for="des" forName="compNode" op="equ"/>
+          <dgm:constr type="h" for="des" forName="bgRect" op="equ"/>
+          <dgm:constr type="h" for="des" forName="iconRect" op="equ"/>
+          <dgm:constr type="w" for="des" forName="iconRect" op="equ"/>
+          <dgm:constr type="h" for="des" forName="spaceRect" op="equ"/>
+          <dgm:constr type="h" for="des" forName="parTx" op="equ"/>
+          <dgm:constr type="h" for="des" forName="desTx" op="equ"/>
+        </dgm:constrLst>
+      </dgm:if>
+      <dgm:else name="Name7">
+        <dgm:constrLst>
+          <dgm:constr type="h" for="ch" forName="compNode" refType="h" fact="0.3"/>
+          <dgm:constr type="w" for="ch" forName="compNode" refType="w"/>
+          <dgm:constr type="h" for="ch" forName="sibTrans" refType="h" refFor="ch" refForName="compNode" fact="0.25"/>
+          <dgm:constr type="primFontSz" for="des" forName="parTx" val="16"/>
+          <dgm:constr type="primFontSz" for="des" forName="desTx" refType="primFontSz" refFor="des" refForName="parTx" op="lte" fact="0.75"/>
+          <dgm:constr type="h" for="des" forName="compNode" op="equ"/>
+          <dgm:constr type="h" for="des" forName="bgRect" op="equ"/>
+          <dgm:constr type="h" for="des" forName="iconRect" op="equ"/>
+          <dgm:constr type="w" for="des" forName="iconRect" op="equ"/>
+          <dgm:constr type="h" for="des" forName="spaceRect" op="equ"/>
+          <dgm:constr type="h" for="des" forName="parTx" op="equ"/>
+          <dgm:constr type="h" for="des" forName="desTx" op="equ"/>
+        </dgm:constrLst>
+      </dgm:else>
+    </dgm:choose>
+    <dgm:ruleLst>
+      <dgm:rule type="h" for="ch" forName="compNode" val="0" fact="NaN" max="NaN"/>
+    </dgm:ruleLst>
+    <dgm:forEach name="Name8" axis="ch" ptType="node">
+      <dgm:layoutNode name="compNode">
+        <dgm:alg type="composite"/>
+        <dgm:shape xmlns:r="http://schemas.openxmlformats.org/officeDocument/2006/relationships" r:blip="">
+          <dgm:adjLst/>
+        </dgm:shape>
+        <dgm:presOf axis="self"/>
+        <dgm:choose name="Name9">
+          <dgm:if name="Name10" axis="ch" ptType="node" func="cnt" op="gte" val="1">
+            <dgm:constrLst>
+              <dgm:constr type="w" for="ch" forName="bgRect" refType="w"/>
+              <dgm:constr type="h" for="ch" forName="bgRect" refType="h"/>
+              <dgm:constr type="l" for="ch" forName="bgRect"/>
+              <dgm:constr type="t" for="ch" forName="bgRect"/>
+              <dgm:constr type="h" for="ch" forName="iconRect" refType="h" fact="0.55"/>
+              <dgm:constr type="w" for="ch" forName="iconRect" refType="h" refFor="ch" refForName="iconRect"/>
+              <dgm:constr type="l" for="ch" forName="iconRect" refType="h" refFor="ch" refForName="iconRect" fact="0.55"/>
+              <dgm:constr type="ctrY" for="ch" forName="iconRect" refType="ctrY" refFor="ch" refForName="bgRect"/>
+              <dgm:constr type="w" for="ch" forName="spaceRect" refType="l" refFor="ch" refForName="iconRect"/>
+              <dgm:constr type="h" for="ch" forName="spaceRect" refType="h"/>
+              <dgm:constr type="l" for="ch" forName="spaceRect" refType="r" refFor="ch" refForName="iconRect"/>
+              <dgm:constr type="t" for="ch" forName="spaceRect"/>
+              <dgm:constr type="w" for="ch" forName="parTx" refType="w" fact="0.45"/>
+              <dgm:constr type="h" for="ch" forName="parTx" refType="h"/>
+              <dgm:constr type="l" for="ch" forName="parTx" refType="r" refFor="ch" refForName="spaceRect"/>
+              <dgm:constr type="t" for="ch" forName="parTx"/>
+              <dgm:constr type="h" for="ch" forName="desTx" refType="h"/>
+              <dgm:constr type="l" for="ch" forName="desTx" refType="r" refFor="ch" refForName="parTx"/>
+              <dgm:constr type="t" for="ch" forName="desTx"/>
+            </dgm:constrLst>
+          </dgm:if>
+          <dgm:else name="Name11">
+            <dgm:constrLst>
+              <dgm:constr type="w" for="ch" forName="bgRect" refType="w"/>
+              <dgm:constr type="h" for="ch" forName="bgRect" refType="h"/>
+              <dgm:constr type="l" for="ch" forName="bgRect"/>
+              <dgm:constr type="t" for="ch" forName="bgRect"/>
+              <dgm:constr type="h" for="ch" forName="iconRect" refType="h" fact="0.55"/>
+              <dgm:constr type="w" for="ch" forName="iconRect" refType="h" refFor="ch" refForName="iconRect"/>
+              <dgm:constr type="l" for="ch" forName="iconRect" refType="h" refFor="ch" refForName="iconRect" fact="0.55"/>
+              <dgm:constr type="ctrY" for="ch" forName="iconRect" refType="ctrY" refFor="ch" refForName="bgRect"/>
+              <dgm:constr type="w" for="ch" forName="spaceRect" refType="l" refFor="ch" refForName="iconRect"/>
+              <dgm:constr type="h" for="ch" forName="spaceRect" refType="h"/>
+              <dgm:constr type="l" for="ch" forName="spaceRect" refType="r" refFor="ch" refForName="iconRect"/>
+              <dgm:constr type="t" for="ch" forName="spaceRect"/>
+              <dgm:constr type="h" for="ch" forName="parTx" refType="h"/>
+              <dgm:constr type="l" for="ch" forName="parTx" refType="r" refFor="ch" refForName="spaceRect"/>
+              <dgm:constr type="t" for="ch" forName="parTx"/>
+            </dgm:constrLst>
+          </dgm:else>
+        </dgm:choose>
+        <dgm:ruleLst>
+          <dgm:rule type="h" val="INF" fact="NaN" max="NaN"/>
+        </dgm:ruleLst>
+        <dgm:layoutNode name="bgRect" styleLbl="bgShp">
+          <dgm:alg type="sp"/>
+          <dgm:shape xmlns:r="http://schemas.openxmlformats.org/officeDocument/2006/relationships" type="roundRect" r:blip="">
+            <dgm:adjLst>
+              <dgm:adj idx="1" val="0.1"/>
+            </dgm:adjLst>
+          </dgm:shape>
+          <dgm:presOf/>
+          <dgm:constrLst/>
+          <dgm:ruleLst/>
+        </dgm:layoutNode>
+        <dgm:layoutNode name="iconRect" styleLbl="node1">
+          <dgm:alg type="sp"/>
+          <dgm:shape xmlns:r="http://schemas.openxmlformats.org/officeDocument/2006/relationships" type="rect" r:blip="" blipPhldr="1">
+            <dgm:adjLst/>
+          </dgm:shape>
+          <dgm:presOf/>
+          <dgm:constrLst/>
+          <dgm:ruleLst/>
+        </dgm:layoutNode>
+        <dgm:layoutNode name="spaceRect">
+          <dgm:alg type="sp"/>
+          <dgm:shape xmlns:r="http://schemas.openxmlformats.org/officeDocument/2006/relationships" r:blip="">
+            <dgm:adjLst/>
+          </dgm:shape>
+          <dgm:presOf/>
+          <dgm:constrLst/>
+          <dgm:ruleLst/>
+        </dgm:layoutNode>
+        <dgm:layoutNode name="parTx" styleLbl="revTx">
+          <dgm:varLst>
+            <dgm:chMax val="0"/>
+            <dgm:chPref val="0"/>
+          </dgm:varLst>
+          <dgm:alg type="tx">
+            <dgm:param type="txAnchorVert" val="mid"/>
+            <dgm:param type="parTxLTRAlign" val="l"/>
+            <dgm:param type="shpTxLTRAlignCh" val="l"/>
+            <dgm:param type="parTxRTLAlign" val="r"/>
+            <dgm:param type="shpTxRTLAlignCh" val="r"/>
+          </dgm:alg>
+          <dgm:shape xmlns:r="http://schemas.openxmlformats.org/officeDocument/2006/relationships" type="rect" r:blip="">
+            <dgm:adjLst/>
+          </dgm:shape>
+          <dgm:presOf axis="self" ptType="node"/>
+          <dgm:constrLst>
+            <dgm:constr type="lMarg" refType="h" fact="0.3"/>
+            <dgm:constr type="rMarg" refType="h" fact="0.3"/>
+            <dgm:constr type="tMarg" refType="h" fact="0.3"/>
+            <dgm:constr type="bMarg" refType="h" fact="0.3"/>
+          </dgm:constrLst>
+          <dgm:ruleLst>
+            <dgm:rule type="primFontSz" val="14" fact="NaN" max="NaN"/>
+            <dgm:rule type="h" val="INF" fact="NaN" max="NaN"/>
+          </dgm:ruleLst>
+        </dgm:layoutNode>
+        <dgm:choose name="Name12">
+          <dgm:if name="Name13" axis="ch" ptType="node" func="cnt" op="gte" val="1">
+            <dgm:layoutNode name="desTx" styleLbl="revTx">
+              <dgm:varLst/>
+              <dgm:alg type="tx">
+                <dgm:param type="txAnchorVertCh" val="mid"/>
+                <dgm:param type="parTxLTRAlign" val="l"/>
+                <dgm:param type="shpTxLTRAlignCh" val="l"/>
+                <dgm:param type="parTxRTLAlign" val="r"/>
+                <dgm:param type="shpTxRTLAlignCh" val="r"/>
+                <dgm:param type="stBulletLvl" val="0"/>
+              </dgm:alg>
+              <dgm:shape xmlns:r="http://schemas.openxmlformats.org/officeDocument/2006/relationships" type="rect" r:blip="">
+                <dgm:adjLst/>
+              </dgm:shape>
+              <dgm:presOf axis="des" ptType="node"/>
+              <dgm:constrLst>
+                <dgm:constr type="primFontSz" val="18"/>
+                <dgm:constr type="secFontSz" refType="primFontSz"/>
+                <dgm:constr type="lMarg" refType="h" fact="0.3"/>
+                <dgm:constr type="rMarg" refType="h" fact="0.3"/>
+                <dgm:constr type="tMarg" refType="h" fact="0.3"/>
+                <dgm:constr type="bMarg" refType="h" fact="0.3"/>
+              </dgm:constrLst>
+              <dgm:ruleLst>
+                <dgm:rule type="primFontSz" val="11" fact="NaN" max="NaN"/>
+              </dgm:ruleLst>
+            </dgm:layoutNode>
+          </dgm:if>
+          <dgm:else name="Name14"/>
+        </dgm:choose>
+      </dgm:layoutNode>
+      <dgm:forEach name="Name15" axis="followSib" ptType="sibTrans" cnt="1">
+        <dgm:layoutNode name="sibTrans">
+          <dgm:alg type="sp"/>
+          <dgm:shape xmlns:r="http://schemas.openxmlformats.org/officeDocument/2006/relationships" r:blip="">
+            <dgm:adjLst/>
+          </dgm:shape>
+          <dgm:presOf axis="self"/>
+          <dgm:constrLst/>
+          <dgm:ruleLst/>
+        </dgm:layoutNode>
+      </dgm:forEach>
+    </dgm:forEach>
+  </dgm:layoutNode>
+  <dgm:extLst>
+    <a:ext uri="{68A01E43-0DF5-4B5B-8FA6-DAF915123BFB}">
+      <dgm1612:lstStyle xmlns:dgm1612="http://schemas.microsoft.com/office/drawing/2016/12/diagram">
+        <a:lvl1pPr>
+          <a:lnSpc>
+            <a:spcPct val="100000"/>
+          </a:lnSpc>
+        </a:lvl1pPr>
+        <a:lvl2pPr>
+          <a:lnSpc>
+            <a:spcPct val="100000"/>
+          </a:lnSpc>
+        </a:lvl2pPr>
+      </dgm1612:lstStyle>
+    </a:ext>
+  </dgm:extLst>
+</dgm:layoutDef>
+</file>
+
+<file path=ppt/diagrams/quickStyle1.xml><?xml version="1.0" encoding="utf-8"?>
+<dgm:styleDef xmlns:dgm="http://schemas.openxmlformats.org/drawingml/2006/diagram" xmlns:a="http://schemas.openxmlformats.org/drawingml/2006/main" uniqueId="urn:microsoft.com/office/officeart/2005/8/quickstyle/simple1">
+  <dgm:title val=""/>
+  <dgm:desc val=""/>
+  <dgm:catLst>
+    <dgm:cat type="simple" pri="10100"/>
+  </dgm:catLst>
+  <dgm:scene3d>
+    <a:camera prst="orthographicFront"/>
+    <a:lightRig rig="threePt" dir="t"/>
+  </dgm:scene3d>
+  <dgm:styleLbl name="node0">
+    <dgm:scene3d>
+      <a:camera prst="orthographicFront"/>
+      <a:lightRig rig="threePt" dir="t"/>
+    </dgm:scene3d>
+    <dgm:sp3d/>
+    <dgm:txPr/>
+    <dgm:style>
+      <a:lnRef idx="2">
+        <a:scrgbClr r="0" g="0" b="0"/>
+      </a:lnRef>
+      <a:fillRef idx="1">
+        <a:scrgbClr r="0" g="0" b="0"/>
+      </a:fillRef>
+      <a:effectRef idx="0">
+        <a:scrgbClr r="0" g="0" b="0"/>
+      </a:effectRef>
+      <a:fontRef idx="minor">
+        <a:schemeClr val="lt1"/>
+      </a:fontRef>
+    </dgm:style>
+  </dgm:styleLbl>
+  <dgm:styleLbl name="lnNode1">
+    <dgm:scene3d>
+      <a:camera prst="orthographicFront"/>
+      <a:lightRig rig="threePt" dir="t"/>
+    </dgm:scene3d>
+    <dgm:sp3d/>
+    <dgm:txPr/>
+    <dgm:style>
+      <a:lnRef idx="2">
+        <a:scrgbClr r="0" g="0" b="0"/>
+      </a:lnRef>
+      <a:fillRef idx="1">
+        <a:scrgbClr r="0" g="0" b="0"/>
+      </a:fillRef>
+      <a:effectRef idx="0">
+        <a:scrgbClr r="0" g="0" b="0"/>
+      </a:effectRef>
+      <a:fontRef idx="minor">
+        <a:schemeClr val="lt1"/>
+      </a:fontRef>
+    </dgm:style>
+  </dgm:styleLbl>
+  <dgm:styleLbl name="vennNode1">
+    <dgm:scene3d>
+      <a:camera prst="orthographicFront"/>
+      <a:lightRig rig="threePt" dir="t"/>
+    </dgm:scene3d>
+    <dgm:sp3d/>
+    <dgm:txPr/>
+    <dgm:style>
+      <a:lnRef idx="2">
+        <a:scrgbClr r="0" g="0" b="0"/>
+      </a:lnRef>
+      <a:fillRef idx="1">
+        <a:scrgbClr r="0" g="0" b="0"/>
+      </a:fillRef>
+      <a:effectRef idx="0">
+        <a:scrgbClr r="0" g="0" b="0"/>
+      </a:effectRef>
+      <a:fontRef idx="minor">
+        <a:schemeClr val="tx1"/>
+      </a:fontRef>
+    </dgm:style>
+  </dgm:styleLbl>
+  <dgm:styleLbl name="alignNode1">
+    <dgm:scene3d>
+      <a:camera prst="orthographicFront"/>
+      <a:lightRig rig="threePt" dir="t"/>
+    </dgm:scene3d>
+    <dgm:sp3d/>
+    <dgm:txPr/>
+    <dgm:style>
+      <a:lnRef idx="2">
+        <a:scrgbClr r="0" g="0" b="0"/>
+      </a:lnRef>
+      <a:fillRef idx="1">
+        <a:scrgbClr r="0" g="0" b="0"/>
+      </a:fillRef>
+      <a:effectRef idx="0">
+        <a:scrgbClr r="0" g="0" b="0"/>
+      </a:effectRef>
+      <a:fontRef idx="minor">
+        <a:schemeClr val="lt1"/>
+      </a:fontRef>
+    </dgm:style>
+  </dgm:styleLbl>
+  <dgm:styleLbl name="node1">
+    <dgm:scene3d>
+      <a:camera prst="orthographicFront"/>
+      <a:lightRig rig="threePt" dir="t"/>
+    </dgm:scene3d>
+    <dgm:sp3d/>
+    <dgm:txPr/>
+    <dgm:style>
+      <a:lnRef idx="2">
+        <a:scrgbClr r="0" g="0" b="0"/>
+      </a:lnRef>
+      <a:fillRef idx="1">
+        <a:scrgbClr r="0" g="0" b="0"/>
+      </a:fillRef>
+      <a:effectRef idx="0">
+        <a:scrgbClr r="0" g="0" b="0"/>
+      </a:effectRef>
+      <a:fontRef idx="minor">
+        <a:schemeClr val="lt1"/>
+      </a:fontRef>
+    </dgm:style>
+  </dgm:styleLbl>
+  <dgm:styleLbl name="node2">
+    <dgm:scene3d>
+      <a:camera prst="orthographicFront"/>
+      <a:lightRig rig="threePt" dir="t"/>
+    </dgm:scene3d>
+    <dgm:sp3d/>
+    <dgm:txPr/>
+    <dgm:style>
+      <a:lnRef idx="2">
+        <a:scrgbClr r="0" g="0" b="0"/>
+      </a:lnRef>
+      <a:fillRef idx="1">
+        <a:scrgbClr r="0" g="0" b="0"/>
+      </a:fillRef>
+      <a:effectRef idx="0">
+        <a:scrgbClr r="0" g="0" b="0"/>
+      </a:effectRef>
+      <a:fontRef idx="minor">
+        <a:schemeClr val="lt1"/>
+      </a:fontRef>
+    </dgm:style>
+  </dgm:styleLbl>
+  <dgm:styleLbl name="node3">
+    <dgm:scene3d>
+      <a:camera prst="orthographicFront"/>
+      <a:lightRig rig="threePt" dir="t"/>
+    </dgm:scene3d>
+    <dgm:sp3d/>
+    <dgm:txPr/>
+    <dgm:style>
+      <a:lnRef idx="2">
+        <a:scrgbClr r="0" g="0" b="0"/>
+      </a:lnRef>
+      <a:fillRef idx="1">
+        <a:scrgbClr r="0" g="0" b="0"/>
+      </a:fillRef>
+      <a:effectRef idx="0">
+        <a:scrgbClr r="0" g="0" b="0"/>
+      </a:effectRef>
+      <a:fontRef idx="minor">
+        <a:schemeClr val="lt1"/>
+      </a:fontRef>
+    </dgm:style>
+  </dgm:styleLbl>
+  <dgm:styleLbl name="node4">
+    <dgm:scene3d>
+      <a:camera prst="orthographicFront"/>
+      <a:lightRig rig="threePt" dir="t"/>
+    </dgm:scene3d>
+    <dgm:sp3d/>
+    <dgm:txPr/>
+    <dgm:style>
+      <a:lnRef idx="2">
+        <a:scrgbClr r="0" g="0" b="0"/>
+      </a:lnRef>
+      <a:fillRef idx="1">
+        <a:scrgbClr r="0" g="0" b="0"/>
+      </a:fillRef>
+      <a:effectRef idx="0">
+        <a:scrgbClr r="0" g="0" b="0"/>
+      </a:effectRef>
+      <a:fontRef idx="minor">
+        <a:schemeClr val="lt1"/>
+      </a:fontRef>
+    </dgm:style>
+  </dgm:styleLbl>
+  <dgm:styleLbl name="fgImgPlace1">
+    <dgm:scene3d>
+      <a:camera prst="orthographicFront"/>
+      <a:lightRig rig="threePt" dir="t"/>
+    </dgm:scene3d>
+    <dgm:sp3d/>
+    <dgm:txPr/>
+    <dgm:style>
+      <a:lnRef idx="2">
+        <a:scrgbClr r="0" g="0" b="0"/>
+      </a:lnRef>
+      <a:fillRef idx="1">
+        <a:scrgbClr r="0" g="0" b="0"/>
+      </a:fillRef>
+      <a:effectRef idx="0">
+        <a:scrgbClr r="0" g="0" b="0"/>
+      </a:effectRef>
+      <a:fontRef idx="minor"/>
+    </dgm:style>
+  </dgm:styleLbl>
+  <dgm:styleLbl name="alignImgPlace1">
+    <dgm:scene3d>
+      <a:camera prst="orthographicFront"/>
+      <a:lightRig rig="threePt" dir="t"/>
+    </dgm:scene3d>
+    <dgm:sp3d/>
+    <dgm:txPr/>
+    <dgm:style>
+      <a:lnRef idx="2">
+        <a:scrgbClr r="0" g="0" b="0"/>
+      </a:lnRef>
+      <a:fillRef idx="1">
+        <a:scrgbClr r="0" g="0" b="0"/>
+      </a:fillRef>
+      <a:effectRef idx="0">
+        <a:scrgbClr r="0" g="0" b="0"/>
+      </a:effectRef>
+      <a:fontRef idx="minor"/>
+    </dgm:style>
+  </dgm:styleLbl>
+  <dgm:styleLbl name="bgImgPlace1">
+    <dgm:scene3d>
+      <a:camera prst="orthographicFront"/>
+      <a:lightRig rig="threePt" dir="t"/>
+    </dgm:scene3d>
+    <dgm:sp3d/>
+    <dgm:txPr/>
+    <dgm:style>
+      <a:lnRef idx="2">
+        <a:scrgbClr r="0" g="0" b="0"/>
+      </a:lnRef>
+      <a:fillRef idx="1">
+        <a:scrgbClr r="0" g="0" b="0"/>
+      </a:fillRef>
+      <a:effectRef idx="0">
+        <a:scrgbClr r="0" g="0" b="0"/>
+      </a:effectRef>
+      <a:fontRef idx="minor"/>
+    </dgm:style>
+  </dgm:styleLbl>
+  <dgm:styleLbl name="sibTrans2D1">
+    <dgm:scene3d>
+      <a:camera prst="orthographicFront"/>
+      <a:lightRig rig="threePt" dir="t"/>
+    </dgm:scene3d>
+    <dgm:sp3d/>
+    <dgm:txPr/>
+    <dgm:style>
+      <a:lnRef idx="0">
+        <a:scrgbClr r="0" g="0" b="0"/>
+      </a:lnRef>
+      <a:fillRef idx="1">
+        <a:scrgbClr r="0" g="0" b="0"/>
+      </a:fillRef>
+      <a:effectRef idx="0">
+        <a:scrgbClr r="0" g="0" b="0"/>
+      </a:effectRef>
+      <a:fontRef idx="minor">
+        <a:schemeClr val="lt1"/>
+      </a:fontRef>
+    </dgm:style>
+  </dgm:styleLbl>
+  <dgm:styleLbl name="fgSibTrans2D1">
+    <dgm:scene3d>
+      <a:camera prst="orthographicFront"/>
+      <a:lightRig rig="threePt" dir="t"/>
+    </dgm:scene3d>
+    <dgm:sp3d/>
+    <dgm:txPr/>
+    <dgm:style>
+      <a:lnRef idx="0">
+        <a:scrgbClr r="0" g="0" b="0"/>
+      </a:lnRef>
+      <a:fillRef idx="1">
+        <a:scrgbClr r="0" g="0" b="0"/>
+      </a:fillRef>
+      <a:effectRef idx="0">
+        <a:scrgbClr r="0" g="0" b="0"/>
+      </a:effectRef>
+      <a:fontRef idx="minor">
+        <a:schemeClr val="lt1"/>
+      </a:fontRef>
+    </dgm:style>
+  </dgm:styleLbl>
+  <dgm:styleLbl name="bgSibTrans2D1">
+    <dgm:scene3d>
+      <a:camera prst="orthographicFront"/>
+      <a:lightRig rig="threePt" dir="t"/>
+    </dgm:scene3d>
+    <dgm:sp3d/>
+    <dgm:txPr/>
+    <dgm:style>
+      <a:lnRef idx="0">
+        <a:scrgbClr r="0" g="0" b="0"/>
+      </a:lnRef>
+      <a:fillRef idx="1">
+        <a:scrgbClr r="0" g="0" b="0"/>
+      </a:fillRef>
+      <a:effectRef idx="0">
+        <a:scrgbClr r="0" g="0" b="0"/>
+      </a:effectRef>
+      <a:fontRef idx="minor">
+        <a:schemeClr val="lt1"/>
+      </a:fontRef>
+    </dgm:style>
+  </dgm:styleLbl>
+  <dgm:styleLbl name="sibTrans1D1">
+    <dgm:scene3d>
+      <a:camera prst="orthographicFront"/>
+      <a:lightRig rig="threePt" dir="t"/>
+    </dgm:scene3d>
+    <dgm:sp3d/>
+    <dgm:txPr/>
+    <dgm:style>
+      <a:lnRef idx="1">
+        <a:scrgbClr r="0" g="0" b="0"/>
+      </a:lnRef>
+      <a:fillRef idx="0">
+        <a:scrgbClr r="0" g="0" b="0"/>
+      </a:fillRef>
+      <a:effectRef idx="0">
+        <a:scrgbClr r="0" g="0" b="0"/>
+      </a:effectRef>
+      <a:fontRef idx="minor"/>
+    </dgm:style>
+  </dgm:styleLbl>
+  <dgm:styleLbl name="callout">
+    <dgm:scene3d>
+      <a:camera prst="orthographicFront"/>
+      <a:lightRig rig="threePt" dir="t"/>
+    </dgm:scene3d>
+    <dgm:sp3d/>
+    <dgm:txPr/>
+    <dgm:style>
+      <a:lnRef idx="2">
+        <a:scrgbClr r="0" g="0" b="0"/>
+      </a:lnRef>
+      <a:fillRef idx="1">
+        <a:scrgbClr r="0" g="0" b="0"/>
+      </a:fillRef>
+      <a:effectRef idx="0">
+        <a:scrgbClr r="0" g="0" b="0"/>
+      </a:effectRef>
+      <a:fontRef idx="minor"/>
+    </dgm:style>
+  </dgm:styleLbl>
+  <dgm:styleLbl name="asst0">
+    <dgm:scene3d>
+      <a:camera prst="orthographicFront"/>
+      <a:lightRig rig="threePt" dir="t"/>
+    </dgm:scene3d>
+    <dgm:sp3d/>
+    <dgm:txPr/>
+    <dgm:style>
+      <a:lnRef idx="2">
+        <a:scrgbClr r="0" g="0" b="0"/>
+      </a:lnRef>
+      <a:fillRef idx="1">
+        <a:scrgbClr r="0" g="0" b="0"/>
+      </a:fillRef>
+      <a:effectRef idx="0">
+        <a:scrgbClr r="0" g="0" b="0"/>
+      </a:effectRef>
+      <a:fontRef idx="minor">
+        <a:schemeClr val="lt1"/>
+      </a:fontRef>
+    </dgm:style>
+  </dgm:styleLbl>
+  <dgm:styleLbl name="asst1">
+    <dgm:scene3d>
+      <a:camera prst="orthographicFront"/>
+      <a:lightRig rig="threePt" dir="t"/>
+    </dgm:scene3d>
+    <dgm:sp3d/>
+    <dgm:txPr/>
+    <dgm:style>
+      <a:lnRef idx="2">
+        <a:scrgbClr r="0" g="0" b="0"/>
+      </a:lnRef>
+      <a:fillRef idx="1">
+        <a:scrgbClr r="0" g="0" b="0"/>
+      </a:fillRef>
+      <a:effectRef idx="0">
+        <a:scrgbClr r="0" g="0" b="0"/>
+      </a:effectRef>
+      <a:fontRef idx="minor">
+        <a:schemeClr val="lt1"/>
+      </a:fontRef>
+    </dgm:style>
+  </dgm:styleLbl>
+  <dgm:styleLbl name="asst2">
+    <dgm:scene3d>
+      <a:camera prst="orthographicFront"/>
+      <a:lightRig rig="threePt" dir="t"/>
+    </dgm:scene3d>
+    <dgm:sp3d/>
+    <dgm:txPr/>
+    <dgm:style>
+      <a:lnRef idx="2">
+        <a:scrgbClr r="0" g="0" b="0"/>
+      </a:lnRef>
+      <a:fillRef idx="1">
+        <a:scrgbClr r="0" g="0" b="0"/>
+      </a:fillRef>
+      <a:effectRef idx="0">
+        <a:scrgbClr r="0" g="0" b="0"/>
+      </a:effectRef>
+      <a:fontRef idx="minor">
+        <a:schemeClr val="lt1"/>
+      </a:fontRef>
+    </dgm:style>
+  </dgm:styleLbl>
+  <dgm:styleLbl name="asst3">
+    <dgm:scene3d>
+      <a:camera prst="orthographicFront"/>
+      <a:lightRig rig="threePt" dir="t"/>
+    </dgm:scene3d>
+    <dgm:sp3d/>
+    <dgm:txPr/>
+    <dgm:style>
+      <a:lnRef idx="2">
+        <a:scrgbClr r="0" g="0" b="0"/>
+      </a:lnRef>
+      <a:fillRef idx="1">
+        <a:scrgbClr r="0" g="0" b="0"/>
+      </a:fillRef>
+      <a:effectRef idx="0">
+        <a:scrgbClr r="0" g="0" b="0"/>
+      </a:effectRef>
+      <a:fontRef idx="minor">
+        <a:schemeClr val="lt1"/>
+      </a:fontRef>
+    </dgm:style>
+  </dgm:styleLbl>
+  <dgm:styleLbl name="asst4">
+    <dgm:scene3d>
+      <a:camera prst="orthographicFront"/>
+      <a:lightRig rig="threePt" dir="t"/>
+    </dgm:scene3d>
+    <dgm:sp3d/>
+    <dgm:txPr/>
+    <dgm:style>
+      <a:lnRef idx="2">
+        <a:scrgbClr r="0" g="0" b="0"/>
+      </a:lnRef>
+      <a:fillRef idx="1">
+        <a:scrgbClr r="0" g="0" b="0"/>
+      </a:fillRef>
+      <a:effectRef idx="0">
+        <a:scrgbClr r="0" g="0" b="0"/>
+      </a:effectRef>
+      <a:fontRef idx="minor">
+        <a:schemeClr val="lt1"/>
+      </a:fontRef>
+    </dgm:style>
+  </dgm:styleLbl>
+  <dgm:styleLbl name="parChTrans2D1">
+    <dgm:scene3d>
+      <a:camera prst="orthographicFront"/>
+      <a:lightRig rig="threePt" dir="t"/>
+    </dgm:scene3d>
+    <dgm:sp3d/>
+    <dgm:txPr/>
+    <dgm:style>
+      <a:lnRef idx="2">
+        <a:scrgbClr r="0" g="0" b="0"/>
+      </a:lnRef>
+      <a:fillRef idx="1">
+        <a:scrgbClr r="0" g="0" b="0"/>
+      </a:fillRef>
+      <a:effectRef idx="0">
+        <a:scrgbClr r="0" g="0" b="0"/>
+      </a:effectRef>
+      <a:fontRef idx="minor">
+        <a:schemeClr val="lt1"/>
+      </a:fontRef>
+    </dgm:style>
+  </dgm:styleLbl>
+  <dgm:styleLbl name="parChTrans2D2">
+    <dgm:scene3d>
+      <a:camera prst="orthographicFront"/>
+      <a:lightRig rig="threePt" dir="t"/>
+    </dgm:scene3d>
+    <dgm:sp3d/>
+    <dgm:txPr/>
+    <dgm:style>
+      <a:lnRef idx="2">
+        <a:scrgbClr r="0" g="0" b="0"/>
+      </a:lnRef>
+      <a:fillRef idx="1">
+        <a:scrgbClr r="0" g="0" b="0"/>
+      </a:fillRef>
+      <a:effectRef idx="0">
+        <a:scrgbClr r="0" g="0" b="0"/>
+      </a:effectRef>
+      <a:fontRef idx="minor">
+        <a:schemeClr val="lt1"/>
+      </a:fontRef>
+    </dgm:style>
+  </dgm:styleLbl>
+  <dgm:styleLbl name="parChTrans2D3">
+    <dgm:scene3d>
+      <a:camera prst="orthographicFront"/>
+      <a:lightRig rig="threePt" dir="t"/>
+    </dgm:scene3d>
+    <dgm:sp3d/>
+    <dgm:txPr/>
+    <dgm:style>
+      <a:lnRef idx="2">
+        <a:scrgbClr r="0" g="0" b="0"/>
+      </a:lnRef>
+      <a:fillRef idx="1">
+        <a:scrgbClr r="0" g="0" b="0"/>
+      </a:fillRef>
+      <a:effectRef idx="0">
+        <a:scrgbClr r="0" g="0" b="0"/>
+      </a:effectRef>
+      <a:fontRef idx="minor">
+        <a:schemeClr val="lt1"/>
+      </a:fontRef>
+    </dgm:style>
+  </dgm:styleLbl>
+  <dgm:styleLbl name="parChTrans2D4">
+    <dgm:scene3d>
+      <a:camera prst="orthographicFront"/>
+      <a:lightRig rig="threePt" dir="t"/>
+    </dgm:scene3d>
+    <dgm:sp3d/>
+    <dgm:txPr/>
+    <dgm:style>
+      <a:lnRef idx="2">
+        <a:scrgbClr r="0" g="0" b="0"/>
+      </a:lnRef>
+      <a:fillRef idx="1">
+        <a:scrgbClr r="0" g="0" b="0"/>
+      </a:fillRef>
+      <a:effectRef idx="0">
+        <a:scrgbClr r="0" g="0" b="0"/>
+      </a:effectRef>
+      <a:fontRef idx="minor">
+        <a:schemeClr val="lt1"/>
+      </a:fontRef>
+    </dgm:style>
+  </dgm:styleLbl>
+  <dgm:styleLbl name="parChTrans1D1">
+    <dgm:scene3d>
+      <a:camera prst="orthographicFront"/>
+      <a:lightRig rig="threePt" dir="t"/>
+    </dgm:scene3d>
+    <dgm:sp3d/>
+    <dgm:txPr/>
+    <dgm:style>
+      <a:lnRef idx="2">
+        <a:scrgbClr r="0" g="0" b="0"/>
+      </a:lnRef>
+      <a:fillRef idx="0">
+        <a:scrgbClr r="0" g="0" b="0"/>
+      </a:fillRef>
+      <a:effectRef idx="0">
+        <a:scrgbClr r="0" g="0" b="0"/>
+      </a:effectRef>
+      <a:fontRef idx="minor"/>
+    </dgm:style>
+  </dgm:styleLbl>
+  <dgm:styleLbl name="parChTrans1D2">
+    <dgm:scene3d>
+      <a:camera prst="orthographicFront"/>
+      <a:lightRig rig="threePt" dir="t"/>
+    </dgm:scene3d>
+    <dgm:sp3d/>
+    <dgm:txPr/>
+    <dgm:style>
+      <a:lnRef idx="2">
+        <a:scrgbClr r="0" g="0" b="0"/>
+      </a:lnRef>
+      <a:fillRef idx="0">
+        <a:scrgbClr r="0" g="0" b="0"/>
+      </a:fillRef>
+      <a:effectRef idx="0">
+        <a:scrgbClr r="0" g="0" b="0"/>
+      </a:effectRef>
+      <a:fontRef idx="minor"/>
+    </dgm:style>
+  </dgm:styleLbl>
+  <dgm:styleLbl name="parChTrans1D3">
+    <dgm:scene3d>
+      <a:camera prst="orthographicFront"/>
+      <a:lightRig rig="threePt" dir="t"/>
+    </dgm:scene3d>
+    <dgm:sp3d/>
+    <dgm:txPr/>
+    <dgm:style>
+      <a:lnRef idx="2">
+        <a:scrgbClr r="0" g="0" b="0"/>
+      </a:lnRef>
+      <a:fillRef idx="0">
+        <a:scrgbClr r="0" g="0" b="0"/>
+      </a:fillRef>
+      <a:effectRef idx="0">
+        <a:scrgbClr r="0" g="0" b="0"/>
+      </a:effectRef>
+      <a:fontRef idx="minor"/>
+    </dgm:style>
+  </dgm:styleLbl>
+  <dgm:styleLbl name="parChTrans1D4">
+    <dgm:scene3d>
+      <a:camera prst="orthographicFront"/>
+      <a:lightRig rig="threePt" dir="t"/>
+    </dgm:scene3d>
+    <dgm:sp3d/>
+    <dgm:txPr/>
+    <dgm:style>
+      <a:lnRef idx="2">
+        <a:scrgbClr r="0" g="0" b="0"/>
+      </a:lnRef>
+      <a:fillRef idx="0">
+        <a:scrgbClr r="0" g="0" b="0"/>
+      </a:fillRef>
+      <a:effectRef idx="0">
+        <a:scrgbClr r="0" g="0" b="0"/>
+      </a:effectRef>
+      <a:fontRef idx="minor"/>
+    </dgm:style>
+  </dgm:styleLbl>
+  <dgm:styleLbl name="fgAcc1">
+    <dgm:scene3d>
+      <a:camera prst="orthographicFront"/>
+      <a:lightRig rig="threePt" dir="t"/>
+    </dgm:scene3d>
+    <dgm:sp3d/>
+    <dgm:txPr/>
+    <dgm:style>
+      <a:lnRef idx="2">
+        <a:scrgbClr r="0" g="0" b="0"/>
+      </a:lnRef>
+      <a:fillRef idx="1">
+        <a:scrgbClr r="0" g="0" b="0"/>
+      </a:fillRef>
+      <a:effectRef idx="0">
+        <a:scrgbClr r="0" g="0" b="0"/>
+      </a:effectRef>
+      <a:fontRef idx="minor"/>
+    </dgm:style>
+  </dgm:styleLbl>
+  <dgm:styleLbl name="conFgAcc1">
+    <dgm:scene3d>
+      <a:camera prst="orthographicFront"/>
+      <a:lightRig rig="threePt" dir="t"/>
+    </dgm:scene3d>
+    <dgm:sp3d/>
+    <dgm:txPr/>
+    <dgm:style>
+      <a:lnRef idx="2">
+        <a:scrgbClr r="0" g="0" b="0"/>
+      </a:lnRef>
+      <a:fillRef idx="1">
+        <a:scrgbClr r="0" g="0" b="0"/>
+      </a:fillRef>
+      <a:effectRef idx="0">
+        <a:scrgbClr r="0" g="0" b="0"/>
+      </a:effectRef>
+      <a:fontRef idx="minor"/>
+    </dgm:style>
+  </dgm:styleLbl>
+  <dgm:styleLbl name="alignAcc1">
+    <dgm:scene3d>
+      <a:camera prst="orthographicFront"/>
+      <a:lightRig rig="threePt" dir="t"/>
+    </dgm:scene3d>
+    <dgm:sp3d/>
+    <dgm:txPr/>
+    <dgm:style>
+      <a:lnRef idx="2">
+        <a:scrgbClr r="0" g="0" b="0"/>
+      </a:lnRef>
+      <a:fillRef idx="1">
+        <a:scrgbClr r="0" g="0" b="0"/>
+      </a:fillRef>
+      <a:effectRef idx="0">
+        <a:scrgbClr r="0" g="0" b="0"/>
+      </a:effectRef>
+      <a:fontRef idx="minor"/>
+    </dgm:style>
+  </dgm:styleLbl>
+  <dgm:styleLbl name="trAlignAcc1">
+    <dgm:scene3d>
+      <a:camera prst="orthographicFront"/>
+      <a:lightRig rig="threePt" dir="t"/>
+    </dgm:scene3d>
+    <dgm:sp3d/>
+    <dgm:txPr/>
+    <dgm:style>
+      <a:lnRef idx="1">
+        <a:scrgbClr r="0" g="0" b="0"/>
+      </a:lnRef>
+      <a:fillRef idx="1">
+        <a:scrgbClr r="0" g="0" b="0"/>
+      </a:fillRef>
+      <a:effectRef idx="0">
+        <a:scrgbClr r="0" g="0" b="0"/>
+      </a:effectRef>
+      <a:fontRef idx="minor"/>
+    </dgm:style>
+  </dgm:styleLbl>
+  <dgm:styleLbl name="bgAcc1">
+    <dgm:scene3d>
+      <a:camera prst="orthographicFront"/>
+      <a:lightRig rig="threePt" dir="t"/>
+    </dgm:scene3d>
+    <dgm:sp3d/>
+    <dgm:txPr/>
+    <dgm:style>
+      <a:lnRef idx="2">
+        <a:scrgbClr r="0" g="0" b="0"/>
+      </a:lnRef>
+      <a:fillRef idx="1">
+        <a:scrgbClr r="0" g="0" b="0"/>
+      </a:fillRef>
+      <a:effectRef idx="0">
+        <a:scrgbClr r="0" g="0" b="0"/>
+      </a:effectRef>
+      <a:fontRef idx="minor"/>
+    </dgm:style>
+  </dgm:styleLbl>
+  <dgm:styleLbl name="solidFgAcc1">
+    <dgm:scene3d>
+      <a:camera prst="orthographicFront"/>
+      <a:lightRig rig="threePt" dir="t"/>
+    </dgm:scene3d>
+    <dgm:sp3d/>
+    <dgm:txPr/>
+    <dgm:style>
+      <a:lnRef idx="2">
+        <a:scrgbClr r="0" g="0" b="0"/>
+      </a:lnRef>
+      <a:fillRef idx="1">
+        <a:scrgbClr r="0" g="0" b="0"/>
+      </a:fillRef>
+      <a:effectRef idx="0">
+        <a:scrgbClr r="0" g="0" b="0"/>
+      </a:effectRef>
+      <a:fontRef idx="minor"/>
+    </dgm:style>
+  </dgm:styleLbl>
+  <dgm:styleLbl name="solidAlignAcc1">
+    <dgm:scene3d>
+      <a:camera prst="orthographicFront"/>
+      <a:lightRig rig="threePt" dir="t"/>
+    </dgm:scene3d>
+    <dgm:sp3d/>
+    <dgm:txPr/>
+    <dgm:style>
+      <a:lnRef idx="2">
+        <a:scrgbClr r="0" g="0" b="0"/>
+      </a:lnRef>
+      <a:fillRef idx="1">
+        <a:scrgbClr r="0" g="0" b="0"/>
+      </a:fillRef>
+      <a:effectRef idx="0">
+        <a:scrgbClr r="0" g="0" b="0"/>
+      </a:effectRef>
+      <a:fontRef idx="minor"/>
+    </dgm:style>
+  </dgm:styleLbl>
+  <dgm:styleLbl name="solidBgAcc1">
+    <dgm:scene3d>
+      <a:camera prst="orthographicFront"/>
+      <a:lightRig rig="threePt" dir="t"/>
+    </dgm:scene3d>
+    <dgm:sp3d/>
+    <dgm:txPr/>
+    <dgm:style>
+      <a:lnRef idx="2">
+        <a:scrgbClr r="0" g="0" b="0"/>
+      </a:lnRef>
+      <a:fillRef idx="1">
+        <a:scrgbClr r="0" g="0" b="0"/>
+      </a:fillRef>
+      <a:effectRef idx="0">
+        <a:scrgbClr r="0" g="0" b="0"/>
+      </a:effectRef>
+      <a:fontRef idx="minor"/>
+    </dgm:style>
+  </dgm:styleLbl>
+  <dgm:styleLbl name="fgAccFollowNode1">
+    <dgm:scene3d>
+      <a:camera prst="orthographicFront"/>
+      <a:lightRig rig="threePt" dir="t"/>
+    </dgm:scene3d>
+    <dgm:sp3d/>
+    <dgm:txPr/>
+    <dgm:style>
+      <a:lnRef idx="2">
+        <a:scrgbClr r="0" g="0" b="0"/>
+      </a:lnRef>
+      <a:fillRef idx="1">
+        <a:scrgbClr r="0" g="0" b="0"/>
+      </a:fillRef>
+      <a:effectRef idx="0">
+        <a:scrgbClr r="0" g="0" b="0"/>
+      </a:effectRef>
+      <a:fontRef idx="minor"/>
+    </dgm:style>
+  </dgm:styleLbl>
+  <dgm:styleLbl name="alignAccFollowNode1">
+    <dgm:scene3d>
+      <a:camera prst="orthographicFront"/>
+      <a:lightRig rig="threePt" dir="t"/>
+    </dgm:scene3d>
+    <dgm:sp3d/>
+    <dgm:txPr/>
+    <dgm:style>
+      <a:lnRef idx="2">
+        <a:scrgbClr r="0" g="0" b="0"/>
+      </a:lnRef>
+      <a:fillRef idx="1">
+        <a:scrgbClr r="0" g="0" b="0"/>
+      </a:fillRef>
+      <a:effectRef idx="0">
+        <a:scrgbClr r="0" g="0" b="0"/>
+      </a:effectRef>
+      <a:fontRef idx="minor"/>
+    </dgm:style>
+  </dgm:styleLbl>
+  <dgm:styleLbl name="bgAccFollowNode1">
+    <dgm:scene3d>
+      <a:camera prst="orthographicFront"/>
+      <a:lightRig rig="threePt" dir="t"/>
+    </dgm:scene3d>
+    <dgm:sp3d/>
+    <dgm:txPr/>
+    <dgm:style>
+      <a:lnRef idx="2">
+        <a:scrgbClr r="0" g="0" b="0"/>
+      </a:lnRef>
+      <a:fillRef idx="1">
+        <a:scrgbClr r="0" g="0" b="0"/>
+      </a:fillRef>
+      <a:effectRef idx="0">
+        <a:scrgbClr r="0" g="0" b="0"/>
+      </a:effectRef>
+      <a:fontRef idx="minor"/>
+    </dgm:style>
+  </dgm:styleLbl>
+  <dgm:styleLbl name="fgAcc0">
+    <dgm:scene3d>
+      <a:camera prst="orthographicFront"/>
+      <a:lightRig rig="threePt" dir="t"/>
+    </dgm:scene3d>
+    <dgm:sp3d/>
+    <dgm:txPr/>
+    <dgm:style>
+      <a:lnRef idx="2">
+        <a:scrgbClr r="0" g="0" b="0"/>
+      </a:lnRef>
+      <a:fillRef idx="1">
+        <a:scrgbClr r="0" g="0" b="0"/>
+      </a:fillRef>
+      <a:effectRef idx="0">
+        <a:scrgbClr r="0" g="0" b="0"/>
+      </a:effectRef>
+      <a:fontRef idx="minor"/>
+    </dgm:style>
+  </dgm:styleLbl>
+  <dgm:styleLbl name="fgAcc2">
+    <dgm:scene3d>
+      <a:camera prst="orthographicFront"/>
+      <a:lightRig rig="threePt" dir="t"/>
+    </dgm:scene3d>
+    <dgm:sp3d/>
+    <dgm:txPr/>
+    <dgm:style>
+      <a:lnRef idx="2">
+        <a:scrgbClr r="0" g="0" b="0"/>
+      </a:lnRef>
+      <a:fillRef idx="1">
+        <a:scrgbClr r="0" g="0" b="0"/>
+      </a:fillRef>
+      <a:effectRef idx="0">
+        <a:scrgbClr r="0" g="0" b="0"/>
+      </a:effectRef>
+      <a:fontRef idx="minor"/>
+    </dgm:style>
+  </dgm:styleLbl>
+  <dgm:styleLbl name="fgAcc3">
+    <dgm:scene3d>
+      <a:camera prst="orthographicFront"/>
+      <a:lightRig rig="threePt" dir="t"/>
+    </dgm:scene3d>
+    <dgm:sp3d/>
+    <dgm:txPr/>
+    <dgm:style>
+      <a:lnRef idx="2">
+        <a:scrgbClr r="0" g="0" b="0"/>
+      </a:lnRef>
+      <a:fillRef idx="1">
+        <a:scrgbClr r="0" g="0" b="0"/>
+      </a:fillRef>
+      <a:effectRef idx="0">
+        <a:scrgbClr r="0" g="0" b="0"/>
+      </a:effectRef>
+      <a:fontRef idx="minor"/>
+    </dgm:style>
+  </dgm:styleLbl>
+  <dgm:styleLbl name="fgAcc4">
+    <dgm:scene3d>
+      <a:camera prst="orthographicFront"/>
+      <a:lightRig rig="threePt" dir="t"/>
+    </dgm:scene3d>
+    <dgm:sp3d/>
+    <dgm:txPr/>
+    <dgm:style>
+      <a:lnRef idx="2">
+        <a:scrgbClr r="0" g="0" b="0"/>
+      </a:lnRef>
+      <a:fillRef idx="1">
+        <a:scrgbClr r="0" g="0" b="0"/>
+      </a:fillRef>
+      <a:effectRef idx="0">
+        <a:scrgbClr r="0" g="0" b="0"/>
+      </a:effectRef>
+      <a:fontRef idx="minor"/>
+    </dgm:style>
+  </dgm:styleLbl>
+  <dgm:styleLbl name="bgShp">
+    <dgm:scene3d>
+      <a:camera prst="orthographicFront"/>
+      <a:lightRig rig="threePt" dir="t"/>
+    </dgm:scene3d>
+    <dgm:sp3d/>
+    <dgm:txPr/>
+    <dgm:style>
+      <a:lnRef idx="0">
+        <a:scrgbClr r="0" g="0" b="0"/>
+      </a:lnRef>
+      <a:fillRef idx="1">
+        <a:scrgbClr r="0" g="0" b="0"/>
+      </a:fillRef>
+      <a:effectRef idx="0">
+        <a:scrgbClr r="0" g="0" b="0"/>
+      </a:effectRef>
+      <a:fontRef idx="minor"/>
+    </dgm:style>
+  </dgm:styleLbl>
+  <dgm:styleLbl name="dkBgShp">
+    <dgm:scene3d>
+      <a:camera prst="orthographicFront"/>
+      <a:lightRig rig="threePt" dir="t"/>
+    </dgm:scene3d>
+    <dgm:sp3d/>
+    <dgm:txPr/>
+    <dgm:style>
+      <a:lnRef idx="0">
+        <a:scrgbClr r="0" g="0" b="0"/>
+      </a:lnRef>
+      <a:fillRef idx="1">
+        <a:scrgbClr r="0" g="0" b="0"/>
+      </a:fillRef>
+      <a:effectRef idx="0">
+        <a:scrgbClr r="0" g="0" b="0"/>
+      </a:effectRef>
+      <a:fontRef idx="minor"/>
+    </dgm:style>
+  </dgm:styleLbl>
+  <dgm:styleLbl name="trBgShp">
+    <dgm:scene3d>
+      <a:camera prst="orthographicFront"/>
+      <a:lightRig rig="threePt" dir="t"/>
+    </dgm:scene3d>
+    <dgm:sp3d/>
+    <dgm:txPr/>
+    <dgm:style>
+      <a:lnRef idx="0">
+        <a:scrgbClr r="0" g="0" b="0"/>
+      </a:lnRef>
+      <a:fillRef idx="1">
+        <a:scrgbClr r="0" g="0" b="0"/>
+      </a:fillRef>
+      <a:effectRef idx="0">
+        <a:scrgbClr r="0" g="0" b="0"/>
+      </a:effectRef>
+      <a:fontRef idx="minor"/>
+    </dgm:style>
+  </dgm:styleLbl>
+  <dgm:styleLbl name="fgShp">
+    <dgm:scene3d>
+      <a:camera prst="orthographicFront"/>
+      <a:lightRig rig="threePt" dir="t"/>
+    </dgm:scene3d>
+    <dgm:sp3d/>
+    <dgm:txPr/>
+    <dgm:style>
+      <a:lnRef idx="2">
+        <a:scrgbClr r="0" g="0" b="0"/>
+      </a:lnRef>
+      <a:fillRef idx="1">
+        <a:scrgbClr r="0" g="0" b="0"/>
+      </a:fillRef>
+      <a:effectRef idx="0">
+        <a:scrgbClr r="0" g="0" b="0"/>
+      </a:effectRef>
+      <a:fontRef idx="minor"/>
+    </dgm:style>
+  </dgm:styleLbl>
+  <dgm:styleLbl name="revTx">
+    <dgm:scene3d>
+      <a:camera prst="orthographicFront"/>
+      <a:lightRig rig="threePt" dir="t"/>
+    </dgm:scene3d>
+    <dgm:sp3d/>
+    <dgm:txPr/>
+    <dgm:style>
+      <a:lnRef idx="0">
+        <a:scrgbClr r="0" g="0" b="0"/>
+      </a:lnRef>
+      <a:fillRef idx="0">
+        <a:scrgbClr r="0" g="0" b="0"/>
+      </a:fillRef>
+      <a:effectRef idx="0">
+        <a:scrgbClr r="0" g="0" b="0"/>
+      </a:effectRef>
+      <a:fontRef idx="minor"/>
+    </dgm:style>
+  </dgm:styleLbl>
+</dgm:styleDef>
+</file>
+
+<file path=ppt/diagrams/quickStyle2.xml><?xml version="1.0" encoding="utf-8"?>
+<dgm:styleDef xmlns:dgm="http://schemas.openxmlformats.org/drawingml/2006/diagram" xmlns:a="http://schemas.openxmlformats.org/drawingml/2006/main" uniqueId="urn:microsoft.com/office/officeart/2005/8/quickstyle/simple1">
+  <dgm:title val=""/>
+  <dgm:desc val=""/>
+  <dgm:catLst>
+    <dgm:cat type="simple" pri="10100"/>
+  </dgm:catLst>
+  <dgm:scene3d>
+    <a:camera prst="orthographicFront"/>
+    <a:lightRig rig="threePt" dir="t"/>
+  </dgm:scene3d>
+  <dgm:styleLbl name="node0">
+    <dgm:scene3d>
+      <a:camera prst="orthographicFront"/>
+      <a:lightRig rig="threePt" dir="t"/>
+    </dgm:scene3d>
+    <dgm:sp3d/>
+    <dgm:txPr/>
+    <dgm:style>
+      <a:lnRef idx="2">
+        <a:scrgbClr r="0" g="0" b="0"/>
+      </a:lnRef>
+      <a:fillRef idx="1">
+        <a:scrgbClr r="0" g="0" b="0"/>
+      </a:fillRef>
+      <a:effectRef idx="0">
+        <a:scrgbClr r="0" g="0" b="0"/>
+      </a:effectRef>
+      <a:fontRef idx="minor">
+        <a:schemeClr val="lt1"/>
+      </a:fontRef>
+    </dgm:style>
+  </dgm:styleLbl>
+  <dgm:styleLbl name="lnNode1">
+    <dgm:scene3d>
+      <a:camera prst="orthographicFront"/>
+      <a:lightRig rig="threePt" dir="t"/>
+    </dgm:scene3d>
+    <dgm:sp3d/>
+    <dgm:txPr/>
+    <dgm:style>
+      <a:lnRef idx="2">
+        <a:scrgbClr r="0" g="0" b="0"/>
+      </a:lnRef>
+      <a:fillRef idx="1">
+        <a:scrgbClr r="0" g="0" b="0"/>
+      </a:fillRef>
+      <a:effectRef idx="0">
+        <a:scrgbClr r="0" g="0" b="0"/>
+      </a:effectRef>
+      <a:fontRef idx="minor">
+        <a:schemeClr val="lt1"/>
+      </a:fontRef>
+    </dgm:style>
+  </dgm:styleLbl>
+  <dgm:styleLbl name="vennNode1">
+    <dgm:scene3d>
+      <a:camera prst="orthographicFront"/>
+      <a:lightRig rig="threePt" dir="t"/>
+    </dgm:scene3d>
+    <dgm:sp3d/>
+    <dgm:txPr/>
+    <dgm:style>
+      <a:lnRef idx="2">
+        <a:scrgbClr r="0" g="0" b="0"/>
+      </a:lnRef>
+      <a:fillRef idx="1">
+        <a:scrgbClr r="0" g="0" b="0"/>
+      </a:fillRef>
+      <a:effectRef idx="0">
+        <a:scrgbClr r="0" g="0" b="0"/>
+      </a:effectRef>
+      <a:fontRef idx="minor">
+        <a:schemeClr val="tx1"/>
+      </a:fontRef>
+    </dgm:style>
+  </dgm:styleLbl>
+  <dgm:styleLbl name="alignNode1">
+    <dgm:scene3d>
+      <a:camera prst="orthographicFront"/>
+      <a:lightRig rig="threePt" dir="t"/>
+    </dgm:scene3d>
+    <dgm:sp3d/>
+    <dgm:txPr/>
+    <dgm:style>
+      <a:lnRef idx="2">
+        <a:scrgbClr r="0" g="0" b="0"/>
+      </a:lnRef>
+      <a:fillRef idx="1">
+        <a:scrgbClr r="0" g="0" b="0"/>
+      </a:fillRef>
+      <a:effectRef idx="0">
+        <a:scrgbClr r="0" g="0" b="0"/>
+      </a:effectRef>
+      <a:fontRef idx="minor">
+        <a:schemeClr val="lt1"/>
+      </a:fontRef>
+    </dgm:style>
+  </dgm:styleLbl>
+  <dgm:styleLbl name="node1">
+    <dgm:scene3d>
+      <a:camera prst="orthographicFront"/>
+      <a:lightRig rig="threePt" dir="t"/>
+    </dgm:scene3d>
+    <dgm:sp3d/>
+    <dgm:txPr/>
+    <dgm:style>
+      <a:lnRef idx="2">
+        <a:scrgbClr r="0" g="0" b="0"/>
+      </a:lnRef>
+      <a:fillRef idx="1">
+        <a:scrgbClr r="0" g="0" b="0"/>
+      </a:fillRef>
+      <a:effectRef idx="0">
+        <a:scrgbClr r="0" g="0" b="0"/>
+      </a:effectRef>
+      <a:fontRef idx="minor">
+        <a:schemeClr val="lt1"/>
+      </a:fontRef>
+    </dgm:style>
+  </dgm:styleLbl>
+  <dgm:styleLbl name="node2">
+    <dgm:scene3d>
+      <a:camera prst="orthographicFront"/>
+      <a:lightRig rig="threePt" dir="t"/>
+    </dgm:scene3d>
+    <dgm:sp3d/>
+    <dgm:txPr/>
+    <dgm:style>
+      <a:lnRef idx="2">
+        <a:scrgbClr r="0" g="0" b="0"/>
+      </a:lnRef>
+      <a:fillRef idx="1">
+        <a:scrgbClr r="0" g="0" b="0"/>
+      </a:fillRef>
+      <a:effectRef idx="0">
+        <a:scrgbClr r="0" g="0" b="0"/>
+      </a:effectRef>
+      <a:fontRef idx="minor">
+        <a:schemeClr val="lt1"/>
+      </a:fontRef>
+    </dgm:style>
+  </dgm:styleLbl>
+  <dgm:styleLbl name="node3">
+    <dgm:scene3d>
+      <a:camera prst="orthographicFront"/>
+      <a:lightRig rig="threePt" dir="t"/>
+    </dgm:scene3d>
+    <dgm:sp3d/>
+    <dgm:txPr/>
+    <dgm:style>
+      <a:lnRef idx="2">
+        <a:scrgbClr r="0" g="0" b="0"/>
+      </a:lnRef>
+      <a:fillRef idx="1">
+        <a:scrgbClr r="0" g="0" b="0"/>
+      </a:fillRef>
+      <a:effectRef idx="0">
+        <a:scrgbClr r="0" g="0" b="0"/>
+      </a:effectRef>
+      <a:fontRef idx="minor">
+        <a:schemeClr val="lt1"/>
+      </a:fontRef>
+    </dgm:style>
+  </dgm:styleLbl>
+  <dgm:styleLbl name="node4">
+    <dgm:scene3d>
+      <a:camera prst="orthographicFront"/>
+      <a:lightRig rig="threePt" dir="t"/>
+    </dgm:scene3d>
+    <dgm:sp3d/>
+    <dgm:txPr/>
+    <dgm:style>
+      <a:lnRef idx="2">
+        <a:scrgbClr r="0" g="0" b="0"/>
+      </a:lnRef>
+      <a:fillRef idx="1">
+        <a:scrgbClr r="0" g="0" b="0"/>
+      </a:fillRef>
+      <a:effectRef idx="0">
+        <a:scrgbClr r="0" g="0" b="0"/>
+      </a:effectRef>
+      <a:fontRef idx="minor">
+        <a:schemeClr val="lt1"/>
+      </a:fontRef>
+    </dgm:style>
+  </dgm:styleLbl>
+  <dgm:styleLbl name="fgImgPlace1">
+    <dgm:scene3d>
+      <a:camera prst="orthographicFront"/>
+      <a:lightRig rig="threePt" dir="t"/>
+    </dgm:scene3d>
+    <dgm:sp3d/>
+    <dgm:txPr/>
+    <dgm:style>
+      <a:lnRef idx="2">
+        <a:scrgbClr r="0" g="0" b="0"/>
+      </a:lnRef>
+      <a:fillRef idx="1">
+        <a:scrgbClr r="0" g="0" b="0"/>
+      </a:fillRef>
+      <a:effectRef idx="0">
+        <a:scrgbClr r="0" g="0" b="0"/>
+      </a:effectRef>
+      <a:fontRef idx="minor"/>
+    </dgm:style>
+  </dgm:styleLbl>
+  <dgm:styleLbl name="alignImgPlace1">
+    <dgm:scene3d>
+      <a:camera prst="orthographicFront"/>
+      <a:lightRig rig="threePt" dir="t"/>
+    </dgm:scene3d>
+    <dgm:sp3d/>
+    <dgm:txPr/>
+    <dgm:style>
+      <a:lnRef idx="2">
+        <a:scrgbClr r="0" g="0" b="0"/>
+      </a:lnRef>
+      <a:fillRef idx="1">
+        <a:scrgbClr r="0" g="0" b="0"/>
+      </a:fillRef>
+      <a:effectRef idx="0">
+        <a:scrgbClr r="0" g="0" b="0"/>
+      </a:effectRef>
+      <a:fontRef idx="minor"/>
+    </dgm:style>
+  </dgm:styleLbl>
+  <dgm:styleLbl name="bgImgPlace1">
+    <dgm:scene3d>
+      <a:camera prst="orthographicFront"/>
+      <a:lightRig rig="threePt" dir="t"/>
+    </dgm:scene3d>
+    <dgm:sp3d/>
+    <dgm:txPr/>
+    <dgm:style>
+      <a:lnRef idx="2">
+        <a:scrgbClr r="0" g="0" b="0"/>
+      </a:lnRef>
+      <a:fillRef idx="1">
+        <a:scrgbClr r="0" g="0" b="0"/>
+      </a:fillRef>
+      <a:effectRef idx="0">
+        <a:scrgbClr r="0" g="0" b="0"/>
+      </a:effectRef>
+      <a:fontRef idx="minor"/>
+    </dgm:style>
+  </dgm:styleLbl>
+  <dgm:styleLbl name="sibTrans2D1">
+    <dgm:scene3d>
+      <a:camera prst="orthographicFront"/>
+      <a:lightRig rig="threePt" dir="t"/>
+    </dgm:scene3d>
+    <dgm:sp3d/>
+    <dgm:txPr/>
+    <dgm:style>
+      <a:lnRef idx="0">
+        <a:scrgbClr r="0" g="0" b="0"/>
+      </a:lnRef>
+      <a:fillRef idx="1">
+        <a:scrgbClr r="0" g="0" b="0"/>
+      </a:fillRef>
+      <a:effectRef idx="0">
+        <a:scrgbClr r="0" g="0" b="0"/>
+      </a:effectRef>
+      <a:fontRef idx="minor">
+        <a:schemeClr val="lt1"/>
+      </a:fontRef>
+    </dgm:style>
+  </dgm:styleLbl>
+  <dgm:styleLbl name="fgSibTrans2D1">
+    <dgm:scene3d>
+      <a:camera prst="orthographicFront"/>
+      <a:lightRig rig="threePt" dir="t"/>
+    </dgm:scene3d>
+    <dgm:sp3d/>
+    <dgm:txPr/>
+    <dgm:style>
+      <a:lnRef idx="0">
+        <a:scrgbClr r="0" g="0" b="0"/>
+      </a:lnRef>
+      <a:fillRef idx="1">
+        <a:scrgbClr r="0" g="0" b="0"/>
+      </a:fillRef>
+      <a:effectRef idx="0">
+        <a:scrgbClr r="0" g="0" b="0"/>
+      </a:effectRef>
+      <a:fontRef idx="minor">
+        <a:schemeClr val="lt1"/>
+      </a:fontRef>
+    </dgm:style>
+  </dgm:styleLbl>
+  <dgm:styleLbl name="bgSibTrans2D1">
+    <dgm:scene3d>
+      <a:camera prst="orthographicFront"/>
+      <a:lightRig rig="threePt" dir="t"/>
+    </dgm:scene3d>
+    <dgm:sp3d/>
+    <dgm:txPr/>
+    <dgm:style>
+      <a:lnRef idx="0">
+        <a:scrgbClr r="0" g="0" b="0"/>
+      </a:lnRef>
+      <a:fillRef idx="1">
+        <a:scrgbClr r="0" g="0" b="0"/>
+      </a:fillRef>
+      <a:effectRef idx="0">
+        <a:scrgbClr r="0" g="0" b="0"/>
+      </a:effectRef>
+      <a:fontRef idx="minor">
+        <a:schemeClr val="lt1"/>
+      </a:fontRef>
+    </dgm:style>
+  </dgm:styleLbl>
+  <dgm:styleLbl name="sibTrans1D1">
+    <dgm:scene3d>
+      <a:camera prst="orthographicFront"/>
+      <a:lightRig rig="threePt" dir="t"/>
+    </dgm:scene3d>
+    <dgm:sp3d/>
+    <dgm:txPr/>
+    <dgm:style>
+      <a:lnRef idx="1">
+        <a:scrgbClr r="0" g="0" b="0"/>
+      </a:lnRef>
+      <a:fillRef idx="0">
+        <a:scrgbClr r="0" g="0" b="0"/>
+      </a:fillRef>
+      <a:effectRef idx="0">
+        <a:scrgbClr r="0" g="0" b="0"/>
+      </a:effectRef>
+      <a:fontRef idx="minor"/>
+    </dgm:style>
+  </dgm:styleLbl>
+  <dgm:styleLbl name="callout">
+    <dgm:scene3d>
+      <a:camera prst="orthographicFront"/>
+      <a:lightRig rig="threePt" dir="t"/>
+    </dgm:scene3d>
+    <dgm:sp3d/>
+    <dgm:txPr/>
+    <dgm:style>
+      <a:lnRef idx="2">
+        <a:scrgbClr r="0" g="0" b="0"/>
+      </a:lnRef>
+      <a:fillRef idx="1">
+        <a:scrgbClr r="0" g="0" b="0"/>
+      </a:fillRef>
+      <a:effectRef idx="0">
+        <a:scrgbClr r="0" g="0" b="0"/>
+      </a:effectRef>
+      <a:fontRef idx="minor"/>
+    </dgm:style>
+  </dgm:styleLbl>
+  <dgm:styleLbl name="asst0">
+    <dgm:scene3d>
+      <a:camera prst="orthographicFront"/>
+      <a:lightRig rig="threePt" dir="t"/>
+    </dgm:scene3d>
+    <dgm:sp3d/>
+    <dgm:txPr/>
+    <dgm:style>
+      <a:lnRef idx="2">
+        <a:scrgbClr r="0" g="0" b="0"/>
+      </a:lnRef>
+      <a:fillRef idx="1">
+        <a:scrgbClr r="0" g="0" b="0"/>
+      </a:fillRef>
+      <a:effectRef idx="0">
+        <a:scrgbClr r="0" g="0" b="0"/>
+      </a:effectRef>
+      <a:fontRef idx="minor">
+        <a:schemeClr val="lt1"/>
+      </a:fontRef>
+    </dgm:style>
+  </dgm:styleLbl>
+  <dgm:styleLbl name="asst1">
+    <dgm:scene3d>
+      <a:camera prst="orthographicFront"/>
+      <a:lightRig rig="threePt" dir="t"/>
+    </dgm:scene3d>
+    <dgm:sp3d/>
+    <dgm:txPr/>
+    <dgm:style>
+      <a:lnRef idx="2">
+        <a:scrgbClr r="0" g="0" b="0"/>
+      </a:lnRef>
+      <a:fillRef idx="1">
+        <a:scrgbClr r="0" g="0" b="0"/>
+      </a:fillRef>
+      <a:effectRef idx="0">
+        <a:scrgbClr r="0" g="0" b="0"/>
+      </a:effectRef>
+      <a:fontRef idx="minor">
+        <a:schemeClr val="lt1"/>
+      </a:fontRef>
+    </dgm:style>
+  </dgm:styleLbl>
+  <dgm:styleLbl name="asst2">
+    <dgm:scene3d>
+      <a:camera prst="orthographicFront"/>
+      <a:lightRig rig="threePt" dir="t"/>
+    </dgm:scene3d>
+    <dgm:sp3d/>
+    <dgm:txPr/>
+    <dgm:style>
+      <a:lnRef idx="2">
+        <a:scrgbClr r="0" g="0" b="0"/>
+      </a:lnRef>
+      <a:fillRef idx="1">
+        <a:scrgbClr r="0" g="0" b="0"/>
+      </a:fillRef>
+      <a:effectRef idx="0">
+        <a:scrgbClr r="0" g="0" b="0"/>
+      </a:effectRef>
+      <a:fontRef idx="minor">
+        <a:schemeClr val="lt1"/>
+      </a:fontRef>
+    </dgm:style>
+  </dgm:styleLbl>
+  <dgm:styleLbl name="asst3">
+    <dgm:scene3d>
+      <a:camera prst="orthographicFront"/>
+      <a:lightRig rig="threePt" dir="t"/>
+    </dgm:scene3d>
+    <dgm:sp3d/>
+    <dgm:txPr/>
+    <dgm:style>
+      <a:lnRef idx="2">
+        <a:scrgbClr r="0" g="0" b="0"/>
+      </a:lnRef>
+      <a:fillRef idx="1">
+        <a:scrgbClr r="0" g="0" b="0"/>
+      </a:fillRef>
+      <a:effectRef idx="0">
+        <a:scrgbClr r="0" g="0" b="0"/>
+      </a:effectRef>
+      <a:fontRef idx="minor">
+        <a:schemeClr val="lt1"/>
+      </a:fontRef>
+    </dgm:style>
+  </dgm:styleLbl>
+  <dgm:styleLbl name="asst4">
+    <dgm:scene3d>
+      <a:camera prst="orthographicFront"/>
+      <a:lightRig rig="threePt" dir="t"/>
+    </dgm:scene3d>
+    <dgm:sp3d/>
+    <dgm:txPr/>
+    <dgm:style>
+      <a:lnRef idx="2">
+        <a:scrgbClr r="0" g="0" b="0"/>
+      </a:lnRef>
+      <a:fillRef idx="1">
+        <a:scrgbClr r="0" g="0" b="0"/>
+      </a:fillRef>
+      <a:effectRef idx="0">
+        <a:scrgbClr r="0" g="0" b="0"/>
+      </a:effectRef>
+      <a:fontRef idx="minor">
+        <a:schemeClr val="lt1"/>
+      </a:fontRef>
+    </dgm:style>
+  </dgm:styleLbl>
+  <dgm:styleLbl name="parChTrans2D1">
+    <dgm:scene3d>
+      <a:camera prst="orthographicFront"/>
+      <a:lightRig rig="threePt" dir="t"/>
+    </dgm:scene3d>
+    <dgm:sp3d/>
+    <dgm:txPr/>
+    <dgm:style>
+      <a:lnRef idx="2">
+        <a:scrgbClr r="0" g="0" b="0"/>
+      </a:lnRef>
+      <a:fillRef idx="1">
+        <a:scrgbClr r="0" g="0" b="0"/>
+      </a:fillRef>
+      <a:effectRef idx="0">
+        <a:scrgbClr r="0" g="0" b="0"/>
+      </a:effectRef>
+      <a:fontRef idx="minor">
+        <a:schemeClr val="lt1"/>
+      </a:fontRef>
+    </dgm:style>
+  </dgm:styleLbl>
+  <dgm:styleLbl name="parChTrans2D2">
+    <dgm:scene3d>
+      <a:camera prst="orthographicFront"/>
+      <a:lightRig rig="threePt" dir="t"/>
+    </dgm:scene3d>
+    <dgm:sp3d/>
+    <dgm:txPr/>
+    <dgm:style>
+      <a:lnRef idx="2">
+        <a:scrgbClr r="0" g="0" b="0"/>
+      </a:lnRef>
+      <a:fillRef idx="1">
+        <a:scrgbClr r="0" g="0" b="0"/>
+      </a:fillRef>
+      <a:effectRef idx="0">
+        <a:scrgbClr r="0" g="0" b="0"/>
+      </a:effectRef>
+      <a:fontRef idx="minor">
+        <a:schemeClr val="lt1"/>
+      </a:fontRef>
+    </dgm:style>
+  </dgm:styleLbl>
+  <dgm:styleLbl name="parChTrans2D3">
+    <dgm:scene3d>
+      <a:camera prst="orthographicFront"/>
+      <a:lightRig rig="threePt" dir="t"/>
+    </dgm:scene3d>
+    <dgm:sp3d/>
+    <dgm:txPr/>
+    <dgm:style>
+      <a:lnRef idx="2">
+        <a:scrgbClr r="0" g="0" b="0"/>
+      </a:lnRef>
+      <a:fillRef idx="1">
+        <a:scrgbClr r="0" g="0" b="0"/>
+      </a:fillRef>
+      <a:effectRef idx="0">
+        <a:scrgbClr r="0" g="0" b="0"/>
+      </a:effectRef>
+      <a:fontRef idx="minor">
+        <a:schemeClr val="lt1"/>
+      </a:fontRef>
+    </dgm:style>
+  </dgm:styleLbl>
+  <dgm:styleLbl name="parChTrans2D4">
+    <dgm:scene3d>
+      <a:camera prst="orthographicFront"/>
+      <a:lightRig rig="threePt" dir="t"/>
+    </dgm:scene3d>
+    <dgm:sp3d/>
+    <dgm:txPr/>
+    <dgm:style>
+      <a:lnRef idx="2">
+        <a:scrgbClr r="0" g="0" b="0"/>
+      </a:lnRef>
+      <a:fillRef idx="1">
+        <a:scrgbClr r="0" g="0" b="0"/>
+      </a:fillRef>
+      <a:effectRef idx="0">
+        <a:scrgbClr r="0" g="0" b="0"/>
+      </a:effectRef>
+      <a:fontRef idx="minor">
+        <a:schemeClr val="lt1"/>
+      </a:fontRef>
+    </dgm:style>
+  </dgm:styleLbl>
+  <dgm:styleLbl name="parChTrans1D1">
+    <dgm:scene3d>
+      <a:camera prst="orthographicFront"/>
+      <a:lightRig rig="threePt" dir="t"/>
+    </dgm:scene3d>
+    <dgm:sp3d/>
+    <dgm:txPr/>
+    <dgm:style>
+      <a:lnRef idx="2">
+        <a:scrgbClr r="0" g="0" b="0"/>
+      </a:lnRef>
+      <a:fillRef idx="0">
+        <a:scrgbClr r="0" g="0" b="0"/>
+      </a:fillRef>
+      <a:effectRef idx="0">
+        <a:scrgbClr r="0" g="0" b="0"/>
+      </a:effectRef>
+      <a:fontRef idx="minor"/>
+    </dgm:style>
+  </dgm:styleLbl>
+  <dgm:styleLbl name="parChTrans1D2">
+    <dgm:scene3d>
+      <a:camera prst="orthographicFront"/>
+      <a:lightRig rig="threePt" dir="t"/>
+    </dgm:scene3d>
+    <dgm:sp3d/>
+    <dgm:txPr/>
+    <dgm:style>
+      <a:lnRef idx="2">
+        <a:scrgbClr r="0" g="0" b="0"/>
+      </a:lnRef>
+      <a:fillRef idx="0">
+        <a:scrgbClr r="0" g="0" b="0"/>
+      </a:fillRef>
+      <a:effectRef idx="0">
+        <a:scrgbClr r="0" g="0" b="0"/>
+      </a:effectRef>
+      <a:fontRef idx="minor"/>
+    </dgm:style>
+  </dgm:styleLbl>
+  <dgm:styleLbl name="parChTrans1D3">
+    <dgm:scene3d>
+      <a:camera prst="orthographicFront"/>
+      <a:lightRig rig="threePt" dir="t"/>
+    </dgm:scene3d>
+    <dgm:sp3d/>
+    <dgm:txPr/>
+    <dgm:style>
+      <a:lnRef idx="2">
+        <a:scrgbClr r="0" g="0" b="0"/>
+      </a:lnRef>
+      <a:fillRef idx="0">
+        <a:scrgbClr r="0" g="0" b="0"/>
+      </a:fillRef>
+      <a:effectRef idx="0">
+        <a:scrgbClr r="0" g="0" b="0"/>
+      </a:effectRef>
+      <a:fontRef idx="minor"/>
+    </dgm:style>
+  </dgm:styleLbl>
+  <dgm:styleLbl name="parChTrans1D4">
+    <dgm:scene3d>
+      <a:camera prst="orthographicFront"/>
+      <a:lightRig rig="threePt" dir="t"/>
+    </dgm:scene3d>
+    <dgm:sp3d/>
+    <dgm:txPr/>
+    <dgm:style>
+      <a:lnRef idx="2">
+        <a:scrgbClr r="0" g="0" b="0"/>
+      </a:lnRef>
+      <a:fillRef idx="0">
+        <a:scrgbClr r="0" g="0" b="0"/>
+      </a:fillRef>
+      <a:effectRef idx="0">
+        <a:scrgbClr r="0" g="0" b="0"/>
+      </a:effectRef>
+      <a:fontRef idx="minor"/>
+    </dgm:style>
+  </dgm:styleLbl>
+  <dgm:styleLbl name="fgAcc1">
+    <dgm:scene3d>
+      <a:camera prst="orthographicFront"/>
+      <a:lightRig rig="threePt" dir="t"/>
+    </dgm:scene3d>
+    <dgm:sp3d/>
+    <dgm:txPr/>
+    <dgm:style>
+      <a:lnRef idx="2">
+        <a:scrgbClr r="0" g="0" b="0"/>
+      </a:lnRef>
+      <a:fillRef idx="1">
+        <a:scrgbClr r="0" g="0" b="0"/>
+      </a:fillRef>
+      <a:effectRef idx="0">
+        <a:scrgbClr r="0" g="0" b="0"/>
+      </a:effectRef>
+      <a:fontRef idx="minor"/>
+    </dgm:style>
+  </dgm:styleLbl>
+  <dgm:styleLbl name="conFgAcc1">
+    <dgm:scene3d>
+      <a:camera prst="orthographicFront"/>
+      <a:lightRig rig="threePt" dir="t"/>
+    </dgm:scene3d>
+    <dgm:sp3d/>
+    <dgm:txPr/>
+    <dgm:style>
+      <a:lnRef idx="2">
+        <a:scrgbClr r="0" g="0" b="0"/>
+      </a:lnRef>
+      <a:fillRef idx="1">
+        <a:scrgbClr r="0" g="0" b="0"/>
+      </a:fillRef>
+      <a:effectRef idx="0">
+        <a:scrgbClr r="0" g="0" b="0"/>
+      </a:effectRef>
+      <a:fontRef idx="minor"/>
+    </dgm:style>
+  </dgm:styleLbl>
+  <dgm:styleLbl name="alignAcc1">
+    <dgm:scene3d>
+      <a:camera prst="orthographicFront"/>
+      <a:lightRig rig="threePt" dir="t"/>
+    </dgm:scene3d>
+    <dgm:sp3d/>
+    <dgm:txPr/>
+    <dgm:style>
+      <a:lnRef idx="2">
+        <a:scrgbClr r="0" g="0" b="0"/>
+      </a:lnRef>
+      <a:fillRef idx="1">
+        <a:scrgbClr r="0" g="0" b="0"/>
+      </a:fillRef>
+      <a:effectRef idx="0">
+        <a:scrgbClr r="0" g="0" b="0"/>
+      </a:effectRef>
+      <a:fontRef idx="minor"/>
+    </dgm:style>
+  </dgm:styleLbl>
+  <dgm:styleLbl name="trAlignAcc1">
+    <dgm:scene3d>
+      <a:camera prst="orthographicFront"/>
+      <a:lightRig rig="threePt" dir="t"/>
+    </dgm:scene3d>
+    <dgm:sp3d/>
+    <dgm:txPr/>
+    <dgm:style>
+      <a:lnRef idx="1">
+        <a:scrgbClr r="0" g="0" b="0"/>
+      </a:lnRef>
+      <a:fillRef idx="1">
+        <a:scrgbClr r="0" g="0" b="0"/>
+      </a:fillRef>
+      <a:effectRef idx="0">
+        <a:scrgbClr r="0" g="0" b="0"/>
+      </a:effectRef>
+      <a:fontRef idx="minor"/>
+    </dgm:style>
+  </dgm:styleLbl>
+  <dgm:styleLbl name="bgAcc1">
+    <dgm:scene3d>
+      <a:camera prst="orthographicFront"/>
+      <a:lightRig rig="threePt" dir="t"/>
+    </dgm:scene3d>
+    <dgm:sp3d/>
+    <dgm:txPr/>
+    <dgm:style>
+      <a:lnRef idx="2">
+        <a:scrgbClr r="0" g="0" b="0"/>
+      </a:lnRef>
+      <a:fillRef idx="1">
+        <a:scrgbClr r="0" g="0" b="0"/>
+      </a:fillRef>
+      <a:effectRef idx="0">
+        <a:scrgbClr r="0" g="0" b="0"/>
+      </a:effectRef>
+      <a:fontRef idx="minor"/>
+    </dgm:style>
+  </dgm:styleLbl>
+  <dgm:styleLbl name="solidFgAcc1">
+    <dgm:scene3d>
+      <a:camera prst="orthographicFront"/>
+      <a:lightRig rig="threePt" dir="t"/>
+    </dgm:scene3d>
+    <dgm:sp3d/>
+    <dgm:txPr/>
+    <dgm:style>
+      <a:lnRef idx="2">
+        <a:scrgbClr r="0" g="0" b="0"/>
+      </a:lnRef>
+      <a:fillRef idx="1">
+        <a:scrgbClr r="0" g="0" b="0"/>
+      </a:fillRef>
+      <a:effectRef idx="0">
+        <a:scrgbClr r="0" g="0" b="0"/>
+      </a:effectRef>
+      <a:fontRef idx="minor"/>
+    </dgm:style>
+  </dgm:styleLbl>
+  <dgm:styleLbl name="solidAlignAcc1">
+    <dgm:scene3d>
+      <a:camera prst="orthographicFront"/>
+      <a:lightRig rig="threePt" dir="t"/>
+    </dgm:scene3d>
+    <dgm:sp3d/>
+    <dgm:txPr/>
+    <dgm:style>
+      <a:lnRef idx="2">
+        <a:scrgbClr r="0" g="0" b="0"/>
+      </a:lnRef>
+      <a:fillRef idx="1">
+        <a:scrgbClr r="0" g="0" b="0"/>
+      </a:fillRef>
+      <a:effectRef idx="0">
+        <a:scrgbClr r="0" g="0" b="0"/>
+      </a:effectRef>
+      <a:fontRef idx="minor"/>
+    </dgm:style>
+  </dgm:styleLbl>
+  <dgm:styleLbl name="solidBgAcc1">
+    <dgm:scene3d>
+      <a:camera prst="orthographicFront"/>
+      <a:lightRig rig="threePt" dir="t"/>
+    </dgm:scene3d>
+    <dgm:sp3d/>
+    <dgm:txPr/>
+    <dgm:style>
+      <a:lnRef idx="2">
+        <a:scrgbClr r="0" g="0" b="0"/>
+      </a:lnRef>
+      <a:fillRef idx="1">
+        <a:scrgbClr r="0" g="0" b="0"/>
+      </a:fillRef>
+      <a:effectRef idx="0">
+        <a:scrgbClr r="0" g="0" b="0"/>
+      </a:effectRef>
+      <a:fontRef idx="minor"/>
+    </dgm:style>
+  </dgm:styleLbl>
+  <dgm:styleLbl name="fgAccFollowNode1">
+    <dgm:scene3d>
+      <a:camera prst="orthographicFront"/>
+      <a:lightRig rig="threePt" dir="t"/>
+    </dgm:scene3d>
+    <dgm:sp3d/>
+    <dgm:txPr/>
+    <dgm:style>
+      <a:lnRef idx="2">
+        <a:scrgbClr r="0" g="0" b="0"/>
+      </a:lnRef>
+      <a:fillRef idx="1">
+        <a:scrgbClr r="0" g="0" b="0"/>
+      </a:fillRef>
+      <a:effectRef idx="0">
+        <a:scrgbClr r="0" g="0" b="0"/>
+      </a:effectRef>
+      <a:fontRef idx="minor"/>
+    </dgm:style>
+  </dgm:styleLbl>
+  <dgm:styleLbl name="alignAccFollowNode1">
+    <dgm:scene3d>
+      <a:camera prst="orthographicFront"/>
+      <a:lightRig rig="threePt" dir="t"/>
+    </dgm:scene3d>
+    <dgm:sp3d/>
+    <dgm:txPr/>
+    <dgm:style>
+      <a:lnRef idx="2">
+        <a:scrgbClr r="0" g="0" b="0"/>
+      </a:lnRef>
+      <a:fillRef idx="1">
+        <a:scrgbClr r="0" g="0" b="0"/>
+      </a:fillRef>
+      <a:effectRef idx="0">
+        <a:scrgbClr r="0" g="0" b="0"/>
+      </a:effectRef>
+      <a:fontRef idx="minor"/>
+    </dgm:style>
+  </dgm:styleLbl>
+  <dgm:styleLbl name="bgAccFollowNode1">
+    <dgm:scene3d>
+      <a:camera prst="orthographicFront"/>
+      <a:lightRig rig="threePt" dir="t"/>
+    </dgm:scene3d>
+    <dgm:sp3d/>
+    <dgm:txPr/>
+    <dgm:style>
+      <a:lnRef idx="2">
+        <a:scrgbClr r="0" g="0" b="0"/>
+      </a:lnRef>
+      <a:fillRef idx="1">
+        <a:scrgbClr r="0" g="0" b="0"/>
+      </a:fillRef>
+      <a:effectRef idx="0">
+        <a:scrgbClr r="0" g="0" b="0"/>
+      </a:effectRef>
+      <a:fontRef idx="minor"/>
+    </dgm:style>
+  </dgm:styleLbl>
+  <dgm:styleLbl name="fgAcc0">
+    <dgm:scene3d>
+      <a:camera prst="orthographicFront"/>
+      <a:lightRig rig="threePt" dir="t"/>
+    </dgm:scene3d>
+    <dgm:sp3d/>
+    <dgm:txPr/>
+    <dgm:style>
+      <a:lnRef idx="2">
+        <a:scrgbClr r="0" g="0" b="0"/>
+      </a:lnRef>
+      <a:fillRef idx="1">
+        <a:scrgbClr r="0" g="0" b="0"/>
+      </a:fillRef>
+      <a:effectRef idx="0">
+        <a:scrgbClr r="0" g="0" b="0"/>
+      </a:effectRef>
+      <a:fontRef idx="minor"/>
+    </dgm:style>
+  </dgm:styleLbl>
+  <dgm:styleLbl name="fgAcc2">
+    <dgm:scene3d>
+      <a:camera prst="orthographicFront"/>
+      <a:lightRig rig="threePt" dir="t"/>
+    </dgm:scene3d>
+    <dgm:sp3d/>
+    <dgm:txPr/>
+    <dgm:style>
+      <a:lnRef idx="2">
+        <a:scrgbClr r="0" g="0" b="0"/>
+      </a:lnRef>
+      <a:fillRef idx="1">
+        <a:scrgbClr r="0" g="0" b="0"/>
+      </a:fillRef>
+      <a:effectRef idx="0">
+        <a:scrgbClr r="0" g="0" b="0"/>
+      </a:effectRef>
+      <a:fontRef idx="minor"/>
+    </dgm:style>
+  </dgm:styleLbl>
+  <dgm:styleLbl name="fgAcc3">
+    <dgm:scene3d>
+      <a:camera prst="orthographicFront"/>
+      <a:lightRig rig="threePt" dir="t"/>
+    </dgm:scene3d>
+    <dgm:sp3d/>
+    <dgm:txPr/>
+    <dgm:style>
+      <a:lnRef idx="2">
+        <a:scrgbClr r="0" g="0" b="0"/>
+      </a:lnRef>
+      <a:fillRef idx="1">
+        <a:scrgbClr r="0" g="0" b="0"/>
+      </a:fillRef>
+      <a:effectRef idx="0">
+        <a:scrgbClr r="0" g="0" b="0"/>
+      </a:effectRef>
+      <a:fontRef idx="minor"/>
+    </dgm:style>
+  </dgm:styleLbl>
+  <dgm:styleLbl name="fgAcc4">
+    <dgm:scene3d>
+      <a:camera prst="orthographicFront"/>
+      <a:lightRig rig="threePt" dir="t"/>
+    </dgm:scene3d>
+    <dgm:sp3d/>
+    <dgm:txPr/>
+    <dgm:style>
+      <a:lnRef idx="2">
+        <a:scrgbClr r="0" g="0" b="0"/>
+      </a:lnRef>
+      <a:fillRef idx="1">
+        <a:scrgbClr r="0" g="0" b="0"/>
+      </a:fillRef>
+      <a:effectRef idx="0">
+        <a:scrgbClr r="0" g="0" b="0"/>
+      </a:effectRef>
+      <a:fontRef idx="minor"/>
+    </dgm:style>
+  </dgm:styleLbl>
+  <dgm:styleLbl name="bgShp">
+    <dgm:scene3d>
+      <a:camera prst="orthographicFront"/>
+      <a:lightRig rig="threePt" dir="t"/>
+    </dgm:scene3d>
+    <dgm:sp3d/>
+    <dgm:txPr/>
+    <dgm:style>
+      <a:lnRef idx="0">
+        <a:scrgbClr r="0" g="0" b="0"/>
+      </a:lnRef>
+      <a:fillRef idx="1">
+        <a:scrgbClr r="0" g="0" b="0"/>
+      </a:fillRef>
+      <a:effectRef idx="0">
+        <a:scrgbClr r="0" g="0" b="0"/>
+      </a:effectRef>
+      <a:fontRef idx="minor"/>
+    </dgm:style>
+  </dgm:styleLbl>
+  <dgm:styleLbl name="dkBgShp">
+    <dgm:scene3d>
+      <a:camera prst="orthographicFront"/>
+      <a:lightRig rig="threePt" dir="t"/>
+    </dgm:scene3d>
+    <dgm:sp3d/>
+    <dgm:txPr/>
+    <dgm:style>
+      <a:lnRef idx="0">
+        <a:scrgbClr r="0" g="0" b="0"/>
+      </a:lnRef>
+      <a:fillRef idx="1">
+        <a:scrgbClr r="0" g="0" b="0"/>
+      </a:fillRef>
+      <a:effectRef idx="0">
+        <a:scrgbClr r="0" g="0" b="0"/>
+      </a:effectRef>
+      <a:fontRef idx="minor"/>
+    </dgm:style>
+  </dgm:styleLbl>
+  <dgm:styleLbl name="trBgShp">
+    <dgm:scene3d>
+      <a:camera prst="orthographicFront"/>
+      <a:lightRig rig="threePt" dir="t"/>
+    </dgm:scene3d>
+    <dgm:sp3d/>
+    <dgm:txPr/>
+    <dgm:style>
+      <a:lnRef idx="0">
+        <a:scrgbClr r="0" g="0" b="0"/>
+      </a:lnRef>
+      <a:fillRef idx="1">
+        <a:scrgbClr r="0" g="0" b="0"/>
+      </a:fillRef>
+      <a:effectRef idx="0">
+        <a:scrgbClr r="0" g="0" b="0"/>
+      </a:effectRef>
+      <a:fontRef idx="minor"/>
+    </dgm:style>
+  </dgm:styleLbl>
+  <dgm:styleLbl name="fgShp">
+    <dgm:scene3d>
+      <a:camera prst="orthographicFront"/>
+      <a:lightRig rig="threePt" dir="t"/>
+    </dgm:scene3d>
+    <dgm:sp3d/>
+    <dgm:txPr/>
+    <dgm:style>
+      <a:lnRef idx="2">
+        <a:scrgbClr r="0" g="0" b="0"/>
+      </a:lnRef>
+      <a:fillRef idx="1">
+        <a:scrgbClr r="0" g="0" b="0"/>
+      </a:fillRef>
+      <a:effectRef idx="0">
+        <a:scrgbClr r="0" g="0" b="0"/>
+      </a:effectRef>
+      <a:fontRef idx="minor"/>
+    </dgm:style>
+  </dgm:styleLbl>
+  <dgm:styleLbl name="revTx">
+    <dgm:scene3d>
+      <a:camera prst="orthographicFront"/>
+      <a:lightRig rig="threePt" dir="t"/>
+    </dgm:scene3d>
+    <dgm:sp3d/>
+    <dgm:txPr/>
+    <dgm:style>
+      <a:lnRef idx="0">
+        <a:scrgbClr r="0" g="0" b="0"/>
+      </a:lnRef>
+      <a:fillRef idx="0">
+        <a:scrgbClr r="0" g="0" b="0"/>
+      </a:fillRef>
+      <a:effectRef idx="0">
+        <a:scrgbClr r="0" g="0" b="0"/>
+      </a:effectRef>
+      <a:fontRef idx="minor"/>
+    </dgm:style>
+  </dgm:styleLbl>
+</dgm:styleDef>
 </file>
 
 <file path=ppt/slideLayouts/slideLayout1.xml><?xml version="1.0" encoding="utf-8"?>
@@ -6056,6 +12127,14 @@
 <file path=ppt/slides/slide1.xml><?xml version="1.0" encoding="utf-8"?>
 <p:sld xmlns:a="http://schemas.openxmlformats.org/drawingml/2006/main" xmlns:r="http://schemas.openxmlformats.org/officeDocument/2006/relationships" xmlns:p="http://schemas.openxmlformats.org/presentationml/2006/main">
   <p:cSld>
+    <p:bg>
+      <p:bgPr>
+        <a:solidFill>
+          <a:schemeClr val="bg2"/>
+        </a:solidFill>
+        <a:effectLst/>
+      </p:bgPr>
+    </p:bg>
     <p:spTree>
       <p:nvGrpSpPr>
         <p:cNvPr id="1" name=""/>
@@ -6070,6 +12149,67 @@
           <a:chExt cx="0" cy="0"/>
         </a:xfrm>
       </p:grpSpPr>
+      <p:sp useBgFill="1">
+        <p:nvSpPr>
+          <p:cNvPr id="8" name="Rectangle 7">
+            <a:extLst>
+              <a:ext uri="{FF2B5EF4-FFF2-40B4-BE49-F238E27FC236}">
+                <a16:creationId xmlns:a16="http://schemas.microsoft.com/office/drawing/2014/main" id="{7826DDCA-6D09-4690-86AE-A65700C436B8}"/>
+              </a:ext>
+              <a:ext uri="{C183D7F6-B498-43B3-948B-1728B52AA6E4}">
+                <adec:decorative xmlns:adec="http://schemas.microsoft.com/office/drawing/2017/decorative" val="1"/>
+              </a:ext>
+            </a:extLst>
+          </p:cNvPr>
+          <p:cNvSpPr>
+            <a:spLocks noGrp="1" noRot="1" noChangeAspect="1" noMove="1" noResize="1" noEditPoints="1" noAdjustHandles="1" noChangeArrowheads="1" noChangeShapeType="1" noTextEdit="1"/>
+          </p:cNvSpPr>
+          <p:nvPr>
+            <p:extLst>
+              <p:ext uri="{386F3935-93C4-4BCD-93E2-E3B085C9AB24}">
+                <p16:designElem xmlns:p16="http://schemas.microsoft.com/office/powerpoint/2015/main" val="1"/>
+              </p:ext>
+            </p:extLst>
+          </p:nvPr>
+        </p:nvSpPr>
+        <p:spPr>
+          <a:xfrm>
+            <a:off x="0" y="0"/>
+            <a:ext cx="12191999" cy="6858000"/>
+          </a:xfrm>
+          <a:prstGeom prst="rect">
+            <a:avLst/>
+          </a:prstGeom>
+          <a:ln>
+            <a:noFill/>
+          </a:ln>
+          <a:effectLst/>
+        </p:spPr>
+        <p:style>
+          <a:lnRef idx="2">
+            <a:schemeClr val="accent1">
+              <a:shade val="50000"/>
+            </a:schemeClr>
+          </a:lnRef>
+          <a:fillRef idx="1">
+            <a:schemeClr val="accent1"/>
+          </a:fillRef>
+          <a:effectRef idx="0">
+            <a:schemeClr val="accent1"/>
+          </a:effectRef>
+          <a:fontRef idx="minor">
+            <a:schemeClr val="lt1"/>
+          </a:fontRef>
+        </p:style>
+        <p:txBody>
+          <a:bodyPr rtlCol="0" anchor="ctr"/>
+          <a:lstStyle/>
+          <a:p>
+            <a:pPr algn="ctr"/>
+            <a:endParaRPr lang="en-US"/>
+          </a:p>
+        </p:txBody>
+      </p:sp>
       <p:sp>
         <p:nvSpPr>
           <p:cNvPr id="2" name="Title 1">
@@ -6086,13 +12226,20 @@
             <p:ph type="ctrTitle"/>
           </p:nvPr>
         </p:nvSpPr>
-        <p:spPr/>
+        <p:spPr>
+          <a:xfrm>
+            <a:off x="965198" y="1346369"/>
+            <a:ext cx="6891186" cy="2463629"/>
+          </a:xfrm>
+        </p:spPr>
         <p:txBody>
-          <a:bodyPr/>
+          <a:bodyPr>
+            <a:normAutofit/>
+          </a:bodyPr>
           <a:lstStyle/>
           <a:p>
             <a:r>
-              <a:rPr lang="en-US" dirty="0"/>
+              <a:rPr lang="en-US" sz="4800"/>
               <a:t>Federal Government Contracts Analysis</a:t>
             </a:r>
           </a:p>
@@ -6114,7 +12261,12 @@
             <p:ph type="subTitle" idx="1"/>
           </p:nvPr>
         </p:nvSpPr>
-        <p:spPr/>
+        <p:spPr>
+          <a:xfrm>
+            <a:off x="965198" y="3886200"/>
+            <a:ext cx="6891185" cy="1371599"/>
+          </a:xfrm>
+        </p:spPr>
         <p:txBody>
           <a:bodyPr>
             <a:normAutofit/>
@@ -6122,26 +12274,500 @@
           <a:lstStyle/>
           <a:p>
             <a:r>
-              <a:rPr lang="en-US" dirty="0"/>
+              <a:rPr lang="en-US" sz="2200">
+                <a:solidFill>
+                  <a:schemeClr val="tx1"/>
+                </a:solidFill>
+              </a:rPr>
               <a:t>By: </a:t>
             </a:r>
           </a:p>
           <a:p>
             <a:r>
-              <a:rPr lang="en-US" dirty="0"/>
-              <a:t>Ericka, Hythem, </a:t>
-            </a:r>
-            <a:r>
-              <a:rPr lang="en-US" dirty="0" err="1"/>
-              <a:t>Taoule</a:t>
-            </a:r>
-            <a:r>
-              <a:rPr lang="en-US" dirty="0"/>
-              <a:t>, Edwin </a:t>
+              <a:rPr lang="en-US" sz="2200">
+                <a:solidFill>
+                  <a:schemeClr val="tx1"/>
+                </a:solidFill>
+              </a:rPr>
+              <a:t>Ericka, Hythem, Taoule, Edwin </a:t>
             </a:r>
           </a:p>
         </p:txBody>
       </p:sp>
+      <p:sp useBgFill="1">
+        <p:nvSpPr>
+          <p:cNvPr id="10" name="Rectangle 9">
+            <a:extLst>
+              <a:ext uri="{FF2B5EF4-FFF2-40B4-BE49-F238E27FC236}">
+                <a16:creationId xmlns:a16="http://schemas.microsoft.com/office/drawing/2014/main" id="{48D94113-B99D-4827-8468-42C0869DD60B}"/>
+              </a:ext>
+              <a:ext uri="{C183D7F6-B498-43B3-948B-1728B52AA6E4}">
+                <adec:decorative xmlns:adec="http://schemas.microsoft.com/office/drawing/2017/decorative" val="1"/>
+              </a:ext>
+            </a:extLst>
+          </p:cNvPr>
+          <p:cNvSpPr>
+            <a:spLocks noGrp="1" noRot="1" noChangeAspect="1" noMove="1" noResize="1" noEditPoints="1" noAdjustHandles="1" noChangeArrowheads="1" noChangeShapeType="1" noTextEdit="1"/>
+          </p:cNvSpPr>
+          <p:nvPr>
+            <p:extLst>
+              <p:ext uri="{386F3935-93C4-4BCD-93E2-E3B085C9AB24}">
+                <p16:designElem xmlns:p16="http://schemas.microsoft.com/office/powerpoint/2015/main" val="1"/>
+              </p:ext>
+            </p:extLst>
+          </p:nvPr>
+        </p:nvSpPr>
+        <p:spPr>
+          <a:xfrm>
+            <a:off x="9465046" y="0"/>
+            <a:ext cx="2726953" cy="6858000"/>
+          </a:xfrm>
+          <a:prstGeom prst="rect">
+            <a:avLst/>
+          </a:prstGeom>
+          <a:ln>
+            <a:noFill/>
+          </a:ln>
+          <a:effectLst>
+            <a:outerShdw blurRad="88900" dist="25400" dir="10800000" algn="r" rotWithShape="0">
+              <a:prstClr val="black">
+                <a:alpha val="40000"/>
+              </a:prstClr>
+            </a:outerShdw>
+          </a:effectLst>
+        </p:spPr>
+        <p:style>
+          <a:lnRef idx="2">
+            <a:schemeClr val="accent1">
+              <a:shade val="50000"/>
+            </a:schemeClr>
+          </a:lnRef>
+          <a:fillRef idx="1">
+            <a:schemeClr val="accent1"/>
+          </a:fillRef>
+          <a:effectRef idx="0">
+            <a:schemeClr val="accent1"/>
+          </a:effectRef>
+          <a:fontRef idx="minor">
+            <a:schemeClr val="lt1"/>
+          </a:fontRef>
+        </p:style>
+        <p:txBody>
+          <a:bodyPr rtlCol="0" anchor="ctr"/>
+          <a:lstStyle/>
+          <a:p>
+            <a:pPr algn="ctr"/>
+            <a:endParaRPr lang="en-US"/>
+          </a:p>
+        </p:txBody>
+      </p:sp>
+      <p:sp>
+        <p:nvSpPr>
+          <p:cNvPr id="12" name="Rectangle 11">
+            <a:extLst>
+              <a:ext uri="{FF2B5EF4-FFF2-40B4-BE49-F238E27FC236}">
+                <a16:creationId xmlns:a16="http://schemas.microsoft.com/office/drawing/2014/main" id="{0D97E19A-F48B-4D56-A949-3A826CF00A04}"/>
+              </a:ext>
+              <a:ext uri="{C183D7F6-B498-43B3-948B-1728B52AA6E4}">
+                <adec:decorative xmlns:adec="http://schemas.microsoft.com/office/drawing/2017/decorative" val="1"/>
+              </a:ext>
+            </a:extLst>
+          </p:cNvPr>
+          <p:cNvSpPr>
+            <a:spLocks noGrp="1" noRot="1" noChangeAspect="1" noMove="1" noResize="1" noEditPoints="1" noAdjustHandles="1" noChangeArrowheads="1" noChangeShapeType="1" noTextEdit="1"/>
+          </p:cNvSpPr>
+          <p:nvPr>
+            <p:extLst>
+              <p:ext uri="{386F3935-93C4-4BCD-93E2-E3B085C9AB24}">
+                <p16:designElem xmlns:p16="http://schemas.microsoft.com/office/powerpoint/2015/main" val="1"/>
+              </p:ext>
+            </p:extLst>
+          </p:nvPr>
+        </p:nvSpPr>
+        <p:spPr>
+          <a:xfrm>
+            <a:off x="9465046" y="0"/>
+            <a:ext cx="2726954" cy="6858000"/>
+          </a:xfrm>
+          <a:prstGeom prst="rect">
+            <a:avLst/>
+          </a:prstGeom>
+          <a:solidFill>
+            <a:schemeClr val="tx2">
+              <a:alpha val="40000"/>
+            </a:schemeClr>
+          </a:solidFill>
+          <a:ln>
+            <a:noFill/>
+          </a:ln>
+        </p:spPr>
+        <p:style>
+          <a:lnRef idx="2">
+            <a:schemeClr val="accent1">
+              <a:shade val="50000"/>
+            </a:schemeClr>
+          </a:lnRef>
+          <a:fillRef idx="1">
+            <a:schemeClr val="accent1"/>
+          </a:fillRef>
+          <a:effectRef idx="0">
+            <a:schemeClr val="accent1"/>
+          </a:effectRef>
+          <a:fontRef idx="minor">
+            <a:schemeClr val="lt1"/>
+          </a:fontRef>
+        </p:style>
+        <p:txBody>
+          <a:bodyPr rtlCol="0" anchor="ctr"/>
+          <a:lstStyle/>
+          <a:p>
+            <a:pPr algn="ctr"/>
+            <a:endParaRPr lang="en-US"/>
+          </a:p>
+        </p:txBody>
+      </p:sp>
+      <p:pic>
+        <p:nvPicPr>
+          <p:cNvPr id="14" name="Picture 13">
+            <a:extLst>
+              <a:ext uri="{FF2B5EF4-FFF2-40B4-BE49-F238E27FC236}">
+                <a16:creationId xmlns:a16="http://schemas.microsoft.com/office/drawing/2014/main" id="{E5B1C489-3520-454E-BCE4-DE06A472FFFA}"/>
+              </a:ext>
+              <a:ext uri="{C183D7F6-B498-43B3-948B-1728B52AA6E4}">
+                <adec:decorative xmlns:adec="http://schemas.microsoft.com/office/drawing/2017/decorative" val="1"/>
+              </a:ext>
+            </a:extLst>
+          </p:cNvPr>
+          <p:cNvPicPr>
+            <a:picLocks noGrp="1" noRot="1" noChangeAspect="1" noMove="1" noResize="1" noEditPoints="1" noAdjustHandles="1" noChangeArrowheads="1" noChangeShapeType="1" noCrop="1"/>
+          </p:cNvPicPr>
+          <p:nvPr>
+            <p:extLst>
+              <p:ext uri="{386F3935-93C4-4BCD-93E2-E3B085C9AB24}">
+                <p16:designElem xmlns:p16="http://schemas.microsoft.com/office/powerpoint/2015/main" val="1"/>
+              </p:ext>
+            </p:extLst>
+          </p:nvPr>
+        </p:nvPicPr>
+        <p:blipFill rotWithShape="1">
+          <a:blip r:embed="rId2">
+            <a:extLst>
+              <a:ext uri="{28A0092B-C50C-407E-A947-70E740481C1C}">
+                <a14:useLocalDpi xmlns:a14="http://schemas.microsoft.com/office/drawing/2010/main" val="0"/>
+              </a:ext>
+            </a:extLst>
+          </a:blip>
+          <a:srcRect l="15620" t="1120" r="54326" b="73832"/>
+          <a:stretch/>
+        </p:blipFill>
+        <p:spPr>
+          <a:xfrm>
+            <a:off x="9465047" y="4417"/>
+            <a:ext cx="2318458" cy="1086886"/>
+          </a:xfrm>
+          <a:prstGeom prst="rect">
+            <a:avLst/>
+          </a:prstGeom>
+        </p:spPr>
+      </p:pic>
+      <p:pic>
+        <p:nvPicPr>
+          <p:cNvPr id="16" name="Picture 15">
+            <a:extLst>
+              <a:ext uri="{FF2B5EF4-FFF2-40B4-BE49-F238E27FC236}">
+                <a16:creationId xmlns:a16="http://schemas.microsoft.com/office/drawing/2014/main" id="{29CDFDB7-75F8-4CF5-A2D6-59A1D862328A}"/>
+              </a:ext>
+              <a:ext uri="{C183D7F6-B498-43B3-948B-1728B52AA6E4}">
+                <adec:decorative xmlns:adec="http://schemas.microsoft.com/office/drawing/2017/decorative" val="1"/>
+              </a:ext>
+            </a:extLst>
+          </p:cNvPr>
+          <p:cNvPicPr>
+            <a:picLocks noGrp="1" noRot="1" noChangeAspect="1" noMove="1" noResize="1" noEditPoints="1" noAdjustHandles="1" noChangeArrowheads="1" noChangeShapeType="1" noCrop="1"/>
+          </p:cNvPicPr>
+          <p:nvPr>
+            <p:extLst>
+              <p:ext uri="{386F3935-93C4-4BCD-93E2-E3B085C9AB24}">
+                <p16:designElem xmlns:p16="http://schemas.microsoft.com/office/powerpoint/2015/main" val="1"/>
+              </p:ext>
+            </p:extLst>
+          </p:nvPr>
+        </p:nvPicPr>
+        <p:blipFill rotWithShape="1">
+          <a:blip r:embed="rId2">
+            <a:extLst>
+              <a:ext uri="{28A0092B-C50C-407E-A947-70E740481C1C}">
+                <a14:useLocalDpi xmlns:a14="http://schemas.microsoft.com/office/drawing/2010/main" val="0"/>
+              </a:ext>
+            </a:extLst>
+          </a:blip>
+          <a:srcRect l="73623" t="43915" r="1" b="10213"/>
+          <a:stretch/>
+        </p:blipFill>
+        <p:spPr>
+          <a:xfrm>
+            <a:off x="9945510" y="3287359"/>
+            <a:ext cx="2246490" cy="2197653"/>
+          </a:xfrm>
+          <a:prstGeom prst="rect">
+            <a:avLst/>
+          </a:prstGeom>
+        </p:spPr>
+      </p:pic>
+      <p:pic>
+        <p:nvPicPr>
+          <p:cNvPr id="18" name="Picture 17">
+            <a:extLst>
+              <a:ext uri="{FF2B5EF4-FFF2-40B4-BE49-F238E27FC236}">
+                <a16:creationId xmlns:a16="http://schemas.microsoft.com/office/drawing/2014/main" id="{A1EE895C-73D3-4A38-BD82-6A056D253165}"/>
+              </a:ext>
+              <a:ext uri="{C183D7F6-B498-43B3-948B-1728B52AA6E4}">
+                <adec:decorative xmlns:adec="http://schemas.microsoft.com/office/drawing/2017/decorative" val="1"/>
+              </a:ext>
+            </a:extLst>
+          </p:cNvPr>
+          <p:cNvPicPr>
+            <a:picLocks noGrp="1" noRot="1" noChangeAspect="1" noMove="1" noResize="1" noEditPoints="1" noAdjustHandles="1" noChangeArrowheads="1" noChangeShapeType="1" noCrop="1"/>
+          </p:cNvPicPr>
+          <p:nvPr>
+            <p:extLst>
+              <p:ext uri="{386F3935-93C4-4BCD-93E2-E3B085C9AB24}">
+                <p16:designElem xmlns:p16="http://schemas.microsoft.com/office/powerpoint/2015/main" val="1"/>
+              </p:ext>
+            </p:extLst>
+          </p:nvPr>
+        </p:nvPicPr>
+        <p:blipFill rotWithShape="1">
+          <a:blip r:embed="rId2">
+            <a:extLst>
+              <a:ext uri="{28A0092B-C50C-407E-A947-70E740481C1C}">
+                <a14:useLocalDpi xmlns:a14="http://schemas.microsoft.com/office/drawing/2010/main" val="0"/>
+              </a:ext>
+            </a:extLst>
+          </a:blip>
+          <a:srcRect l="46466" t="75007" r="30510"/>
+          <a:stretch/>
+        </p:blipFill>
+        <p:spPr>
+          <a:xfrm>
+            <a:off x="10548594" y="2550437"/>
+            <a:ext cx="1643406" cy="1003467"/>
+          </a:xfrm>
+          <a:custGeom>
+            <a:avLst/>
+            <a:gdLst>
+              <a:gd name="connsiteX0" fmla="*/ 2051608 w 4103216"/>
+              <a:gd name="connsiteY0" fmla="*/ 0 h 1714050"/>
+              <a:gd name="connsiteX1" fmla="*/ 4103216 w 4103216"/>
+              <a:gd name="connsiteY1" fmla="*/ 1266738 h 1714050"/>
+              <a:gd name="connsiteX2" fmla="*/ 4010980 w 4103216"/>
+              <a:gd name="connsiteY2" fmla="*/ 1643427 h 1714050"/>
+              <a:gd name="connsiteX3" fmla="*/ 3969116 w 4103216"/>
+              <a:gd name="connsiteY3" fmla="*/ 1714050 h 1714050"/>
+              <a:gd name="connsiteX4" fmla="*/ 134100 w 4103216"/>
+              <a:gd name="connsiteY4" fmla="*/ 1714050 h 1714050"/>
+              <a:gd name="connsiteX5" fmla="*/ 92237 w 4103216"/>
+              <a:gd name="connsiteY5" fmla="*/ 1643427 h 1714050"/>
+              <a:gd name="connsiteX6" fmla="*/ 0 w 4103216"/>
+              <a:gd name="connsiteY6" fmla="*/ 1266738 h 1714050"/>
+              <a:gd name="connsiteX7" fmla="*/ 2051608 w 4103216"/>
+              <a:gd name="connsiteY7" fmla="*/ 0 h 1714050"/>
+            </a:gdLst>
+            <a:ahLst/>
+            <a:cxnLst>
+              <a:cxn ang="0">
+                <a:pos x="connsiteX0" y="connsiteY0"/>
+              </a:cxn>
+              <a:cxn ang="0">
+                <a:pos x="connsiteX1" y="connsiteY1"/>
+              </a:cxn>
+              <a:cxn ang="0">
+                <a:pos x="connsiteX2" y="connsiteY2"/>
+              </a:cxn>
+              <a:cxn ang="0">
+                <a:pos x="connsiteX3" y="connsiteY3"/>
+              </a:cxn>
+              <a:cxn ang="0">
+                <a:pos x="connsiteX4" y="connsiteY4"/>
+              </a:cxn>
+              <a:cxn ang="0">
+                <a:pos x="connsiteX5" y="connsiteY5"/>
+              </a:cxn>
+              <a:cxn ang="0">
+                <a:pos x="connsiteX6" y="connsiteY6"/>
+              </a:cxn>
+              <a:cxn ang="0">
+                <a:pos x="connsiteX7" y="connsiteY7"/>
+              </a:cxn>
+            </a:cxnLst>
+            <a:rect l="l" t="t" r="r" b="b"/>
+            <a:pathLst>
+              <a:path w="4103216" h="1714050">
+                <a:moveTo>
+                  <a:pt x="2051608" y="0"/>
+                </a:moveTo>
+                <a:cubicBezTo>
+                  <a:pt x="3184680" y="0"/>
+                  <a:pt x="4103216" y="567138"/>
+                  <a:pt x="4103216" y="1266738"/>
+                </a:cubicBezTo>
+                <a:cubicBezTo>
+                  <a:pt x="4103216" y="1397913"/>
+                  <a:pt x="4070924" y="1524431"/>
+                  <a:pt x="4010980" y="1643427"/>
+                </a:cubicBezTo>
+                <a:lnTo>
+                  <a:pt x="3969116" y="1714050"/>
+                </a:lnTo>
+                <a:lnTo>
+                  <a:pt x="134100" y="1714050"/>
+                </a:lnTo>
+                <a:lnTo>
+                  <a:pt x="92237" y="1643427"/>
+                </a:lnTo>
+                <a:cubicBezTo>
+                  <a:pt x="32293" y="1524431"/>
+                  <a:pt x="0" y="1397913"/>
+                  <a:pt x="0" y="1266738"/>
+                </a:cubicBezTo>
+                <a:cubicBezTo>
+                  <a:pt x="0" y="567138"/>
+                  <a:pt x="918536" y="0"/>
+                  <a:pt x="2051608" y="0"/>
+                </a:cubicBezTo>
+                <a:close/>
+              </a:path>
+            </a:pathLst>
+          </a:custGeom>
+        </p:spPr>
+      </p:pic>
+      <p:pic>
+        <p:nvPicPr>
+          <p:cNvPr id="20" name="Picture 19">
+            <a:extLst>
+              <a:ext uri="{FF2B5EF4-FFF2-40B4-BE49-F238E27FC236}">
+                <a16:creationId xmlns:a16="http://schemas.microsoft.com/office/drawing/2014/main" id="{68FD3076-E852-4125-BBED-3FB31599F413}"/>
+              </a:ext>
+              <a:ext uri="{C183D7F6-B498-43B3-948B-1728B52AA6E4}">
+                <adec:decorative xmlns:adec="http://schemas.microsoft.com/office/drawing/2017/decorative" val="1"/>
+              </a:ext>
+            </a:extLst>
+          </p:cNvPr>
+          <p:cNvPicPr>
+            <a:picLocks noGrp="1" noRot="1" noChangeAspect="1" noMove="1" noResize="1" noEditPoints="1" noAdjustHandles="1" noChangeArrowheads="1" noChangeShapeType="1" noCrop="1"/>
+          </p:cNvPicPr>
+          <p:nvPr>
+            <p:extLst>
+              <p:ext uri="{386F3935-93C4-4BCD-93E2-E3B085C9AB24}">
+                <p16:designElem xmlns:p16="http://schemas.microsoft.com/office/powerpoint/2015/main" val="1"/>
+              </p:ext>
+            </p:extLst>
+          </p:nvPr>
+        </p:nvPicPr>
+        <p:blipFill rotWithShape="1">
+          <a:blip r:embed="rId2">
+            <a:extLst>
+              <a:ext uri="{28A0092B-C50C-407E-A947-70E740481C1C}">
+                <a14:useLocalDpi xmlns:a14="http://schemas.microsoft.com/office/drawing/2010/main" val="0"/>
+              </a:ext>
+            </a:extLst>
+          </a:blip>
+          <a:srcRect l="68940" t="81531" r="19879"/>
+          <a:stretch/>
+        </p:blipFill>
+        <p:spPr>
+          <a:xfrm>
+            <a:off x="9465048" y="5597114"/>
+            <a:ext cx="1356924" cy="1260885"/>
+          </a:xfrm>
+          <a:custGeom>
+            <a:avLst/>
+            <a:gdLst>
+              <a:gd name="connsiteX0" fmla="*/ 2051608 w 4103216"/>
+              <a:gd name="connsiteY0" fmla="*/ 0 h 1714050"/>
+              <a:gd name="connsiteX1" fmla="*/ 4103216 w 4103216"/>
+              <a:gd name="connsiteY1" fmla="*/ 1266738 h 1714050"/>
+              <a:gd name="connsiteX2" fmla="*/ 4010980 w 4103216"/>
+              <a:gd name="connsiteY2" fmla="*/ 1643427 h 1714050"/>
+              <a:gd name="connsiteX3" fmla="*/ 3969116 w 4103216"/>
+              <a:gd name="connsiteY3" fmla="*/ 1714050 h 1714050"/>
+              <a:gd name="connsiteX4" fmla="*/ 134100 w 4103216"/>
+              <a:gd name="connsiteY4" fmla="*/ 1714050 h 1714050"/>
+              <a:gd name="connsiteX5" fmla="*/ 92237 w 4103216"/>
+              <a:gd name="connsiteY5" fmla="*/ 1643427 h 1714050"/>
+              <a:gd name="connsiteX6" fmla="*/ 0 w 4103216"/>
+              <a:gd name="connsiteY6" fmla="*/ 1266738 h 1714050"/>
+              <a:gd name="connsiteX7" fmla="*/ 2051608 w 4103216"/>
+              <a:gd name="connsiteY7" fmla="*/ 0 h 1714050"/>
+            </a:gdLst>
+            <a:ahLst/>
+            <a:cxnLst>
+              <a:cxn ang="0">
+                <a:pos x="connsiteX0" y="connsiteY0"/>
+              </a:cxn>
+              <a:cxn ang="0">
+                <a:pos x="connsiteX1" y="connsiteY1"/>
+              </a:cxn>
+              <a:cxn ang="0">
+                <a:pos x="connsiteX2" y="connsiteY2"/>
+              </a:cxn>
+              <a:cxn ang="0">
+                <a:pos x="connsiteX3" y="connsiteY3"/>
+              </a:cxn>
+              <a:cxn ang="0">
+                <a:pos x="connsiteX4" y="connsiteY4"/>
+              </a:cxn>
+              <a:cxn ang="0">
+                <a:pos x="connsiteX5" y="connsiteY5"/>
+              </a:cxn>
+              <a:cxn ang="0">
+                <a:pos x="connsiteX6" y="connsiteY6"/>
+              </a:cxn>
+              <a:cxn ang="0">
+                <a:pos x="connsiteX7" y="connsiteY7"/>
+              </a:cxn>
+            </a:cxnLst>
+            <a:rect l="l" t="t" r="r" b="b"/>
+            <a:pathLst>
+              <a:path w="4103216" h="1714050">
+                <a:moveTo>
+                  <a:pt x="2051608" y="0"/>
+                </a:moveTo>
+                <a:cubicBezTo>
+                  <a:pt x="3184680" y="0"/>
+                  <a:pt x="4103216" y="567138"/>
+                  <a:pt x="4103216" y="1266738"/>
+                </a:cubicBezTo>
+                <a:cubicBezTo>
+                  <a:pt x="4103216" y="1397913"/>
+                  <a:pt x="4070924" y="1524431"/>
+                  <a:pt x="4010980" y="1643427"/>
+                </a:cubicBezTo>
+                <a:lnTo>
+                  <a:pt x="3969116" y="1714050"/>
+                </a:lnTo>
+                <a:lnTo>
+                  <a:pt x="134100" y="1714050"/>
+                </a:lnTo>
+                <a:lnTo>
+                  <a:pt x="92237" y="1643427"/>
+                </a:lnTo>
+                <a:cubicBezTo>
+                  <a:pt x="32293" y="1524431"/>
+                  <a:pt x="0" y="1397913"/>
+                  <a:pt x="0" y="1266738"/>
+                </a:cubicBezTo>
+                <a:cubicBezTo>
+                  <a:pt x="0" y="567138"/>
+                  <a:pt x="918536" y="0"/>
+                  <a:pt x="2051608" y="0"/>
+                </a:cubicBezTo>
+                <a:close/>
+              </a:path>
+            </a:pathLst>
+          </a:custGeom>
+        </p:spPr>
+      </p:pic>
     </p:spTree>
     <p:extLst>
       <p:ext uri="{BB962C8B-B14F-4D97-AF65-F5344CB8AC3E}">
@@ -6150,7 +12776,7 @@
     </p:extLst>
   </p:cSld>
   <p:clrMapOvr>
-    <a:masterClrMapping/>
+    <a:overrideClrMapping bg1="dk1" tx1="lt1" bg2="dk2" tx2="lt2" accent1="accent1" accent2="accent2" accent3="accent3" accent4="accent4" accent5="accent5" accent6="accent6" hlink="hlink" folHlink="folHlink"/>
   </p:clrMapOvr>
 </p:sld>
 </file>
@@ -6158,6 +12784,32 @@
 <file path=ppt/slides/slide2.xml><?xml version="1.0" encoding="utf-8"?>
 <p:sld xmlns:a="http://schemas.openxmlformats.org/drawingml/2006/main" xmlns:r="http://schemas.openxmlformats.org/officeDocument/2006/relationships" xmlns:p="http://schemas.openxmlformats.org/presentationml/2006/main">
   <p:cSld>
+    <p:bg>
+      <p:bgPr>
+        <a:gradFill rotWithShape="1">
+          <a:gsLst>
+            <a:gs pos="0">
+              <a:schemeClr val="bg2">
+                <a:tint val="84000"/>
+                <a:shade val="100000"/>
+                <a:hueMod val="92000"/>
+                <a:satMod val="180000"/>
+                <a:lumMod val="114000"/>
+              </a:schemeClr>
+            </a:gs>
+            <a:gs pos="100000">
+              <a:schemeClr val="bg2">
+                <a:shade val="92000"/>
+                <a:satMod val="170000"/>
+                <a:lumMod val="96000"/>
+              </a:schemeClr>
+            </a:gs>
+          </a:gsLst>
+          <a:lin ang="5400000" scaled="0"/>
+        </a:gradFill>
+        <a:effectLst/>
+      </p:bgPr>
+    </p:bg>
     <p:spTree>
       <p:nvGrpSpPr>
         <p:cNvPr id="1" name=""/>
@@ -6188,60 +12840,56 @@
             <p:ph type="title"/>
           </p:nvPr>
         </p:nvSpPr>
-        <p:spPr/>
+        <p:spPr>
+          <a:xfrm>
+            <a:off x="913775" y="618517"/>
+            <a:ext cx="10364451" cy="1596177"/>
+          </a:xfrm>
+        </p:spPr>
         <p:txBody>
-          <a:bodyPr/>
+          <a:bodyPr>
+            <a:normAutofit/>
+          </a:bodyPr>
           <a:lstStyle/>
           <a:p>
             <a:r>
-              <a:rPr lang="en-US" dirty="0"/>
+              <a:rPr lang="en-US" sz="3600"/>
               <a:t>The study</a:t>
             </a:r>
           </a:p>
         </p:txBody>
       </p:sp>
-      <p:sp>
-        <p:nvSpPr>
-          <p:cNvPr id="3" name="Content Placeholder 2">
+      <p:graphicFrame>
+        <p:nvGraphicFramePr>
+          <p:cNvPr id="5" name="Content Placeholder 2">
             <a:extLst>
               <a:ext uri="{FF2B5EF4-FFF2-40B4-BE49-F238E27FC236}">
-                <a16:creationId xmlns:a16="http://schemas.microsoft.com/office/drawing/2014/main" id="{91D73B99-0825-44FF-923C-11FCF30BCFCE}"/>
+                <a16:creationId xmlns:a16="http://schemas.microsoft.com/office/drawing/2014/main" id="{68A23AF9-D97B-4F17-8E8C-206C566445CC}"/>
               </a:ext>
             </a:extLst>
           </p:cNvPr>
-          <p:cNvSpPr>
-            <a:spLocks noGrp="1"/>
-          </p:cNvSpPr>
+          <p:cNvGraphicFramePr>
+            <a:graphicFrameLocks noGrp="1"/>
+          </p:cNvGraphicFramePr>
           <p:nvPr>
             <p:ph sz="quarter" idx="13"/>
+            <p:extLst>
+              <p:ext uri="{D42A27DB-BD31-4B8C-83A1-F6EECF244321}">
+                <p14:modId xmlns:p14="http://schemas.microsoft.com/office/powerpoint/2010/main" val="359239870"/>
+              </p:ext>
+            </p:extLst>
           </p:nvPr>
-        </p:nvSpPr>
-        <p:spPr/>
-        <p:txBody>
-          <a:bodyPr/>
-          <a:lstStyle/>
-          <a:p>
-            <a:r>
-              <a:rPr lang="en-US" dirty="0"/>
-              <a:t>To determine the correlation between Government grants and the fluctuation in the employment rate</a:t>
-            </a:r>
-          </a:p>
-          <a:p>
-            <a:r>
-              <a:rPr lang="en-US" dirty="0"/>
-              <a:t>To Determine the effect on the united states </a:t>
-            </a:r>
-            <a:r>
-              <a:rPr lang="en-US" dirty="0" err="1"/>
-              <a:t>gdp</a:t>
-            </a:r>
-            <a:endParaRPr lang="en-US" dirty="0"/>
-          </a:p>
-          <a:p>
-            <a:endParaRPr lang="en-US" dirty="0"/>
-          </a:p>
-        </p:txBody>
-      </p:sp>
+        </p:nvGraphicFramePr>
+        <p:xfrm>
+          <a:off x="914400" y="2532475"/>
+          <a:ext cx="10363200" cy="3029067"/>
+        </p:xfrm>
+        <a:graphic>
+          <a:graphicData uri="http://schemas.openxmlformats.org/drawingml/2006/diagram">
+            <dgm:relIds xmlns:dgm="http://schemas.openxmlformats.org/drawingml/2006/diagram" xmlns:r="http://schemas.openxmlformats.org/officeDocument/2006/relationships" r:dm="rId2" r:lo="rId3" r:qs="rId4" r:cs="rId5"/>
+          </a:graphicData>
+        </a:graphic>
+      </p:graphicFrame>
     </p:spTree>
     <p:extLst>
       <p:ext uri="{BB962C8B-B14F-4D97-AF65-F5344CB8AC3E}">
@@ -6258,6 +12906,32 @@
 <file path=ppt/slides/slide3.xml><?xml version="1.0" encoding="utf-8"?>
 <p:sld xmlns:a="http://schemas.openxmlformats.org/drawingml/2006/main" xmlns:r="http://schemas.openxmlformats.org/officeDocument/2006/relationships" xmlns:p="http://schemas.openxmlformats.org/presentationml/2006/main">
   <p:cSld>
+    <p:bg>
+      <p:bgPr>
+        <a:gradFill rotWithShape="1">
+          <a:gsLst>
+            <a:gs pos="0">
+              <a:schemeClr val="bg2">
+                <a:tint val="84000"/>
+                <a:shade val="100000"/>
+                <a:hueMod val="92000"/>
+                <a:satMod val="180000"/>
+                <a:lumMod val="114000"/>
+              </a:schemeClr>
+            </a:gs>
+            <a:gs pos="100000">
+              <a:schemeClr val="bg2">
+                <a:shade val="92000"/>
+                <a:satMod val="170000"/>
+                <a:lumMod val="96000"/>
+              </a:schemeClr>
+            </a:gs>
+          </a:gsLst>
+          <a:lin ang="5400000" scaled="0"/>
+        </a:gradFill>
+        <a:effectLst/>
+      </p:bgPr>
+    </p:bg>
     <p:spTree>
       <p:nvGrpSpPr>
         <p:cNvPr id="1" name=""/>
@@ -6274,6 +12948,136 @@
       </p:grpSpPr>
       <p:sp>
         <p:nvSpPr>
+          <p:cNvPr id="10" name="Rectangle 9">
+            <a:extLst>
+              <a:ext uri="{FF2B5EF4-FFF2-40B4-BE49-F238E27FC236}">
+                <a16:creationId xmlns:a16="http://schemas.microsoft.com/office/drawing/2014/main" id="{DB6A7BFB-3BBE-4C11-93FC-A6557BD1136C}"/>
+              </a:ext>
+              <a:ext uri="{C183D7F6-B498-43B3-948B-1728B52AA6E4}">
+                <adec:decorative xmlns:adec="http://schemas.microsoft.com/office/drawing/2017/decorative" val="1"/>
+              </a:ext>
+            </a:extLst>
+          </p:cNvPr>
+          <p:cNvSpPr>
+            <a:spLocks noGrp="1" noRot="1" noChangeAspect="1" noMove="1" noResize="1" noEditPoints="1" noAdjustHandles="1" noChangeArrowheads="1" noChangeShapeType="1" noTextEdit="1"/>
+          </p:cNvSpPr>
+          <p:nvPr>
+            <p:extLst>
+              <p:ext uri="{386F3935-93C4-4BCD-93E2-E3B085C9AB24}">
+                <p16:designElem xmlns:p16="http://schemas.microsoft.com/office/powerpoint/2015/main" val="1"/>
+              </p:ext>
+            </p:extLst>
+          </p:nvPr>
+        </p:nvSpPr>
+        <p:spPr>
+          <a:xfrm>
+            <a:off x="4059935" y="0"/>
+            <a:ext cx="8132065" cy="6858000"/>
+          </a:xfrm>
+          <a:prstGeom prst="rect">
+            <a:avLst/>
+          </a:prstGeom>
+          <a:solidFill>
+            <a:schemeClr val="bg1"/>
+          </a:solidFill>
+          <a:ln>
+            <a:noFill/>
+          </a:ln>
+        </p:spPr>
+        <p:style>
+          <a:lnRef idx="2">
+            <a:schemeClr val="accent1">
+              <a:shade val="50000"/>
+            </a:schemeClr>
+          </a:lnRef>
+          <a:fillRef idx="1">
+            <a:schemeClr val="accent1"/>
+          </a:fillRef>
+          <a:effectRef idx="0">
+            <a:schemeClr val="accent1"/>
+          </a:effectRef>
+          <a:fontRef idx="minor">
+            <a:schemeClr val="lt1"/>
+          </a:fontRef>
+        </p:style>
+        <p:txBody>
+          <a:bodyPr rtlCol="0" anchor="ctr"/>
+          <a:lstStyle/>
+          <a:p>
+            <a:pPr algn="ctr"/>
+            <a:endParaRPr lang="en-US"/>
+          </a:p>
+        </p:txBody>
+      </p:sp>
+      <p:sp useBgFill="1">
+        <p:nvSpPr>
+          <p:cNvPr id="12" name="Rectangle 11">
+            <a:extLst>
+              <a:ext uri="{FF2B5EF4-FFF2-40B4-BE49-F238E27FC236}">
+                <a16:creationId xmlns:a16="http://schemas.microsoft.com/office/drawing/2014/main" id="{70CA7A26-553C-443C-9A3D-2A2529D45912}"/>
+              </a:ext>
+              <a:ext uri="{C183D7F6-B498-43B3-948B-1728B52AA6E4}">
+                <adec:decorative xmlns:adec="http://schemas.microsoft.com/office/drawing/2017/decorative" val="1"/>
+              </a:ext>
+            </a:extLst>
+          </p:cNvPr>
+          <p:cNvSpPr>
+            <a:spLocks noGrp="1" noRot="1" noChangeAspect="1" noMove="1" noResize="1" noEditPoints="1" noAdjustHandles="1" noChangeArrowheads="1" noChangeShapeType="1" noTextEdit="1"/>
+          </p:cNvSpPr>
+          <p:nvPr>
+            <p:extLst>
+              <p:ext uri="{386F3935-93C4-4BCD-93E2-E3B085C9AB24}">
+                <p16:designElem xmlns:p16="http://schemas.microsoft.com/office/powerpoint/2015/main" val="1"/>
+              </p:ext>
+            </p:extLst>
+          </p:nvPr>
+        </p:nvSpPr>
+        <p:spPr>
+          <a:xfrm>
+            <a:off x="0" y="0"/>
+            <a:ext cx="4059935" cy="6858000"/>
+          </a:xfrm>
+          <a:prstGeom prst="rect">
+            <a:avLst/>
+          </a:prstGeom>
+          <a:ln>
+            <a:noFill/>
+          </a:ln>
+          <a:effectLst>
+            <a:outerShdw blurRad="50800" dist="12700" algn="l" rotWithShape="0">
+              <a:prstClr val="black">
+                <a:alpha val="30000"/>
+              </a:prstClr>
+            </a:outerShdw>
+          </a:effectLst>
+        </p:spPr>
+        <p:style>
+          <a:lnRef idx="2">
+            <a:schemeClr val="accent1">
+              <a:shade val="50000"/>
+            </a:schemeClr>
+          </a:lnRef>
+          <a:fillRef idx="1">
+            <a:schemeClr val="accent1"/>
+          </a:fillRef>
+          <a:effectRef idx="0">
+            <a:schemeClr val="accent1"/>
+          </a:effectRef>
+          <a:fontRef idx="minor">
+            <a:schemeClr val="lt1"/>
+          </a:fontRef>
+        </p:style>
+        <p:txBody>
+          <a:bodyPr rtlCol="0" anchor="ctr"/>
+          <a:lstStyle/>
+          <a:p>
+            <a:pPr algn="ctr"/>
+            <a:endParaRPr lang="en-US"/>
+          </a:p>
+        </p:txBody>
+      </p:sp>
+      <p:sp>
+        <p:nvSpPr>
           <p:cNvPr id="2" name="Title 1">
             <a:extLst>
               <a:ext uri="{FF2B5EF4-FFF2-40B4-BE49-F238E27FC236}">
@@ -6288,66 +13092,145 @@
             <p:ph type="title"/>
           </p:nvPr>
         </p:nvSpPr>
-        <p:spPr/>
+        <p:spPr>
+          <a:xfrm>
+            <a:off x="641074" y="1314450"/>
+            <a:ext cx="2844002" cy="3680244"/>
+          </a:xfrm>
+        </p:spPr>
         <p:txBody>
-          <a:bodyPr/>
+          <a:bodyPr>
+            <a:normAutofit/>
+          </a:bodyPr>
           <a:lstStyle/>
           <a:p>
+            <a:pPr algn="l"/>
             <a:r>
-              <a:rPr lang="en-US" dirty="0"/>
+              <a:rPr lang="en-US" sz="4400"/>
               <a:t>The What, Why, and how?</a:t>
             </a:r>
           </a:p>
         </p:txBody>
       </p:sp>
-      <p:sp>
-        <p:nvSpPr>
-          <p:cNvPr id="3" name="Content Placeholder 2">
+      <p:pic>
+        <p:nvPicPr>
+          <p:cNvPr id="14" name="Picture 13">
             <a:extLst>
               <a:ext uri="{FF2B5EF4-FFF2-40B4-BE49-F238E27FC236}">
-                <a16:creationId xmlns:a16="http://schemas.microsoft.com/office/drawing/2014/main" id="{2D1D2152-C9A7-4D51-A3AB-EC420FD96EFD}"/>
+                <a16:creationId xmlns:a16="http://schemas.microsoft.com/office/drawing/2014/main" id="{367E268D-B340-41B0-B037-2F3FC25BC705}"/>
+              </a:ext>
+              <a:ext uri="{C183D7F6-B498-43B3-948B-1728B52AA6E4}">
+                <adec:decorative xmlns:adec="http://schemas.microsoft.com/office/drawing/2017/decorative" val="1"/>
               </a:ext>
             </a:extLst>
           </p:cNvPr>
-          <p:cNvSpPr>
-            <a:spLocks noGrp="1"/>
-          </p:cNvSpPr>
+          <p:cNvPicPr>
+            <a:picLocks noGrp="1" noRot="1" noChangeAspect="1" noMove="1" noResize="1" noEditPoints="1" noAdjustHandles="1" noChangeArrowheads="1" noChangeShapeType="1" noCrop="1"/>
+          </p:cNvPicPr>
+          <p:nvPr>
+            <p:extLst>
+              <p:ext uri="{386F3935-93C4-4BCD-93E2-E3B085C9AB24}">
+                <p16:designElem xmlns:p16="http://schemas.microsoft.com/office/powerpoint/2015/main" val="1"/>
+              </p:ext>
+            </p:extLst>
+          </p:nvPr>
+        </p:nvPicPr>
+        <p:blipFill rotWithShape="1">
+          <a:blip r:embed="rId2">
+            <a:extLst>
+              <a:ext uri="{28A0092B-C50C-407E-A947-70E740481C1C}">
+                <a14:useLocalDpi xmlns:a14="http://schemas.microsoft.com/office/drawing/2010/main" val="0"/>
+              </a:ext>
+            </a:extLst>
+          </a:blip>
+          <a:srcRect r="66700" b="77917"/>
+          <a:stretch/>
+        </p:blipFill>
+        <p:spPr>
+          <a:xfrm>
+            <a:off x="0" y="0"/>
+            <a:ext cx="4059935" cy="1514475"/>
+          </a:xfrm>
+          <a:prstGeom prst="rect">
+            <a:avLst/>
+          </a:prstGeom>
+        </p:spPr>
+      </p:pic>
+      <p:pic>
+        <p:nvPicPr>
+          <p:cNvPr id="16" name="Picture 15">
+            <a:extLst>
+              <a:ext uri="{FF2B5EF4-FFF2-40B4-BE49-F238E27FC236}">
+                <a16:creationId xmlns:a16="http://schemas.microsoft.com/office/drawing/2014/main" id="{ABB0BCA0-9493-46B4-B955-8FBF0287306B}"/>
+              </a:ext>
+              <a:ext uri="{C183D7F6-B498-43B3-948B-1728B52AA6E4}">
+                <adec:decorative xmlns:adec="http://schemas.microsoft.com/office/drawing/2017/decorative" val="1"/>
+              </a:ext>
+            </a:extLst>
+          </p:cNvPr>
+          <p:cNvPicPr>
+            <a:picLocks noGrp="1" noRot="1" noChangeAspect="1" noMove="1" noResize="1" noEditPoints="1" noAdjustHandles="1" noChangeArrowheads="1" noChangeShapeType="1" noCrop="1"/>
+          </p:cNvPicPr>
+          <p:nvPr>
+            <p:extLst>
+              <p:ext uri="{386F3935-93C4-4BCD-93E2-E3B085C9AB24}">
+                <p16:designElem xmlns:p16="http://schemas.microsoft.com/office/powerpoint/2015/main" val="1"/>
+              </p:ext>
+            </p:extLst>
+          </p:nvPr>
+        </p:nvPicPr>
+        <p:blipFill rotWithShape="1">
+          <a:blip r:embed="rId3">
+            <a:extLst>
+              <a:ext uri="{28A0092B-C50C-407E-A947-70E740481C1C}">
+                <a14:useLocalDpi xmlns:a14="http://schemas.microsoft.com/office/drawing/2010/main" val="0"/>
+              </a:ext>
+            </a:extLst>
+          </a:blip>
+          <a:srcRect l="78750" t="72830" b="14149"/>
+          <a:stretch/>
+        </p:blipFill>
+        <p:spPr>
+          <a:xfrm>
+            <a:off x="1377059" y="5962903"/>
+            <a:ext cx="2590800" cy="892925"/>
+          </a:xfrm>
+          <a:prstGeom prst="rect">
+            <a:avLst/>
+          </a:prstGeom>
+        </p:spPr>
+      </p:pic>
+      <p:graphicFrame>
+        <p:nvGraphicFramePr>
+          <p:cNvPr id="5" name="Content Placeholder 2">
+            <a:extLst>
+              <a:ext uri="{FF2B5EF4-FFF2-40B4-BE49-F238E27FC236}">
+                <a16:creationId xmlns:a16="http://schemas.microsoft.com/office/drawing/2014/main" id="{96A7BEF4-F7B2-4B07-B205-53C4EB0CA30C}"/>
+              </a:ext>
+            </a:extLst>
+          </p:cNvPr>
+          <p:cNvGraphicFramePr>
+            <a:graphicFrameLocks noGrp="1"/>
+          </p:cNvGraphicFramePr>
           <p:nvPr>
             <p:ph sz="quarter" idx="13"/>
+            <p:extLst>
+              <p:ext uri="{D42A27DB-BD31-4B8C-83A1-F6EECF244321}">
+                <p14:modId xmlns:p14="http://schemas.microsoft.com/office/powerpoint/2010/main" val="3206194499"/>
+              </p:ext>
+            </p:extLst>
           </p:nvPr>
-        </p:nvSpPr>
-        <p:spPr/>
-        <p:txBody>
-          <a:bodyPr/>
-          <a:lstStyle/>
-          <a:p>
-            <a:r>
-              <a:rPr lang="en-US" dirty="0"/>
-              <a:t>What: there are many factors to move the economy forward, we will focus on a key metric “The Federal Government procurement program”</a:t>
-            </a:r>
-          </a:p>
-          <a:p>
-            <a:r>
-              <a:rPr lang="en-US" dirty="0"/>
-              <a:t>Why: we believe that the program is very essential to our growing economy here in the us and we would like to showcase that using our code.</a:t>
-            </a:r>
-          </a:p>
-          <a:p>
-            <a:r>
-              <a:rPr lang="en-US" dirty="0"/>
-              <a:t>How: did you say code? we will utilize our research and </a:t>
-            </a:r>
-            <a:r>
-              <a:rPr lang="en-US" dirty="0" err="1"/>
-              <a:t>gts</a:t>
-            </a:r>
-            <a:r>
-              <a:rPr lang="en-US" dirty="0"/>
-              <a:t> skills to showcase how we used code to import, organize, merge, set tables, edit, graph and data manipulate. </a:t>
-            </a:r>
-          </a:p>
-        </p:txBody>
-      </p:sp>
+        </p:nvGraphicFramePr>
+        <p:xfrm>
+          <a:off x="4594225" y="889000"/>
+          <a:ext cx="6683375" cy="4606925"/>
+        </p:xfrm>
+        <a:graphic>
+          <a:graphicData uri="http://schemas.openxmlformats.org/drawingml/2006/diagram">
+            <dgm:relIds xmlns:dgm="http://schemas.openxmlformats.org/drawingml/2006/diagram" xmlns:r="http://schemas.openxmlformats.org/officeDocument/2006/relationships" r:dm="rId4" r:lo="rId5" r:qs="rId6" r:cs="rId7"/>
+          </a:graphicData>
+        </a:graphic>
+      </p:graphicFrame>
     </p:spTree>
     <p:extLst>
       <p:ext uri="{BB962C8B-B14F-4D97-AF65-F5344CB8AC3E}">
@@ -6383,7 +13266,7 @@
           <p:cNvPr id="2" name="Title 1">
             <a:extLst>
               <a:ext uri="{FF2B5EF4-FFF2-40B4-BE49-F238E27FC236}">
-                <a16:creationId xmlns:a16="http://schemas.microsoft.com/office/drawing/2014/main" id="{5F14A783-590D-401A-A469-236EA3A4EA09}"/>
+                <a16:creationId xmlns:a16="http://schemas.microsoft.com/office/drawing/2014/main" id="{63622354-1710-49FA-84C3-3C1D97F773E3}"/>
               </a:ext>
             </a:extLst>
           </p:cNvPr>
@@ -6401,15 +13284,7 @@
           <a:p>
             <a:r>
               <a:rPr lang="en-US" dirty="0"/>
-              <a:t>The Federal Government procurement effect on </a:t>
-            </a:r>
-            <a:r>
-              <a:rPr lang="en-US" dirty="0" err="1"/>
-              <a:t>unEmployment</a:t>
-            </a:r>
-            <a:r>
-              <a:rPr lang="en-US" dirty="0"/>
-              <a:t> rate</a:t>
+              <a:t>How did we go sort the data</a:t>
             </a:r>
           </a:p>
         </p:txBody>
@@ -6419,7 +13294,7 @@
           <p:cNvPr id="3" name="Content Placeholder 2">
             <a:extLst>
               <a:ext uri="{FF2B5EF4-FFF2-40B4-BE49-F238E27FC236}">
-                <a16:creationId xmlns:a16="http://schemas.microsoft.com/office/drawing/2014/main" id="{4FE98485-B5A5-4DFE-80D2-DFC93B18C4AA}"/>
+                <a16:creationId xmlns:a16="http://schemas.microsoft.com/office/drawing/2014/main" id="{D1237AA0-64C1-4177-917B-81DC00F328E8}"/>
               </a:ext>
             </a:extLst>
           </p:cNvPr>
@@ -6430,19 +13305,126 @@
             <p:ph sz="quarter" idx="13"/>
           </p:nvPr>
         </p:nvSpPr>
-        <p:spPr/>
+        <p:spPr>
+          <a:xfrm>
+            <a:off x="913773" y="1732547"/>
+            <a:ext cx="10963801" cy="5024387"/>
+          </a:xfrm>
+        </p:spPr>
         <p:txBody>
           <a:bodyPr/>
           <a:lstStyle/>
           <a:p>
+            <a:r>
+              <a:rPr lang="en-US" dirty="0"/>
+              <a:t>Import dependencies </a:t>
+            </a:r>
+          </a:p>
+          <a:p>
+            <a:r>
+              <a:rPr lang="en-US" dirty="0"/>
+              <a:t>Rename columns and such..</a:t>
+            </a:r>
+          </a:p>
+          <a:p>
             <a:endParaRPr lang="en-US" dirty="0"/>
           </a:p>
         </p:txBody>
       </p:sp>
+      <p:sp>
+        <p:nvSpPr>
+          <p:cNvPr id="4" name="Content Placeholder 3">
+            <a:extLst>
+              <a:ext uri="{FF2B5EF4-FFF2-40B4-BE49-F238E27FC236}">
+                <a16:creationId xmlns:a16="http://schemas.microsoft.com/office/drawing/2014/main" id="{70B242E0-C7AF-433B-8468-011EBB4D02DF}"/>
+              </a:ext>
+            </a:extLst>
+          </p:cNvPr>
+          <p:cNvSpPr>
+            <a:spLocks noGrp="1"/>
+          </p:cNvSpPr>
+          <p:nvPr>
+            <p:ph sz="quarter" idx="4294967295"/>
+          </p:nvPr>
+        </p:nvSpPr>
+        <p:spPr>
+          <a:xfrm>
+            <a:off x="7086600" y="2366963"/>
+            <a:ext cx="5105400" cy="3424237"/>
+          </a:xfrm>
+        </p:spPr>
+        <p:txBody>
+          <a:bodyPr/>
+          <a:lstStyle/>
+          <a:p>
+            <a:endParaRPr lang="en-US" dirty="0"/>
+          </a:p>
+        </p:txBody>
+      </p:sp>
+      <p:pic>
+        <p:nvPicPr>
+          <p:cNvPr id="7" name="Content Placeholder 4">
+            <a:extLst>
+              <a:ext uri="{FF2B5EF4-FFF2-40B4-BE49-F238E27FC236}">
+                <a16:creationId xmlns:a16="http://schemas.microsoft.com/office/drawing/2014/main" id="{FD5DD2B5-7B61-4989-9B01-6240691A8193}"/>
+              </a:ext>
+            </a:extLst>
+          </p:cNvPr>
+          <p:cNvPicPr>
+            <a:picLocks noChangeAspect="1"/>
+          </p:cNvPicPr>
+          <p:nvPr/>
+        </p:nvPicPr>
+        <p:blipFill>
+          <a:blip r:embed="rId2"/>
+          <a:stretch>
+            <a:fillRect/>
+          </a:stretch>
+        </p:blipFill>
+        <p:spPr>
+          <a:xfrm>
+            <a:off x="7086600" y="2209876"/>
+            <a:ext cx="3688043" cy="2762171"/>
+          </a:xfrm>
+          <a:prstGeom prst="rect">
+            <a:avLst/>
+          </a:prstGeom>
+        </p:spPr>
+      </p:pic>
+      <p:pic>
+        <p:nvPicPr>
+          <p:cNvPr id="8" name="Picture 7">
+            <a:extLst>
+              <a:ext uri="{FF2B5EF4-FFF2-40B4-BE49-F238E27FC236}">
+                <a16:creationId xmlns:a16="http://schemas.microsoft.com/office/drawing/2014/main" id="{E1A07892-EB7E-48B6-B91B-BDEDE52548C5}"/>
+              </a:ext>
+            </a:extLst>
+          </p:cNvPr>
+          <p:cNvPicPr>
+            <a:picLocks noChangeAspect="1"/>
+          </p:cNvPicPr>
+          <p:nvPr/>
+        </p:nvPicPr>
+        <p:blipFill>
+          <a:blip r:embed="rId3"/>
+          <a:stretch>
+            <a:fillRect/>
+          </a:stretch>
+        </p:blipFill>
+        <p:spPr>
+          <a:xfrm>
+            <a:off x="913774" y="4972047"/>
+            <a:ext cx="10696575" cy="1638300"/>
+          </a:xfrm>
+          <a:prstGeom prst="rect">
+            <a:avLst/>
+          </a:prstGeom>
+        </p:spPr>
+      </p:pic>
     </p:spTree>
     <p:extLst>
       <p:ext uri="{BB962C8B-B14F-4D97-AF65-F5344CB8AC3E}">
-        <p14:creationId xmlns:p14="http://schemas.microsoft.com/office/powerpoint/2010/main" val="3049916425"/>
+        <p14:creationId xmlns:p14="http://schemas.microsoft.com/office/powerpoint/2010/main" val="526362239"/>
       </p:ext>
     </p:extLst>
   </p:cSld>
@@ -6474,7 +13456,7 @@
           <p:cNvPr id="2" name="Title 1">
             <a:extLst>
               <a:ext uri="{FF2B5EF4-FFF2-40B4-BE49-F238E27FC236}">
-                <a16:creationId xmlns:a16="http://schemas.microsoft.com/office/drawing/2014/main" id="{E2D71009-8970-49D2-803D-A008B6FAB2C8}"/>
+                <a16:creationId xmlns:a16="http://schemas.microsoft.com/office/drawing/2014/main" id="{5F14A783-590D-401A-A469-236EA3A4EA09}"/>
               </a:ext>
             </a:extLst>
           </p:cNvPr>
@@ -6485,18 +13467,19 @@
             <p:ph type="title"/>
           </p:nvPr>
         </p:nvSpPr>
-        <p:spPr/>
+        <p:spPr>
+          <a:xfrm>
+            <a:off x="913775" y="618517"/>
+            <a:ext cx="10364451" cy="1596177"/>
+          </a:xfrm>
+        </p:spPr>
         <p:txBody>
           <a:bodyPr/>
           <a:lstStyle/>
           <a:p>
             <a:r>
-              <a:rPr lang="en-US" dirty="0"/>
-              <a:t>Top </a:t>
-            </a:r>
-            <a:r>
               <a:rPr lang="en-US"/>
-              <a:t>awarded industry </a:t>
+              <a:t>The Federal Government procurement effect on Employment rate</a:t>
             </a:r>
             <a:endParaRPr lang="en-US" dirty="0"/>
           </a:p>
@@ -6504,10 +13487,10 @@
       </p:sp>
       <p:sp>
         <p:nvSpPr>
-          <p:cNvPr id="3" name="Content Placeholder 2">
+          <p:cNvPr id="8" name="Content Placeholder 7">
             <a:extLst>
               <a:ext uri="{FF2B5EF4-FFF2-40B4-BE49-F238E27FC236}">
-                <a16:creationId xmlns:a16="http://schemas.microsoft.com/office/drawing/2014/main" id="{584EE88A-F658-4A85-9999-BC4F98983AB4}"/>
+                <a16:creationId xmlns:a16="http://schemas.microsoft.com/office/drawing/2014/main" id="{1E43E8E9-02B3-4DEA-9D51-D5CCCA23AA00}"/>
               </a:ext>
             </a:extLst>
           </p:cNvPr>
@@ -6518,19 +13501,24 @@
             <p:ph sz="quarter" idx="13"/>
           </p:nvPr>
         </p:nvSpPr>
-        <p:spPr/>
+        <p:spPr>
+          <a:xfrm>
+            <a:off x="913774" y="2367092"/>
+            <a:ext cx="10363826" cy="3424107"/>
+          </a:xfrm>
+        </p:spPr>
         <p:txBody>
           <a:bodyPr/>
           <a:lstStyle/>
           <a:p>
-            <a:endParaRPr lang="en-US"/>
+            <a:endParaRPr lang="en-US" dirty="0"/>
           </a:p>
         </p:txBody>
       </p:sp>
     </p:spTree>
     <p:extLst>
       <p:ext uri="{BB962C8B-B14F-4D97-AF65-F5344CB8AC3E}">
-        <p14:creationId xmlns:p14="http://schemas.microsoft.com/office/powerpoint/2010/main" val="2632215989"/>
+        <p14:creationId xmlns:p14="http://schemas.microsoft.com/office/powerpoint/2010/main" val="3049916425"/>
       </p:ext>
     </p:extLst>
   </p:cSld>
@@ -6621,7 +13609,7 @@
     </p:spTree>
     <p:extLst>
       <p:ext uri="{BB962C8B-B14F-4D97-AF65-F5344CB8AC3E}">
-        <p14:creationId xmlns:p14="http://schemas.microsoft.com/office/powerpoint/2010/main" val="34082340"/>
+        <p14:creationId xmlns:p14="http://schemas.microsoft.com/office/powerpoint/2010/main" val="2632215989"/>
       </p:ext>
     </p:extLst>
   </p:cSld>
@@ -6697,7 +13685,13 @@
           <a:bodyPr/>
           <a:lstStyle/>
           <a:p>
-            <a:endParaRPr lang="en-US"/>
+            <a:r>
+              <a:rPr lang="en-US" dirty="0"/>
+              <a:t>IN CONCLUSION, TIME IS YOUR MOST VALUABLE RESOURCE, LEARN HOW TO MANAGE IT.</a:t>
+            </a:r>
+          </a:p>
+          <a:p>
+            <a:endParaRPr lang="en-US" dirty="0"/>
           </a:p>
         </p:txBody>
       </p:sp>
